--- a/Hot Deals Platform.pptx
+++ b/Hot Deals Platform.pptx
@@ -7,11 +7,15 @@
   <p:sldIdLst>
     <p:sldId id="270" r:id="rId2"/>
     <p:sldId id="271" r:id="rId3"/>
-    <p:sldId id="272" r:id="rId4"/>
-    <p:sldId id="273" r:id="rId5"/>
-    <p:sldId id="274" r:id="rId6"/>
-    <p:sldId id="275" r:id="rId7"/>
-    <p:sldId id="276" r:id="rId8"/>
+    <p:sldId id="278" r:id="rId4"/>
+    <p:sldId id="279" r:id="rId5"/>
+    <p:sldId id="272" r:id="rId6"/>
+    <p:sldId id="273" r:id="rId7"/>
+    <p:sldId id="274" r:id="rId8"/>
+    <p:sldId id="275" r:id="rId9"/>
+    <p:sldId id="280" r:id="rId10"/>
+    <p:sldId id="281" r:id="rId11"/>
+    <p:sldId id="276" r:id="rId12"/>
   </p:sldIdLst>
   <p:sldSz cx="12192000" cy="6858000"/>
   <p:notesSz cx="6858000" cy="9144000"/>
@@ -3318,6 +3322,14 @@
 <file path=ppt/slides/slide1.xml><?xml version="1.0" encoding="utf-8"?>
 <p:sld xmlns:a="http://schemas.openxmlformats.org/drawingml/2006/main" xmlns:r="http://schemas.openxmlformats.org/officeDocument/2006/relationships" xmlns:p="http://schemas.openxmlformats.org/presentationml/2006/main" showMasterPhAnim="0">
   <p:cSld>
+    <p:bg>
+      <p:bgPr>
+        <a:solidFill>
+          <a:schemeClr val="bg1"/>
+        </a:solidFill>
+        <a:effectLst/>
+      </p:bgPr>
+    </p:bg>
     <p:spTree>
       <p:nvGrpSpPr>
         <p:cNvPr id="1" name=""/>
@@ -3334,6 +3346,82 @@
       </p:grpSpPr>
       <p:sp>
         <p:nvSpPr>
+          <p:cNvPr id="8" name="Rectangle 7">
+            <a:extLst>
+              <a:ext uri="{FF2B5EF4-FFF2-40B4-BE49-F238E27FC236}">
+                <a16:creationId xmlns:a16="http://schemas.microsoft.com/office/drawing/2014/main" id="{5E7AA7E8-8006-4E1F-A566-FCF37EE6F35D}"/>
+              </a:ext>
+              <a:ext uri="{C183D7F6-B498-43B3-948B-1728B52AA6E4}">
+                <adec:decorative xmlns:adec="http://schemas.microsoft.com/office/drawing/2017/decorative" val="1"/>
+              </a:ext>
+            </a:extLst>
+          </p:cNvPr>
+          <p:cNvSpPr>
+            <a:spLocks noGrp="1" noRot="1" noChangeAspect="1" noMove="1" noResize="1" noEditPoints="1" noAdjustHandles="1" noChangeArrowheads="1" noChangeShapeType="1" noTextEdit="1"/>
+          </p:cNvSpPr>
+          <p:nvPr>
+            <p:extLst>
+              <p:ext uri="{386F3935-93C4-4BCD-93E2-E3B085C9AB24}">
+                <p16:designElem xmlns:p16="http://schemas.microsoft.com/office/powerpoint/2015/main" val="1"/>
+              </p:ext>
+            </p:extLst>
+          </p:nvPr>
+        </p:nvSpPr>
+        <p:spPr>
+          <a:xfrm>
+            <a:off x="0" y="0"/>
+            <a:ext cx="12192000" cy="6858000"/>
+          </a:xfrm>
+          <a:prstGeom prst="rect">
+            <a:avLst/>
+          </a:prstGeom>
+          <a:gradFill flip="none" rotWithShape="1">
+            <a:gsLst>
+              <a:gs pos="0">
+                <a:schemeClr val="accent1"/>
+              </a:gs>
+              <a:gs pos="100000">
+                <a:schemeClr val="accent2"/>
+              </a:gs>
+            </a:gsLst>
+            <a:lin ang="2700000" scaled="1"/>
+            <a:tileRect/>
+          </a:gradFill>
+          <a:ln>
+            <a:noFill/>
+          </a:ln>
+        </p:spPr>
+        <p:style>
+          <a:lnRef idx="2">
+            <a:schemeClr val="accent1">
+              <a:shade val="50000"/>
+            </a:schemeClr>
+          </a:lnRef>
+          <a:fillRef idx="1">
+            <a:schemeClr val="accent1"/>
+          </a:fillRef>
+          <a:effectRef idx="0">
+            <a:schemeClr val="accent1"/>
+          </a:effectRef>
+          <a:fontRef idx="minor">
+            <a:schemeClr val="lt1"/>
+          </a:fontRef>
+        </p:style>
+        <p:txBody>
+          <a:bodyPr rtlCol="0" anchor="ctr"/>
+          <a:lstStyle/>
+          <a:p>
+            <a:pPr algn="ctr"/>
+            <a:endParaRPr lang="en-US">
+              <a:solidFill>
+                <a:srgbClr val="FFFFFF"/>
+              </a:solidFill>
+            </a:endParaRPr>
+          </a:p>
+        </p:txBody>
+      </p:sp>
+      <p:sp>
+        <p:nvSpPr>
           <p:cNvPr id="2" name="Title 1">
             <a:extLst>
               <a:ext uri="{FF2B5EF4-FFF2-40B4-BE49-F238E27FC236}">
@@ -3348,15 +3436,23 @@
             <p:ph type="ctrTitle"/>
           </p:nvPr>
         </p:nvSpPr>
-        <p:spPr/>
+        <p:spPr>
+          <a:xfrm>
+            <a:off x="242910" y="1598246"/>
+            <a:ext cx="4626709" cy="5122985"/>
+          </a:xfrm>
+        </p:spPr>
         <p:txBody>
-          <a:bodyPr/>
+          <a:bodyPr anchor="t">
+            <a:normAutofit/>
+          </a:bodyPr>
           <a:lstStyle/>
           <a:p>
+            <a:pPr algn="r"/>
             <a:r>
-              <a:rPr lang="en-US" b="1">
+              <a:rPr lang="en-US" sz="8000" b="1">
                 <a:solidFill>
-                  <a:srgbClr val="EB6633"/>
+                  <a:srgbClr val="FFFFFF"/>
                 </a:solidFill>
               </a:rPr>
               <a:t>Hot Deals Platform</a:t>
@@ -3380,49 +3476,146 @@
             <p:ph type="subTitle" idx="1"/>
           </p:nvPr>
         </p:nvSpPr>
-        <p:spPr/>
+        <p:spPr>
+          <a:xfrm>
+            <a:off x="5792994" y="1590840"/>
+            <a:ext cx="5672176" cy="5095221"/>
+          </a:xfrm>
+        </p:spPr>
         <p:txBody>
           <a:bodyPr>
-            <a:normAutofit fontScale="77500" lnSpcReduction="20000"/>
+            <a:normAutofit/>
           </a:bodyPr>
           <a:lstStyle/>
           <a:p>
+            <a:pPr algn="l"/>
             <a:r>
-              <a:rPr lang="en-US" dirty="0"/>
+              <a:rPr lang="en-US" sz="3100">
+                <a:solidFill>
+                  <a:srgbClr val="FFFFFF"/>
+                </a:solidFill>
+              </a:rPr>
               <a:t>Fashion That Turns Heads</a:t>
             </a:r>
           </a:p>
           <a:p>
+            <a:pPr algn="l"/>
             <a:r>
-              <a:rPr lang="en-US" dirty="0"/>
+              <a:rPr lang="en-US" sz="3100">
+                <a:solidFill>
+                  <a:srgbClr val="FFFFFF"/>
+                </a:solidFill>
+              </a:rPr>
               <a:t>A Modern E-Commerce Solution with Loyalty Rewards</a:t>
             </a:r>
           </a:p>
           <a:p>
-            <a:endParaRPr lang="en-US" dirty="0"/>
-          </a:p>
-          <a:p>
+            <a:pPr algn="l"/>
+            <a:endParaRPr lang="ar-EG" sz="3100">
+              <a:solidFill>
+                <a:srgbClr val="FFFFFF"/>
+              </a:solidFill>
+            </a:endParaRPr>
+          </a:p>
+          <a:p>
+            <a:pPr algn="l"/>
             <a:r>
-              <a:rPr lang="en-US" dirty="0"/>
-              <a:t>Team Leader: Youssef Atef</a:t>
+              <a:rPr lang="en-US" sz="3100">
+                <a:solidFill>
+                  <a:srgbClr val="FFFFFF"/>
+                </a:solidFill>
+              </a:rPr>
+              <a:t>Youssef Atef: Leader / Frontend</a:t>
             </a:r>
           </a:p>
           <a:p>
+            <a:pPr algn="l"/>
             <a:r>
-              <a:rPr lang="en-US"/>
-              <a:t>Team</a:t>
+              <a:rPr lang="en-US" sz="3100">
+                <a:solidFill>
+                  <a:srgbClr val="FFFFFF"/>
+                </a:solidFill>
+              </a:rPr>
+              <a:t>Philopater Wael: Frontend / Backend</a:t>
             </a:r>
+          </a:p>
+          <a:p>
+            <a:pPr algn="l"/>
             <a:r>
-              <a:rPr lang="ar-EG"/>
-              <a:t> </a:t>
+              <a:rPr lang="en-US" sz="3100">
+                <a:solidFill>
+                  <a:srgbClr val="FFFFFF"/>
+                </a:solidFill>
+              </a:rPr>
+              <a:t>Youssef Waleed: Frontend</a:t>
             </a:r>
+          </a:p>
+          <a:p>
+            <a:pPr algn="l"/>
             <a:r>
-              <a:rPr lang="en-US" dirty="0"/>
-              <a:t>Members: Philopater Wael, Youssef Waleed, Ahmed Sobhy</a:t>
+              <a:rPr lang="en-US" sz="3100">
+                <a:solidFill>
+                  <a:srgbClr val="FFFFFF"/>
+                </a:solidFill>
+              </a:rPr>
+              <a:t>Ahmed Sobhy: Frontend</a:t>
             </a:r>
           </a:p>
         </p:txBody>
       </p:sp>
+      <p:cxnSp>
+        <p:nvCxnSpPr>
+          <p:cNvPr id="10" name="Straight Connector 9">
+            <a:extLst>
+              <a:ext uri="{FF2B5EF4-FFF2-40B4-BE49-F238E27FC236}">
+                <a16:creationId xmlns:a16="http://schemas.microsoft.com/office/drawing/2014/main" id="{56020367-4FD5-4596-8E10-C5F095CD8DBF}"/>
+              </a:ext>
+              <a:ext uri="{C183D7F6-B498-43B3-948B-1728B52AA6E4}">
+                <adec:decorative xmlns:adec="http://schemas.microsoft.com/office/drawing/2017/decorative" val="1"/>
+              </a:ext>
+            </a:extLst>
+          </p:cNvPr>
+          <p:cNvCxnSpPr>
+            <a:cxnSpLocks noGrp="1" noRot="1" noChangeAspect="1" noMove="1" noResize="1" noEditPoints="1" noAdjustHandles="1" noChangeArrowheads="1" noChangeShapeType="1"/>
+          </p:cNvCxnSpPr>
+          <p:nvPr>
+            <p:extLst>
+              <p:ext uri="{386F3935-93C4-4BCD-93E2-E3B085C9AB24}">
+                <p16:designElem xmlns:p16="http://schemas.microsoft.com/office/powerpoint/2015/main" val="1"/>
+              </p:ext>
+            </p:extLst>
+          </p:nvPr>
+        </p:nvCxnSpPr>
+        <p:spPr>
+          <a:xfrm>
+            <a:off x="5447322" y="1589368"/>
+            <a:ext cx="0" cy="5259754"/>
+          </a:xfrm>
+          <a:prstGeom prst="line">
+            <a:avLst/>
+          </a:prstGeom>
+          <a:ln w="25400" cap="sq">
+            <a:solidFill>
+              <a:srgbClr val="FFFFFF"/>
+            </a:solidFill>
+            <a:bevel/>
+          </a:ln>
+        </p:spPr>
+        <p:style>
+          <a:lnRef idx="1">
+            <a:schemeClr val="accent1"/>
+          </a:lnRef>
+          <a:fillRef idx="0">
+            <a:schemeClr val="accent1"/>
+          </a:fillRef>
+          <a:effectRef idx="0">
+            <a:schemeClr val="accent1"/>
+          </a:effectRef>
+          <a:fontRef idx="minor">
+            <a:schemeClr val="tx1"/>
+          </a:fontRef>
+        </p:style>
+      </p:cxnSp>
     </p:spTree>
     <p:extLst>
       <p:ext uri="{BB962C8B-B14F-4D97-AF65-F5344CB8AC3E}">
@@ -3913,6 +4106,236 @@
                       </p:childTnLst>
                     </p:cTn>
                   </p:par>
+                  <p:par>
+                    <p:cTn id="31" fill="hold">
+                      <p:stCondLst>
+                        <p:cond delay="indefinite"/>
+                      </p:stCondLst>
+                      <p:childTnLst>
+                        <p:par>
+                          <p:cTn id="32" fill="hold">
+                            <p:stCondLst>
+                              <p:cond delay="0"/>
+                            </p:stCondLst>
+                            <p:childTnLst>
+                              <p:par>
+                                <p:cTn id="33" presetID="53" presetClass="entr" presetSubtype="16" fill="hold" grpId="0" nodeType="clickEffect">
+                                  <p:stCondLst>
+                                    <p:cond delay="0"/>
+                                  </p:stCondLst>
+                                  <p:childTnLst>
+                                    <p:set>
+                                      <p:cBhvr>
+                                        <p:cTn id="34" dur="1" fill="hold">
+                                          <p:stCondLst>
+                                            <p:cond delay="0"/>
+                                          </p:stCondLst>
+                                        </p:cTn>
+                                        <p:tgtEl>
+                                          <p:spTgt spid="3">
+                                            <p:txEl>
+                                              <p:pRg st="5" end="5"/>
+                                            </p:txEl>
+                                          </p:spTgt>
+                                        </p:tgtEl>
+                                        <p:attrNameLst>
+                                          <p:attrName>style.visibility</p:attrName>
+                                        </p:attrNameLst>
+                                      </p:cBhvr>
+                                      <p:to>
+                                        <p:strVal val="visible"/>
+                                      </p:to>
+                                    </p:set>
+                                    <p:anim calcmode="lin" valueType="num">
+                                      <p:cBhvr>
+                                        <p:cTn id="35" dur="500" fill="hold"/>
+                                        <p:tgtEl>
+                                          <p:spTgt spid="3">
+                                            <p:txEl>
+                                              <p:pRg st="5" end="5"/>
+                                            </p:txEl>
+                                          </p:spTgt>
+                                        </p:tgtEl>
+                                        <p:attrNameLst>
+                                          <p:attrName>ppt_w</p:attrName>
+                                        </p:attrNameLst>
+                                      </p:cBhvr>
+                                      <p:tavLst>
+                                        <p:tav tm="0">
+                                          <p:val>
+                                            <p:fltVal val="0"/>
+                                          </p:val>
+                                        </p:tav>
+                                        <p:tav tm="100000">
+                                          <p:val>
+                                            <p:strVal val="#ppt_w"/>
+                                          </p:val>
+                                        </p:tav>
+                                      </p:tavLst>
+                                    </p:anim>
+                                    <p:anim calcmode="lin" valueType="num">
+                                      <p:cBhvr>
+                                        <p:cTn id="36" dur="500" fill="hold"/>
+                                        <p:tgtEl>
+                                          <p:spTgt spid="3">
+                                            <p:txEl>
+                                              <p:pRg st="5" end="5"/>
+                                            </p:txEl>
+                                          </p:spTgt>
+                                        </p:tgtEl>
+                                        <p:attrNameLst>
+                                          <p:attrName>ppt_h</p:attrName>
+                                        </p:attrNameLst>
+                                      </p:cBhvr>
+                                      <p:tavLst>
+                                        <p:tav tm="0">
+                                          <p:val>
+                                            <p:fltVal val="0"/>
+                                          </p:val>
+                                        </p:tav>
+                                        <p:tav tm="100000">
+                                          <p:val>
+                                            <p:strVal val="#ppt_h"/>
+                                          </p:val>
+                                        </p:tav>
+                                      </p:tavLst>
+                                    </p:anim>
+                                    <p:animEffect transition="in" filter="fade">
+                                      <p:cBhvr>
+                                        <p:cTn id="37" dur="500"/>
+                                        <p:tgtEl>
+                                          <p:spTgt spid="3">
+                                            <p:txEl>
+                                              <p:pRg st="5" end="5"/>
+                                            </p:txEl>
+                                          </p:spTgt>
+                                        </p:tgtEl>
+                                      </p:cBhvr>
+                                    </p:animEffect>
+                                  </p:childTnLst>
+                                </p:cTn>
+                              </p:par>
+                            </p:childTnLst>
+                          </p:cTn>
+                        </p:par>
+                      </p:childTnLst>
+                    </p:cTn>
+                  </p:par>
+                  <p:par>
+                    <p:cTn id="38" fill="hold">
+                      <p:stCondLst>
+                        <p:cond delay="indefinite"/>
+                      </p:stCondLst>
+                      <p:childTnLst>
+                        <p:par>
+                          <p:cTn id="39" fill="hold">
+                            <p:stCondLst>
+                              <p:cond delay="0"/>
+                            </p:stCondLst>
+                            <p:childTnLst>
+                              <p:par>
+                                <p:cTn id="40" presetID="53" presetClass="entr" presetSubtype="16" fill="hold" grpId="0" nodeType="clickEffect">
+                                  <p:stCondLst>
+                                    <p:cond delay="0"/>
+                                  </p:stCondLst>
+                                  <p:childTnLst>
+                                    <p:set>
+                                      <p:cBhvr>
+                                        <p:cTn id="41" dur="1" fill="hold">
+                                          <p:stCondLst>
+                                            <p:cond delay="0"/>
+                                          </p:stCondLst>
+                                        </p:cTn>
+                                        <p:tgtEl>
+                                          <p:spTgt spid="3">
+                                            <p:txEl>
+                                              <p:pRg st="6" end="6"/>
+                                            </p:txEl>
+                                          </p:spTgt>
+                                        </p:tgtEl>
+                                        <p:attrNameLst>
+                                          <p:attrName>style.visibility</p:attrName>
+                                        </p:attrNameLst>
+                                      </p:cBhvr>
+                                      <p:to>
+                                        <p:strVal val="visible"/>
+                                      </p:to>
+                                    </p:set>
+                                    <p:anim calcmode="lin" valueType="num">
+                                      <p:cBhvr>
+                                        <p:cTn id="42" dur="500" fill="hold"/>
+                                        <p:tgtEl>
+                                          <p:spTgt spid="3">
+                                            <p:txEl>
+                                              <p:pRg st="6" end="6"/>
+                                            </p:txEl>
+                                          </p:spTgt>
+                                        </p:tgtEl>
+                                        <p:attrNameLst>
+                                          <p:attrName>ppt_w</p:attrName>
+                                        </p:attrNameLst>
+                                      </p:cBhvr>
+                                      <p:tavLst>
+                                        <p:tav tm="0">
+                                          <p:val>
+                                            <p:fltVal val="0"/>
+                                          </p:val>
+                                        </p:tav>
+                                        <p:tav tm="100000">
+                                          <p:val>
+                                            <p:strVal val="#ppt_w"/>
+                                          </p:val>
+                                        </p:tav>
+                                      </p:tavLst>
+                                    </p:anim>
+                                    <p:anim calcmode="lin" valueType="num">
+                                      <p:cBhvr>
+                                        <p:cTn id="43" dur="500" fill="hold"/>
+                                        <p:tgtEl>
+                                          <p:spTgt spid="3">
+                                            <p:txEl>
+                                              <p:pRg st="6" end="6"/>
+                                            </p:txEl>
+                                          </p:spTgt>
+                                        </p:tgtEl>
+                                        <p:attrNameLst>
+                                          <p:attrName>ppt_h</p:attrName>
+                                        </p:attrNameLst>
+                                      </p:cBhvr>
+                                      <p:tavLst>
+                                        <p:tav tm="0">
+                                          <p:val>
+                                            <p:fltVal val="0"/>
+                                          </p:val>
+                                        </p:tav>
+                                        <p:tav tm="100000">
+                                          <p:val>
+                                            <p:strVal val="#ppt_h"/>
+                                          </p:val>
+                                        </p:tav>
+                                      </p:tavLst>
+                                    </p:anim>
+                                    <p:animEffect transition="in" filter="fade">
+                                      <p:cBhvr>
+                                        <p:cTn id="44" dur="500"/>
+                                        <p:tgtEl>
+                                          <p:spTgt spid="3">
+                                            <p:txEl>
+                                              <p:pRg st="6" end="6"/>
+                                            </p:txEl>
+                                          </p:spTgt>
+                                        </p:tgtEl>
+                                      </p:cBhvr>
+                                    </p:animEffect>
+                                  </p:childTnLst>
+                                </p:cTn>
+                              </p:par>
+                            </p:childTnLst>
+                          </p:cTn>
+                        </p:par>
+                      </p:childTnLst>
+                    </p:cTn>
+                  </p:par>
                 </p:childTnLst>
               </p:cTn>
               <p:prevCondLst>
@@ -3941,9 +4364,725 @@
 </p:sld>
 </file>
 
-<file path=ppt/slides/slide2.xml><?xml version="1.0" encoding="utf-8"?>
+<file path=ppt/slides/slide10.xml><?xml version="1.0" encoding="utf-8"?>
 <p:sld xmlns:a="http://schemas.openxmlformats.org/drawingml/2006/main" xmlns:r="http://schemas.openxmlformats.org/officeDocument/2006/relationships" xmlns:p="http://schemas.openxmlformats.org/presentationml/2006/main" showMasterPhAnim="0">
   <p:cSld>
+    <p:bg>
+      <p:bgPr>
+        <a:solidFill>
+          <a:schemeClr val="bg1"/>
+        </a:solidFill>
+        <a:effectLst/>
+      </p:bgPr>
+    </p:bg>
+    <p:spTree>
+      <p:nvGrpSpPr>
+        <p:cNvPr id="1" name="">
+          <a:extLst>
+            <a:ext uri="{FF2B5EF4-FFF2-40B4-BE49-F238E27FC236}">
+              <a16:creationId xmlns:a16="http://schemas.microsoft.com/office/drawing/2014/main" id="{1BD72406-DBC7-D1E8-AEA6-9EEA38D6711C}"/>
+            </a:ext>
+          </a:extLst>
+        </p:cNvPr>
+        <p:cNvGrpSpPr/>
+        <p:nvPr/>
+      </p:nvGrpSpPr>
+      <p:grpSpPr>
+        <a:xfrm>
+          <a:off x="0" y="0"/>
+          <a:ext cx="0" cy="0"/>
+          <a:chOff x="0" y="0"/>
+          <a:chExt cx="0" cy="0"/>
+        </a:xfrm>
+      </p:grpSpPr>
+      <p:sp useBgFill="1">
+        <p:nvSpPr>
+          <p:cNvPr id="57" name="Rectangle 56">
+            <a:extLst>
+              <a:ext uri="{FF2B5EF4-FFF2-40B4-BE49-F238E27FC236}">
+                <a16:creationId xmlns:a16="http://schemas.microsoft.com/office/drawing/2014/main" id="{C2554CA6-288E-4202-BC52-2E5A8F0C0AED}"/>
+              </a:ext>
+              <a:ext uri="{C183D7F6-B498-43B3-948B-1728B52AA6E4}">
+                <adec:decorative xmlns:adec="http://schemas.microsoft.com/office/drawing/2017/decorative" val="1"/>
+              </a:ext>
+            </a:extLst>
+          </p:cNvPr>
+          <p:cNvSpPr>
+            <a:spLocks noGrp="1" noRot="1" noChangeAspect="1" noMove="1" noResize="1" noEditPoints="1" noAdjustHandles="1" noChangeArrowheads="1" noChangeShapeType="1" noTextEdit="1"/>
+          </p:cNvSpPr>
+          <p:nvPr>
+            <p:extLst>
+              <p:ext uri="{386F3935-93C4-4BCD-93E2-E3B085C9AB24}">
+                <p16:designElem xmlns:p16="http://schemas.microsoft.com/office/powerpoint/2015/main" val="1"/>
+              </p:ext>
+            </p:extLst>
+          </p:nvPr>
+        </p:nvSpPr>
+        <p:spPr>
+          <a:xfrm>
+            <a:off x="3048" y="0"/>
+            <a:ext cx="12188952" cy="6858000"/>
+          </a:xfrm>
+          <a:prstGeom prst="rect">
+            <a:avLst/>
+          </a:prstGeom>
+          <a:ln>
+            <a:noFill/>
+          </a:ln>
+        </p:spPr>
+        <p:style>
+          <a:lnRef idx="2">
+            <a:schemeClr val="accent1">
+              <a:shade val="50000"/>
+            </a:schemeClr>
+          </a:lnRef>
+          <a:fillRef idx="1">
+            <a:schemeClr val="accent1"/>
+          </a:fillRef>
+          <a:effectRef idx="0">
+            <a:schemeClr val="accent1"/>
+          </a:effectRef>
+          <a:fontRef idx="minor">
+            <a:schemeClr val="lt1"/>
+          </a:fontRef>
+        </p:style>
+        <p:txBody>
+          <a:bodyPr rtlCol="0" anchor="ctr"/>
+          <a:lstStyle/>
+          <a:p>
+            <a:pPr algn="ctr"/>
+            <a:endParaRPr lang="en-US"/>
+          </a:p>
+        </p:txBody>
+      </p:sp>
+      <p:sp>
+        <p:nvSpPr>
+          <p:cNvPr id="59" name="Oval 58">
+            <a:extLst>
+              <a:ext uri="{FF2B5EF4-FFF2-40B4-BE49-F238E27FC236}">
+                <a16:creationId xmlns:a16="http://schemas.microsoft.com/office/drawing/2014/main" id="{B10BB131-AC8E-4A8E-A5D1-36260F720C3B}"/>
+              </a:ext>
+              <a:ext uri="{C183D7F6-B498-43B3-948B-1728B52AA6E4}">
+                <adec:decorative xmlns:adec="http://schemas.microsoft.com/office/drawing/2017/decorative" val="1"/>
+              </a:ext>
+            </a:extLst>
+          </p:cNvPr>
+          <p:cNvSpPr>
+            <a:spLocks noGrp="1" noRot="1" noChangeAspect="1" noMove="1" noResize="1" noEditPoints="1" noAdjustHandles="1" noChangeArrowheads="1" noChangeShapeType="1" noTextEdit="1"/>
+          </p:cNvSpPr>
+          <p:nvPr>
+            <p:extLst>
+              <p:ext uri="{386F3935-93C4-4BCD-93E2-E3B085C9AB24}">
+                <p16:designElem xmlns:p16="http://schemas.microsoft.com/office/powerpoint/2015/main" val="1"/>
+              </p:ext>
+            </p:extLst>
+          </p:nvPr>
+        </p:nvSpPr>
+        <p:spPr>
+          <a:xfrm>
+            <a:off x="489189" y="1119031"/>
+            <a:ext cx="4619938" cy="4619938"/>
+          </a:xfrm>
+          <a:prstGeom prst="ellipse">
+            <a:avLst/>
+          </a:prstGeom>
+          <a:solidFill>
+            <a:schemeClr val="accent2"/>
+          </a:solidFill>
+          <a:ln>
+            <a:noFill/>
+          </a:ln>
+        </p:spPr>
+        <p:style>
+          <a:lnRef idx="2">
+            <a:schemeClr val="accent1">
+              <a:shade val="50000"/>
+            </a:schemeClr>
+          </a:lnRef>
+          <a:fillRef idx="1">
+            <a:schemeClr val="accent1"/>
+          </a:fillRef>
+          <a:effectRef idx="0">
+            <a:schemeClr val="accent1"/>
+          </a:effectRef>
+          <a:fontRef idx="minor">
+            <a:schemeClr val="lt1"/>
+          </a:fontRef>
+        </p:style>
+        <p:txBody>
+          <a:bodyPr rtlCol="0" anchor="ctr"/>
+          <a:lstStyle/>
+          <a:p>
+            <a:pPr algn="ctr"/>
+            <a:endParaRPr lang="en-US"/>
+          </a:p>
+        </p:txBody>
+      </p:sp>
+      <p:sp>
+        <p:nvSpPr>
+          <p:cNvPr id="2" name="Title 1">
+            <a:extLst>
+              <a:ext uri="{FF2B5EF4-FFF2-40B4-BE49-F238E27FC236}">
+                <a16:creationId xmlns:a16="http://schemas.microsoft.com/office/drawing/2014/main" id="{682717C6-A8CA-5F24-B18E-1EAD0D4498BD}"/>
+              </a:ext>
+            </a:extLst>
+          </p:cNvPr>
+          <p:cNvSpPr>
+            <a:spLocks noGrp="1"/>
+          </p:cNvSpPr>
+          <p:nvPr>
+            <p:ph type="title"/>
+          </p:nvPr>
+        </p:nvSpPr>
+        <p:spPr>
+          <a:xfrm>
+            <a:off x="1171074" y="1396686"/>
+            <a:ext cx="3240506" cy="4064628"/>
+          </a:xfrm>
+        </p:spPr>
+        <p:txBody>
+          <a:bodyPr>
+            <a:normAutofit/>
+          </a:bodyPr>
+          <a:lstStyle/>
+          <a:p>
+            <a:r>
+              <a:rPr lang="en-US">
+                <a:solidFill>
+                  <a:srgbClr val="FFFFFF"/>
+                </a:solidFill>
+              </a:rPr>
+              <a:t>Future Vision &amp; Roadmap</a:t>
+            </a:r>
+          </a:p>
+        </p:txBody>
+      </p:sp>
+      <p:sp>
+        <p:nvSpPr>
+          <p:cNvPr id="61" name="Arc 60">
+            <a:extLst>
+              <a:ext uri="{FF2B5EF4-FFF2-40B4-BE49-F238E27FC236}">
+                <a16:creationId xmlns:a16="http://schemas.microsoft.com/office/drawing/2014/main" id="{5B7778FC-632E-4DCA-A7CB-0D7731CCF970}"/>
+              </a:ext>
+              <a:ext uri="{C183D7F6-B498-43B3-948B-1728B52AA6E4}">
+                <adec:decorative xmlns:adec="http://schemas.microsoft.com/office/drawing/2017/decorative" val="1"/>
+              </a:ext>
+            </a:extLst>
+          </p:cNvPr>
+          <p:cNvSpPr>
+            <a:spLocks noGrp="1" noRot="1" noChangeAspect="1" noMove="1" noResize="1" noEditPoints="1" noAdjustHandles="1" noChangeArrowheads="1" noChangeShapeType="1" noTextEdit="1"/>
+          </p:cNvSpPr>
+          <p:nvPr>
+            <p:extLst>
+              <p:ext uri="{386F3935-93C4-4BCD-93E2-E3B085C9AB24}">
+                <p16:designElem xmlns:p16="http://schemas.microsoft.com/office/powerpoint/2015/main" val="1"/>
+              </p:ext>
+            </p:extLst>
+          </p:nvPr>
+        </p:nvSpPr>
+        <p:spPr>
+          <a:xfrm rot="19809111">
+            <a:off x="8683720" y="941148"/>
+            <a:ext cx="2987899" cy="2987899"/>
+          </a:xfrm>
+          <a:prstGeom prst="arc">
+            <a:avLst>
+              <a:gd name="adj1" fmla="val 15817365"/>
+              <a:gd name="adj2" fmla="val 1781380"/>
+            </a:avLst>
+          </a:prstGeom>
+          <a:ln w="127000" cap="rnd">
+            <a:solidFill>
+              <a:schemeClr val="accent4"/>
+            </a:solidFill>
+            <a:prstDash val="dash"/>
+            <a:miter lim="800000"/>
+          </a:ln>
+        </p:spPr>
+        <p:style>
+          <a:lnRef idx="1">
+            <a:schemeClr val="accent1"/>
+          </a:lnRef>
+          <a:fillRef idx="0">
+            <a:schemeClr val="accent1"/>
+          </a:fillRef>
+          <a:effectRef idx="0">
+            <a:schemeClr val="accent1"/>
+          </a:effectRef>
+          <a:fontRef idx="minor">
+            <a:schemeClr val="tx1"/>
+          </a:fontRef>
+        </p:style>
+        <p:txBody>
+          <a:bodyPr rtlCol="0" anchor="ctr"/>
+          <a:lstStyle/>
+          <a:p>
+            <a:pPr marL="0" marR="0" lvl="0" indent="0" algn="ctr" defTabSz="914400" rtl="0" eaLnBrk="1" fontAlgn="auto" latinLnBrk="0" hangingPunct="1">
+              <a:lnSpc>
+                <a:spcPct val="100000"/>
+              </a:lnSpc>
+              <a:spcBef>
+                <a:spcPts val="0"/>
+              </a:spcBef>
+              <a:spcAft>
+                <a:spcPts val="0"/>
+              </a:spcAft>
+              <a:buClrTx/>
+              <a:buSzTx/>
+              <a:buFontTx/>
+              <a:buNone/>
+              <a:tabLst/>
+              <a:defRPr/>
+            </a:pPr>
+            <a:endParaRPr kumimoji="0" lang="en-US" sz="1800" b="0" i="0" u="none" strike="noStrike" kern="1200" cap="none" spc="0" normalizeH="0" baseline="0" noProof="0">
+              <a:ln>
+                <a:noFill/>
+              </a:ln>
+              <a:solidFill>
+                <a:srgbClr val="000000"/>
+              </a:solidFill>
+              <a:effectLst/>
+              <a:uLnTx/>
+              <a:uFillTx/>
+              <a:latin typeface="Calibri" panose="020F0502020204030204"/>
+              <a:ea typeface="+mn-ea"/>
+              <a:cs typeface="+mn-cs"/>
+            </a:endParaRPr>
+          </a:p>
+        </p:txBody>
+      </p:sp>
+      <p:sp>
+        <p:nvSpPr>
+          <p:cNvPr id="63" name="Oval 62">
+            <a:extLst>
+              <a:ext uri="{FF2B5EF4-FFF2-40B4-BE49-F238E27FC236}">
+                <a16:creationId xmlns:a16="http://schemas.microsoft.com/office/drawing/2014/main" id="{FA23A907-97FB-4A8F-880A-DD77401C4296}"/>
+              </a:ext>
+              <a:ext uri="{C183D7F6-B498-43B3-948B-1728B52AA6E4}">
+                <adec:decorative xmlns:adec="http://schemas.microsoft.com/office/drawing/2017/decorative" val="1"/>
+              </a:ext>
+            </a:extLst>
+          </p:cNvPr>
+          <p:cNvSpPr>
+            <a:spLocks noGrp="1" noRot="1" noChangeAspect="1" noMove="1" noResize="1" noEditPoints="1" noAdjustHandles="1" noChangeArrowheads="1" noChangeShapeType="1" noTextEdit="1"/>
+          </p:cNvSpPr>
+          <p:nvPr>
+            <p:extLst>
+              <p:ext uri="{386F3935-93C4-4BCD-93E2-E3B085C9AB24}">
+                <p16:designElem xmlns:p16="http://schemas.microsoft.com/office/powerpoint/2015/main" val="1"/>
+              </p:ext>
+            </p:extLst>
+          </p:nvPr>
+        </p:nvSpPr>
+        <p:spPr>
+          <a:xfrm>
+            <a:off x="910048" y="4780992"/>
+            <a:ext cx="546100" cy="546100"/>
+          </a:xfrm>
+          <a:prstGeom prst="ellipse">
+            <a:avLst/>
+          </a:prstGeom>
+          <a:solidFill>
+            <a:schemeClr val="accent5"/>
+          </a:solidFill>
+          <a:ln>
+            <a:noFill/>
+          </a:ln>
+        </p:spPr>
+        <p:style>
+          <a:lnRef idx="2">
+            <a:schemeClr val="accent1">
+              <a:shade val="50000"/>
+            </a:schemeClr>
+          </a:lnRef>
+          <a:fillRef idx="1">
+            <a:schemeClr val="accent1"/>
+          </a:fillRef>
+          <a:effectRef idx="0">
+            <a:schemeClr val="accent1"/>
+          </a:effectRef>
+          <a:fontRef idx="minor">
+            <a:schemeClr val="lt1"/>
+          </a:fontRef>
+        </p:style>
+        <p:txBody>
+          <a:bodyPr rtlCol="0" anchor="ctr"/>
+          <a:lstStyle/>
+          <a:p>
+            <a:pPr marL="0" marR="0" lvl="0" indent="0" algn="ctr" defTabSz="914400" rtl="0" eaLnBrk="1" fontAlgn="auto" latinLnBrk="0" hangingPunct="1">
+              <a:lnSpc>
+                <a:spcPct val="100000"/>
+              </a:lnSpc>
+              <a:spcBef>
+                <a:spcPts val="0"/>
+              </a:spcBef>
+              <a:spcAft>
+                <a:spcPts val="0"/>
+              </a:spcAft>
+              <a:buClrTx/>
+              <a:buSzTx/>
+              <a:buFontTx/>
+              <a:buNone/>
+              <a:tabLst/>
+              <a:defRPr/>
+            </a:pPr>
+            <a:endParaRPr kumimoji="0" lang="en-US" sz="1800" b="0" i="0" u="none" strike="noStrike" kern="1200" cap="none" spc="0" normalizeH="0" baseline="0" noProof="0">
+              <a:ln>
+                <a:noFill/>
+              </a:ln>
+              <a:solidFill>
+                <a:srgbClr val="FFFFFF"/>
+              </a:solidFill>
+              <a:effectLst/>
+              <a:uLnTx/>
+              <a:uFillTx/>
+              <a:latin typeface="Calibri" panose="020F0502020204030204"/>
+              <a:ea typeface="+mn-ea"/>
+              <a:cs typeface="+mn-cs"/>
+            </a:endParaRPr>
+          </a:p>
+        </p:txBody>
+      </p:sp>
+      <p:sp>
+        <p:nvSpPr>
+          <p:cNvPr id="3" name="Content Placeholder 2">
+            <a:extLst>
+              <a:ext uri="{FF2B5EF4-FFF2-40B4-BE49-F238E27FC236}">
+                <a16:creationId xmlns:a16="http://schemas.microsoft.com/office/drawing/2014/main" id="{937F666D-20FF-AE5A-531C-3ECDE8682DE3}"/>
+              </a:ext>
+            </a:extLst>
+          </p:cNvPr>
+          <p:cNvSpPr>
+            <a:spLocks noGrp="1"/>
+          </p:cNvSpPr>
+          <p:nvPr>
+            <p:ph idx="1"/>
+          </p:nvPr>
+        </p:nvSpPr>
+        <p:spPr>
+          <a:xfrm>
+            <a:off x="5370153" y="1526033"/>
+            <a:ext cx="5536397" cy="3935281"/>
+          </a:xfrm>
+        </p:spPr>
+        <p:txBody>
+          <a:bodyPr>
+            <a:normAutofit/>
+          </a:bodyPr>
+          <a:lstStyle/>
+          <a:p>
+            <a:pPr marL="0" indent="0">
+              <a:buNone/>
+            </a:pPr>
+            <a:r>
+              <a:rPr lang="en-US" dirty="0"/>
+              <a:t>Development:</a:t>
+            </a:r>
+          </a:p>
+          <a:p>
+            <a:pPr marL="0" indent="0">
+              <a:buNone/>
+            </a:pPr>
+            <a:r>
+              <a:rPr lang="en-US" b="1" dirty="0"/>
+              <a:t>Mobile App:</a:t>
+            </a:r>
+            <a:r>
+              <a:rPr lang="en-US" dirty="0"/>
+              <a:t> Launching a native mobile application (iOS/Android).</a:t>
+            </a:r>
+          </a:p>
+          <a:p>
+            <a:pPr marL="0" indent="0">
+              <a:buNone/>
+            </a:pPr>
+            <a:r>
+              <a:rPr lang="en-US" b="1" dirty="0"/>
+              <a:t>AI Recommendations:</a:t>
+            </a:r>
+            <a:r>
+              <a:rPr lang="en-US" dirty="0"/>
+              <a:t> Implementing an AI engine to suggest products based on browsing history.</a:t>
+            </a:r>
+          </a:p>
+          <a:p>
+            <a:pPr marL="0" indent="0">
+              <a:buNone/>
+            </a:pPr>
+            <a:endParaRPr lang="en-US" dirty="0"/>
+          </a:p>
+          <a:p>
+            <a:pPr marL="0" indent="0">
+              <a:buNone/>
+            </a:pPr>
+            <a:endParaRPr lang="en-US" dirty="0"/>
+          </a:p>
+          <a:p>
+            <a:pPr marL="0" indent="0">
+              <a:buNone/>
+            </a:pPr>
+            <a:endParaRPr lang="en-US" dirty="0"/>
+          </a:p>
+          <a:p>
+            <a:pPr marL="0" indent="0">
+              <a:buNone/>
+            </a:pPr>
+            <a:endParaRPr lang="en-US" dirty="0"/>
+          </a:p>
+        </p:txBody>
+      </p:sp>
+    </p:spTree>
+    <p:extLst>
+      <p:ext uri="{BB962C8B-B14F-4D97-AF65-F5344CB8AC3E}">
+        <p14:creationId xmlns:p14="http://schemas.microsoft.com/office/powerpoint/2010/main" val="255118059"/>
+      </p:ext>
+    </p:extLst>
+  </p:cSld>
+  <p:clrMapOvr>
+    <a:masterClrMapping/>
+  </p:clrMapOvr>
+  <mc:AlternateContent xmlns:mc="http://schemas.openxmlformats.org/markup-compatibility/2006">
+    <mc:Choice xmlns:p159="http://schemas.microsoft.com/office/powerpoint/2015/09/main" Requires="p159">
+      <p:transition xmlns:p14="http://schemas.microsoft.com/office/powerpoint/2010/main" spd="slow" p14:dur="2000">
+        <p159:morph option="byObject"/>
+      </p:transition>
+    </mc:Choice>
+    <mc:Fallback>
+      <p:transition spd="slow">
+        <p:fade/>
+      </p:transition>
+    </mc:Fallback>
+  </mc:AlternateContent>
+  <p:timing>
+    <p:tnLst>
+      <p:par>
+        <p:cTn id="1" dur="indefinite" restart="never" nodeType="tmRoot">
+          <p:childTnLst>
+            <p:seq concurrent="1" nextAc="seek">
+              <p:cTn id="2" dur="indefinite" nodeType="mainSeq">
+                <p:childTnLst>
+                  <p:par>
+                    <p:cTn id="3" fill="hold">
+                      <p:stCondLst>
+                        <p:cond delay="indefinite"/>
+                      </p:stCondLst>
+                      <p:childTnLst>
+                        <p:par>
+                          <p:cTn id="4" fill="hold">
+                            <p:stCondLst>
+                              <p:cond delay="0"/>
+                            </p:stCondLst>
+                            <p:childTnLst>
+                              <p:par>
+                                <p:cTn id="5" presetID="2" presetClass="entr" presetSubtype="1" fill="hold" grpId="0" nodeType="clickEffect">
+                                  <p:stCondLst>
+                                    <p:cond delay="0"/>
+                                  </p:stCondLst>
+                                  <p:childTnLst>
+                                    <p:set>
+                                      <p:cBhvr>
+                                        <p:cTn id="6" dur="1" fill="hold">
+                                          <p:stCondLst>
+                                            <p:cond delay="0"/>
+                                          </p:stCondLst>
+                                        </p:cTn>
+                                        <p:tgtEl>
+                                          <p:spTgt spid="2"/>
+                                        </p:tgtEl>
+                                        <p:attrNameLst>
+                                          <p:attrName>style.visibility</p:attrName>
+                                        </p:attrNameLst>
+                                      </p:cBhvr>
+                                      <p:to>
+                                        <p:strVal val="visible"/>
+                                      </p:to>
+                                    </p:set>
+                                    <p:anim calcmode="lin" valueType="num">
+                                      <p:cBhvr additive="base">
+                                        <p:cTn id="7" dur="500" fill="hold"/>
+                                        <p:tgtEl>
+                                          <p:spTgt spid="2"/>
+                                        </p:tgtEl>
+                                        <p:attrNameLst>
+                                          <p:attrName>ppt_x</p:attrName>
+                                        </p:attrNameLst>
+                                      </p:cBhvr>
+                                      <p:tavLst>
+                                        <p:tav tm="0">
+                                          <p:val>
+                                            <p:strVal val="#ppt_x"/>
+                                          </p:val>
+                                        </p:tav>
+                                        <p:tav tm="100000">
+                                          <p:val>
+                                            <p:strVal val="#ppt_x"/>
+                                          </p:val>
+                                        </p:tav>
+                                      </p:tavLst>
+                                    </p:anim>
+                                    <p:anim calcmode="lin" valueType="num">
+                                      <p:cBhvr additive="base">
+                                        <p:cTn id="8" dur="500" fill="hold"/>
+                                        <p:tgtEl>
+                                          <p:spTgt spid="2"/>
+                                        </p:tgtEl>
+                                        <p:attrNameLst>
+                                          <p:attrName>ppt_y</p:attrName>
+                                        </p:attrNameLst>
+                                      </p:cBhvr>
+                                      <p:tavLst>
+                                        <p:tav tm="0">
+                                          <p:val>
+                                            <p:strVal val="0-#ppt_h/2"/>
+                                          </p:val>
+                                        </p:tav>
+                                        <p:tav tm="100000">
+                                          <p:val>
+                                            <p:strVal val="#ppt_y"/>
+                                          </p:val>
+                                        </p:tav>
+                                      </p:tavLst>
+                                    </p:anim>
+                                  </p:childTnLst>
+                                </p:cTn>
+                              </p:par>
+                            </p:childTnLst>
+                          </p:cTn>
+                        </p:par>
+                      </p:childTnLst>
+                    </p:cTn>
+                  </p:par>
+                  <p:par>
+                    <p:cTn id="9" fill="hold">
+                      <p:stCondLst>
+                        <p:cond delay="indefinite"/>
+                      </p:stCondLst>
+                      <p:childTnLst>
+                        <p:par>
+                          <p:cTn id="10" fill="hold">
+                            <p:stCondLst>
+                              <p:cond delay="0"/>
+                            </p:stCondLst>
+                            <p:childTnLst>
+                              <p:par>
+                                <p:cTn id="11" presetID="2" presetClass="entr" presetSubtype="4" fill="hold" grpId="0" nodeType="clickEffect">
+                                  <p:stCondLst>
+                                    <p:cond delay="0"/>
+                                  </p:stCondLst>
+                                  <p:childTnLst>
+                                    <p:set>
+                                      <p:cBhvr>
+                                        <p:cTn id="12" dur="1" fill="hold">
+                                          <p:stCondLst>
+                                            <p:cond delay="0"/>
+                                          </p:stCondLst>
+                                        </p:cTn>
+                                        <p:tgtEl>
+                                          <p:spTgt spid="3"/>
+                                        </p:tgtEl>
+                                        <p:attrNameLst>
+                                          <p:attrName>style.visibility</p:attrName>
+                                        </p:attrNameLst>
+                                      </p:cBhvr>
+                                      <p:to>
+                                        <p:strVal val="visible"/>
+                                      </p:to>
+                                    </p:set>
+                                    <p:anim calcmode="lin" valueType="num">
+                                      <p:cBhvr additive="base">
+                                        <p:cTn id="13" dur="500" fill="hold"/>
+                                        <p:tgtEl>
+                                          <p:spTgt spid="3"/>
+                                        </p:tgtEl>
+                                        <p:attrNameLst>
+                                          <p:attrName>ppt_x</p:attrName>
+                                        </p:attrNameLst>
+                                      </p:cBhvr>
+                                      <p:tavLst>
+                                        <p:tav tm="0">
+                                          <p:val>
+                                            <p:strVal val="#ppt_x"/>
+                                          </p:val>
+                                        </p:tav>
+                                        <p:tav tm="100000">
+                                          <p:val>
+                                            <p:strVal val="#ppt_x"/>
+                                          </p:val>
+                                        </p:tav>
+                                      </p:tavLst>
+                                    </p:anim>
+                                    <p:anim calcmode="lin" valueType="num">
+                                      <p:cBhvr additive="base">
+                                        <p:cTn id="14" dur="500" fill="hold"/>
+                                        <p:tgtEl>
+                                          <p:spTgt spid="3"/>
+                                        </p:tgtEl>
+                                        <p:attrNameLst>
+                                          <p:attrName>ppt_y</p:attrName>
+                                        </p:attrNameLst>
+                                      </p:cBhvr>
+                                      <p:tavLst>
+                                        <p:tav tm="0">
+                                          <p:val>
+                                            <p:strVal val="1+#ppt_h/2"/>
+                                          </p:val>
+                                        </p:tav>
+                                        <p:tav tm="100000">
+                                          <p:val>
+                                            <p:strVal val="#ppt_y"/>
+                                          </p:val>
+                                        </p:tav>
+                                      </p:tavLst>
+                                    </p:anim>
+                                  </p:childTnLst>
+                                </p:cTn>
+                              </p:par>
+                            </p:childTnLst>
+                          </p:cTn>
+                        </p:par>
+                      </p:childTnLst>
+                    </p:cTn>
+                  </p:par>
+                </p:childTnLst>
+              </p:cTn>
+              <p:prevCondLst>
+                <p:cond evt="onPrev" delay="0">
+                  <p:tgtEl>
+                    <p:sldTgt/>
+                  </p:tgtEl>
+                </p:cond>
+              </p:prevCondLst>
+              <p:nextCondLst>
+                <p:cond evt="onNext" delay="0">
+                  <p:tgtEl>
+                    <p:sldTgt/>
+                  </p:tgtEl>
+                </p:cond>
+              </p:nextCondLst>
+            </p:seq>
+          </p:childTnLst>
+        </p:cTn>
+      </p:par>
+    </p:tnLst>
+    <p:bldLst>
+      <p:bldP spid="2" grpId="0" autoUpdateAnimBg="0"/>
+      <p:bldP spid="3" grpId="0" autoUpdateAnimBg="0"/>
+    </p:bldLst>
+  </p:timing>
+</p:sld>
+</file>
+
+<file path=ppt/slides/slide11.xml><?xml version="1.0" encoding="utf-8"?>
+<p:sld xmlns:a="http://schemas.openxmlformats.org/drawingml/2006/main" xmlns:r="http://schemas.openxmlformats.org/officeDocument/2006/relationships" xmlns:p="http://schemas.openxmlformats.org/presentationml/2006/main" showMasterPhAnim="0">
+  <p:cSld>
+    <p:bg>
+      <p:bgPr>
+        <a:solidFill>
+          <a:schemeClr val="bg1"/>
+        </a:solidFill>
+        <a:effectLst/>
+      </p:bgPr>
+    </p:bg>
     <p:spTree>
       <p:nvGrpSpPr>
         <p:cNvPr id="1" name=""/>
@@ -3958,12 +5097,343 @@
           <a:chExt cx="0" cy="0"/>
         </a:xfrm>
       </p:grpSpPr>
+      <p:grpSp>
+        <p:nvGrpSpPr>
+          <p:cNvPr id="24" name="Group 23">
+            <a:extLst>
+              <a:ext uri="{FF2B5EF4-FFF2-40B4-BE49-F238E27FC236}">
+                <a16:creationId xmlns:a16="http://schemas.microsoft.com/office/drawing/2014/main" id="{114ED94A-C85D-4CD3-4205-438D21CE6B38}"/>
+              </a:ext>
+              <a:ext uri="{C183D7F6-B498-43B3-948B-1728B52AA6E4}">
+                <adec:decorative xmlns:adec="http://schemas.microsoft.com/office/drawing/2017/decorative" val="1"/>
+              </a:ext>
+            </a:extLst>
+          </p:cNvPr>
+          <p:cNvGrpSpPr>
+            <a:grpSpLocks noGrp="1" noUngrp="1" noRot="1" noChangeAspect="1" noMove="1" noResize="1"/>
+          </p:cNvGrpSpPr>
+          <p:nvPr>
+            <p:extLst>
+              <p:ext uri="{386F3935-93C4-4BCD-93E2-E3B085C9AB24}">
+                <p16:designElem xmlns:p16="http://schemas.microsoft.com/office/powerpoint/2015/main" val="1"/>
+              </p:ext>
+            </p:extLst>
+          </p:nvPr>
+        </p:nvGrpSpPr>
+        <p:grpSpPr>
+          <a:xfrm>
+            <a:off x="-19217" y="-1"/>
+            <a:ext cx="5213267" cy="6883030"/>
+            <a:chOff x="-19217" y="-1"/>
+            <a:chExt cx="5213267" cy="6883030"/>
+          </a:xfrm>
+        </p:grpSpPr>
+        <p:sp>
+          <p:nvSpPr>
+            <p:cNvPr id="25" name="Rectangle 24">
+              <a:extLst>
+                <a:ext uri="{FF2B5EF4-FFF2-40B4-BE49-F238E27FC236}">
+                  <a16:creationId xmlns:a16="http://schemas.microsoft.com/office/drawing/2014/main" id="{E642BDB2-BF67-1D53-1C70-0B41D709E485}"/>
+                </a:ext>
+                <a:ext uri="{C183D7F6-B498-43B3-948B-1728B52AA6E4}">
+                  <adec:decorative xmlns:adec="http://schemas.microsoft.com/office/drawing/2017/decorative" val="1"/>
+                </a:ext>
+              </a:extLst>
+            </p:cNvPr>
+            <p:cNvSpPr/>
+            <p:nvPr>
+              <p:extLst>
+                <p:ext uri="{386F3935-93C4-4BCD-93E2-E3B085C9AB24}">
+                  <p16:designElem xmlns:p16="http://schemas.microsoft.com/office/powerpoint/2015/main" val="1"/>
+                </p:ext>
+              </p:extLst>
+            </p:nvPr>
+          </p:nvSpPr>
+          <p:spPr>
+            <a:xfrm>
+              <a:off x="-19206" y="0"/>
+              <a:ext cx="5204956" cy="6883029"/>
+            </a:xfrm>
+            <a:prstGeom prst="rect">
+              <a:avLst/>
+            </a:prstGeom>
+            <a:gradFill>
+              <a:gsLst>
+                <a:gs pos="7000">
+                  <a:schemeClr val="accent2"/>
+                </a:gs>
+                <a:gs pos="100000">
+                  <a:schemeClr val="accent5"/>
+                </a:gs>
+              </a:gsLst>
+              <a:lin ang="4200000" scaled="0"/>
+            </a:gradFill>
+            <a:ln>
+              <a:noFill/>
+            </a:ln>
+          </p:spPr>
+          <p:style>
+            <a:lnRef idx="2">
+              <a:schemeClr val="accent1">
+                <a:shade val="50000"/>
+              </a:schemeClr>
+            </a:lnRef>
+            <a:fillRef idx="1">
+              <a:schemeClr val="accent1"/>
+            </a:fillRef>
+            <a:effectRef idx="0">
+              <a:schemeClr val="accent1"/>
+            </a:effectRef>
+            <a:fontRef idx="minor">
+              <a:schemeClr val="lt1"/>
+            </a:fontRef>
+          </p:style>
+          <p:txBody>
+            <a:bodyPr rtlCol="0" anchor="ctr"/>
+            <a:lstStyle/>
+            <a:p>
+              <a:pPr algn="ctr"/>
+              <a:endParaRPr lang="en-US"/>
+            </a:p>
+          </p:txBody>
+        </p:sp>
+        <p:sp>
+          <p:nvSpPr>
+            <p:cNvPr id="26" name="Rectangle 25">
+              <a:extLst>
+                <a:ext uri="{FF2B5EF4-FFF2-40B4-BE49-F238E27FC236}">
+                  <a16:creationId xmlns:a16="http://schemas.microsoft.com/office/drawing/2014/main" id="{58E0D8CE-5DBF-B664-EB48-C29BF8AB48E1}"/>
+                </a:ext>
+                <a:ext uri="{C183D7F6-B498-43B3-948B-1728B52AA6E4}">
+                  <adec:decorative xmlns:adec="http://schemas.microsoft.com/office/drawing/2017/decorative" val="1"/>
+                </a:ext>
+              </a:extLst>
+            </p:cNvPr>
+            <p:cNvSpPr/>
+            <p:nvPr>
+              <p:extLst>
+                <p:ext uri="{386F3935-93C4-4BCD-93E2-E3B085C9AB24}">
+                  <p16:designElem xmlns:p16="http://schemas.microsoft.com/office/powerpoint/2015/main" val="1"/>
+                </p:ext>
+              </p:extLst>
+            </p:nvPr>
+          </p:nvSpPr>
+          <p:spPr>
+            <a:xfrm rot="10800000">
+              <a:off x="-19217" y="1731909"/>
+              <a:ext cx="5204963" cy="5144400"/>
+            </a:xfrm>
+            <a:prstGeom prst="rect">
+              <a:avLst/>
+            </a:prstGeom>
+            <a:gradFill flip="none" rotWithShape="1">
+              <a:gsLst>
+                <a:gs pos="0">
+                  <a:schemeClr val="accent5">
+                    <a:lumMod val="75000"/>
+                  </a:schemeClr>
+                </a:gs>
+                <a:gs pos="60000">
+                  <a:schemeClr val="accent5">
+                    <a:lumMod val="60000"/>
+                    <a:lumOff val="40000"/>
+                    <a:alpha val="0"/>
+                  </a:schemeClr>
+                </a:gs>
+              </a:gsLst>
+              <a:path path="circle">
+                <a:fillToRect r="100000" b="100000"/>
+              </a:path>
+              <a:tileRect l="-100000" t="-100000"/>
+            </a:gradFill>
+            <a:ln w="12700" cap="flat" cmpd="sng" algn="ctr">
+              <a:noFill/>
+              <a:prstDash val="solid"/>
+              <a:miter lim="800000"/>
+            </a:ln>
+            <a:effectLst/>
+          </p:spPr>
+          <p:style>
+            <a:lnRef idx="2">
+              <a:schemeClr val="accent1">
+                <a:shade val="50000"/>
+              </a:schemeClr>
+            </a:lnRef>
+            <a:fillRef idx="1">
+              <a:schemeClr val="accent1"/>
+            </a:fillRef>
+            <a:effectRef idx="0">
+              <a:schemeClr val="accent1"/>
+            </a:effectRef>
+            <a:fontRef idx="minor">
+              <a:schemeClr val="lt1"/>
+            </a:fontRef>
+          </p:style>
+          <p:txBody>
+            <a:bodyPr rtlCol="0" anchor="ctr"/>
+            <a:lstStyle/>
+            <a:p>
+              <a:pPr algn="r"/>
+              <a:endParaRPr lang="en-US"/>
+            </a:p>
+          </p:txBody>
+        </p:sp>
+        <p:sp>
+          <p:nvSpPr>
+            <p:cNvPr id="27" name="Rectangle 26">
+              <a:extLst>
+                <a:ext uri="{FF2B5EF4-FFF2-40B4-BE49-F238E27FC236}">
+                  <a16:creationId xmlns:a16="http://schemas.microsoft.com/office/drawing/2014/main" id="{DFD140CE-7DE2-C88F-5EAE-F45EB69E6A89}"/>
+                </a:ext>
+                <a:ext uri="{C183D7F6-B498-43B3-948B-1728B52AA6E4}">
+                  <adec:decorative xmlns:adec="http://schemas.microsoft.com/office/drawing/2017/decorative" val="1"/>
+                </a:ext>
+              </a:extLst>
+            </p:cNvPr>
+            <p:cNvSpPr/>
+            <p:nvPr>
+              <p:extLst>
+                <p:ext uri="{386F3935-93C4-4BCD-93E2-E3B085C9AB24}">
+                  <p16:designElem xmlns:p16="http://schemas.microsoft.com/office/powerpoint/2015/main" val="1"/>
+                </p:ext>
+              </p:extLst>
+            </p:nvPr>
+          </p:nvSpPr>
+          <p:spPr>
+            <a:xfrm>
+              <a:off x="-19210" y="6723"/>
+              <a:ext cx="3834567" cy="6876300"/>
+            </a:xfrm>
+            <a:prstGeom prst="rect">
+              <a:avLst/>
+            </a:prstGeom>
+            <a:gradFill flip="none" rotWithShape="1">
+              <a:gsLst>
+                <a:gs pos="3000">
+                  <a:schemeClr val="accent2">
+                    <a:lumMod val="60000"/>
+                    <a:lumOff val="40000"/>
+                    <a:alpha val="78000"/>
+                  </a:schemeClr>
+                </a:gs>
+                <a:gs pos="42000">
+                  <a:schemeClr val="accent2">
+                    <a:alpha val="0"/>
+                  </a:schemeClr>
+                </a:gs>
+              </a:gsLst>
+              <a:lin ang="3000000" scaled="0"/>
+              <a:tileRect/>
+            </a:gradFill>
+            <a:ln>
+              <a:noFill/>
+            </a:ln>
+          </p:spPr>
+          <p:style>
+            <a:lnRef idx="2">
+              <a:schemeClr val="accent1">
+                <a:shade val="50000"/>
+              </a:schemeClr>
+            </a:lnRef>
+            <a:fillRef idx="1">
+              <a:schemeClr val="accent1"/>
+            </a:fillRef>
+            <a:effectRef idx="0">
+              <a:schemeClr val="accent1"/>
+            </a:effectRef>
+            <a:fontRef idx="minor">
+              <a:schemeClr val="lt1"/>
+            </a:fontRef>
+          </p:style>
+          <p:txBody>
+            <a:bodyPr rtlCol="0" anchor="ctr"/>
+            <a:lstStyle/>
+            <a:p>
+              <a:pPr algn="ctr"/>
+              <a:endParaRPr lang="en-US"/>
+            </a:p>
+          </p:txBody>
+        </p:sp>
+        <p:sp>
+          <p:nvSpPr>
+            <p:cNvPr id="28" name="Rectangle 27">
+              <a:extLst>
+                <a:ext uri="{FF2B5EF4-FFF2-40B4-BE49-F238E27FC236}">
+                  <a16:creationId xmlns:a16="http://schemas.microsoft.com/office/drawing/2014/main" id="{557E87E3-413F-10EF-63D8-6016E986C966}"/>
+                </a:ext>
+                <a:ext uri="{C183D7F6-B498-43B3-948B-1728B52AA6E4}">
+                  <adec:decorative xmlns:adec="http://schemas.microsoft.com/office/drawing/2017/decorative" val="1"/>
+                </a:ext>
+              </a:extLst>
+            </p:cNvPr>
+            <p:cNvSpPr/>
+            <p:nvPr>
+              <p:extLst>
+                <p:ext uri="{386F3935-93C4-4BCD-93E2-E3B085C9AB24}">
+                  <p16:designElem xmlns:p16="http://schemas.microsoft.com/office/powerpoint/2015/main" val="1"/>
+                </p:ext>
+              </p:extLst>
+            </p:nvPr>
+          </p:nvSpPr>
+          <p:spPr>
+            <a:xfrm rot="16200000">
+              <a:off x="-844601" y="833689"/>
+              <a:ext cx="6872341" cy="5204961"/>
+            </a:xfrm>
+            <a:prstGeom prst="rect">
+              <a:avLst/>
+            </a:prstGeom>
+            <a:gradFill>
+              <a:gsLst>
+                <a:gs pos="0">
+                  <a:schemeClr val="accent5">
+                    <a:alpha val="86000"/>
+                  </a:schemeClr>
+                </a:gs>
+                <a:gs pos="57000">
+                  <a:schemeClr val="accent2">
+                    <a:alpha val="0"/>
+                  </a:schemeClr>
+                </a:gs>
+              </a:gsLst>
+              <a:lin ang="13800000" scaled="0"/>
+            </a:gradFill>
+            <a:ln>
+              <a:noFill/>
+            </a:ln>
+          </p:spPr>
+          <p:style>
+            <a:lnRef idx="2">
+              <a:schemeClr val="accent1">
+                <a:shade val="50000"/>
+              </a:schemeClr>
+            </a:lnRef>
+            <a:fillRef idx="1">
+              <a:schemeClr val="accent1"/>
+            </a:fillRef>
+            <a:effectRef idx="0">
+              <a:schemeClr val="accent1"/>
+            </a:effectRef>
+            <a:fontRef idx="minor">
+              <a:schemeClr val="lt1"/>
+            </a:fontRef>
+          </p:style>
+          <p:txBody>
+            <a:bodyPr rtlCol="0" anchor="ctr"/>
+            <a:lstStyle/>
+            <a:p>
+              <a:pPr algn="ctr"/>
+              <a:endParaRPr lang="en-US"/>
+            </a:p>
+          </p:txBody>
+        </p:sp>
+      </p:grpSp>
       <p:sp>
         <p:nvSpPr>
           <p:cNvPr id="2" name="Title 1">
             <a:extLst>
               <a:ext uri="{FF2B5EF4-FFF2-40B4-BE49-F238E27FC236}">
-                <a16:creationId xmlns:a16="http://schemas.microsoft.com/office/drawing/2014/main" id="{18A23199-03AE-2948-B2F5-83D4435C6F42}"/>
+                <a16:creationId xmlns:a16="http://schemas.microsoft.com/office/drawing/2014/main" id="{49C9501F-B0C7-888A-63E7-B18D33A9591C}"/>
               </a:ext>
             </a:extLst>
           </p:cNvPr>
@@ -3974,18 +5444,25 @@
             <p:ph type="title"/>
           </p:nvPr>
         </p:nvSpPr>
-        <p:spPr/>
+        <p:spPr>
+          <a:xfrm>
+            <a:off x="755484" y="739835"/>
+            <a:ext cx="3702580" cy="1616203"/>
+          </a:xfrm>
+        </p:spPr>
         <p:txBody>
-          <a:bodyPr/>
+          <a:bodyPr anchor="b">
+            <a:normAutofit/>
+          </a:bodyPr>
           <a:lstStyle/>
           <a:p>
             <a:r>
-              <a:rPr lang="en-US">
+              <a:rPr lang="en-US" sz="3200">
                 <a:solidFill>
-                  <a:srgbClr val="EB6633"/>
+                  <a:srgbClr val="FFFFFF"/>
                 </a:solidFill>
               </a:rPr>
-              <a:t>Modern UI &amp; Experience</a:t>
+              <a:t>Live Demo</a:t>
             </a:r>
           </a:p>
         </p:txBody>
@@ -3995,7 +5472,7 @@
           <p:cNvPr id="3" name="Content Placeholder 2">
             <a:extLst>
               <a:ext uri="{FF2B5EF4-FFF2-40B4-BE49-F238E27FC236}">
-                <a16:creationId xmlns:a16="http://schemas.microsoft.com/office/drawing/2014/main" id="{1A50668C-FC96-08D1-40AE-BC14AD2DEDAB}"/>
+                <a16:creationId xmlns:a16="http://schemas.microsoft.com/office/drawing/2014/main" id="{7A9E29BF-D87A-841D-6169-54DC5DC466D1}"/>
               </a:ext>
             </a:extLst>
           </p:cNvPr>
@@ -4008,44 +5485,65 @@
         </p:nvSpPr>
         <p:spPr>
           <a:xfrm>
-            <a:off x="838200" y="1825625"/>
-            <a:ext cx="3810000" cy="4351338"/>
+            <a:off x="755484" y="2459116"/>
+            <a:ext cx="3702579" cy="3524823"/>
           </a:xfrm>
         </p:spPr>
         <p:txBody>
-          <a:bodyPr/>
+          <a:bodyPr>
+            <a:normAutofit/>
+          </a:bodyPr>
           <a:lstStyle/>
           <a:p>
             <a:r>
-              <a:rPr lang="en-US" dirty="0"/>
-              <a:t>• Clean and minimalist design.</a:t>
+              <a:rPr lang="en-US" sz="2000">
+                <a:solidFill>
+                  <a:srgbClr val="FFFFFF"/>
+                </a:solidFill>
+              </a:rPr>
+              <a:t>The project is live at:</a:t>
             </a:r>
           </a:p>
           <a:p>
             <a:r>
-              <a:rPr lang="en-US" dirty="0"/>
-              <a:t>• 'Fashion That Turns Heads' branding.</a:t>
+              <a:rPr lang="en-US" sz="2000">
+                <a:solidFill>
+                  <a:srgbClr val="FFFFFF"/>
+                </a:solidFill>
+              </a:rPr>
+              <a:t>https://e-commerce-lake-chi.vercel.app/</a:t>
             </a:r>
           </a:p>
           <a:p>
+            <a:endParaRPr lang="en-US" sz="2000">
+              <a:solidFill>
+                <a:srgbClr val="FFFFFF"/>
+              </a:solidFill>
+            </a:endParaRPr>
+          </a:p>
+          <a:p>
             <a:r>
-              <a:rPr lang="en-US" dirty="0"/>
-              <a:t>• User-friendly navigation.</a:t>
+              <a:rPr lang="en-US" sz="2000">
+                <a:solidFill>
+                  <a:srgbClr val="FFFFFF"/>
+                </a:solidFill>
+              </a:rPr>
+              <a:t>Thank You!</a:t>
             </a:r>
           </a:p>
         </p:txBody>
       </p:sp>
       <p:pic>
         <p:nvPicPr>
-          <p:cNvPr id="5" name="Picture 4">
+          <p:cNvPr id="7" name="Picture 6" descr="A qr code on a white background&#10;&#10;AI-generated content may be incorrect.">
             <a:extLst>
               <a:ext uri="{FF2B5EF4-FFF2-40B4-BE49-F238E27FC236}">
-                <a16:creationId xmlns:a16="http://schemas.microsoft.com/office/drawing/2014/main" id="{47F20634-A56B-537A-CDF1-9EFD127E9469}"/>
+                <a16:creationId xmlns:a16="http://schemas.microsoft.com/office/drawing/2014/main" id="{8F32D6B4-62AA-3FF9-5EB4-98848CFDD3E4}"/>
               </a:ext>
             </a:extLst>
           </p:cNvPr>
           <p:cNvPicPr>
-            <a:picLocks/>
+            <a:picLocks noChangeAspect="1"/>
           </p:cNvPicPr>
           <p:nvPr/>
         </p:nvPicPr>
@@ -4063,26 +5561,1579 @@
         </p:blipFill>
         <p:spPr>
           <a:xfrm>
-            <a:off x="4648200" y="1773044"/>
-            <a:ext cx="7096512" cy="3311912"/>
+            <a:off x="6066919" y="787114"/>
+            <a:ext cx="5283771" cy="5283771"/>
           </a:xfrm>
           <a:prstGeom prst="rect">
             <a:avLst/>
           </a:prstGeom>
-          <a:ln w="25400">
-            <a:solidFill>
-              <a:srgbClr val="EB6633"/>
-            </a:solidFill>
-          </a:ln>
-          <a:effectLst>
-            <a:outerShdw blurRad="50800" dist="38100" dir="2700000" algn="tl">
-              <a:prstClr val="black">
-                <a:alpha val="40000"/>
-              </a:prstClr>
-            </a:outerShdw>
-          </a:effectLst>
         </p:spPr>
       </p:pic>
+    </p:spTree>
+    <p:extLst>
+      <p:ext uri="{BB962C8B-B14F-4D97-AF65-F5344CB8AC3E}">
+        <p14:creationId xmlns:p14="http://schemas.microsoft.com/office/powerpoint/2010/main" val="1042843674"/>
+      </p:ext>
+    </p:extLst>
+  </p:cSld>
+  <p:clrMapOvr>
+    <a:masterClrMapping/>
+  </p:clrMapOvr>
+  <mc:AlternateContent xmlns:mc="http://schemas.openxmlformats.org/markup-compatibility/2006" xmlns:p159="http://schemas.microsoft.com/office/powerpoint/2015/09/main">
+    <mc:Choice Requires="p159">
+      <p:transition xmlns:p14="http://schemas.microsoft.com/office/powerpoint/2010/main" spd="slow" p14:dur="2000">
+        <p159:morph option="byObject"/>
+      </p:transition>
+    </mc:Choice>
+    <mc:Fallback xmlns="">
+      <p:transition spd="slow">
+        <p:fade/>
+      </p:transition>
+    </mc:Fallback>
+  </mc:AlternateContent>
+  <p:timing>
+    <p:tnLst>
+      <p:par>
+        <p:cTn id="1" dur="indefinite" restart="never" nodeType="tmRoot">
+          <p:childTnLst>
+            <p:seq concurrent="1" nextAc="seek">
+              <p:cTn id="2" dur="indefinite" nodeType="mainSeq">
+                <p:childTnLst>
+                  <p:par>
+                    <p:cTn id="3" fill="hold">
+                      <p:stCondLst>
+                        <p:cond delay="indefinite"/>
+                      </p:stCondLst>
+                      <p:childTnLst>
+                        <p:par>
+                          <p:cTn id="4" fill="hold">
+                            <p:stCondLst>
+                              <p:cond delay="0"/>
+                            </p:stCondLst>
+                            <p:childTnLst>
+                              <p:par>
+                                <p:cTn id="5" presetID="23" presetClass="entr" presetSubtype="528" fill="hold" grpId="0" nodeType="clickEffect">
+                                  <p:stCondLst>
+                                    <p:cond delay="0"/>
+                                  </p:stCondLst>
+                                  <p:childTnLst>
+                                    <p:set>
+                                      <p:cBhvr>
+                                        <p:cTn id="6" dur="1" fill="hold">
+                                          <p:stCondLst>
+                                            <p:cond delay="0"/>
+                                          </p:stCondLst>
+                                        </p:cTn>
+                                        <p:tgtEl>
+                                          <p:spTgt spid="3"/>
+                                        </p:tgtEl>
+                                        <p:attrNameLst>
+                                          <p:attrName>style.visibility</p:attrName>
+                                        </p:attrNameLst>
+                                      </p:cBhvr>
+                                      <p:to>
+                                        <p:strVal val="visible"/>
+                                      </p:to>
+                                    </p:set>
+                                    <p:anim calcmode="lin" valueType="num">
+                                      <p:cBhvr>
+                                        <p:cTn id="7" dur="500" fill="hold"/>
+                                        <p:tgtEl>
+                                          <p:spTgt spid="3"/>
+                                        </p:tgtEl>
+                                        <p:attrNameLst>
+                                          <p:attrName>ppt_w</p:attrName>
+                                        </p:attrNameLst>
+                                      </p:cBhvr>
+                                      <p:tavLst>
+                                        <p:tav tm="0">
+                                          <p:val>
+                                            <p:fltVal val="0"/>
+                                          </p:val>
+                                        </p:tav>
+                                        <p:tav tm="100000">
+                                          <p:val>
+                                            <p:strVal val="#ppt_w"/>
+                                          </p:val>
+                                        </p:tav>
+                                      </p:tavLst>
+                                    </p:anim>
+                                    <p:anim calcmode="lin" valueType="num">
+                                      <p:cBhvr>
+                                        <p:cTn id="8" dur="500" fill="hold"/>
+                                        <p:tgtEl>
+                                          <p:spTgt spid="3"/>
+                                        </p:tgtEl>
+                                        <p:attrNameLst>
+                                          <p:attrName>ppt_h</p:attrName>
+                                        </p:attrNameLst>
+                                      </p:cBhvr>
+                                      <p:tavLst>
+                                        <p:tav tm="0">
+                                          <p:val>
+                                            <p:fltVal val="0"/>
+                                          </p:val>
+                                        </p:tav>
+                                        <p:tav tm="100000">
+                                          <p:val>
+                                            <p:strVal val="#ppt_h"/>
+                                          </p:val>
+                                        </p:tav>
+                                      </p:tavLst>
+                                    </p:anim>
+                                    <p:anim calcmode="lin" valueType="num">
+                                      <p:cBhvr>
+                                        <p:cTn id="9" dur="500" fill="hold"/>
+                                        <p:tgtEl>
+                                          <p:spTgt spid="3"/>
+                                        </p:tgtEl>
+                                        <p:attrNameLst>
+                                          <p:attrName>ppt_x</p:attrName>
+                                        </p:attrNameLst>
+                                      </p:cBhvr>
+                                      <p:tavLst>
+                                        <p:tav tm="0">
+                                          <p:val>
+                                            <p:fltVal val="0.5"/>
+                                          </p:val>
+                                        </p:tav>
+                                        <p:tav tm="100000">
+                                          <p:val>
+                                            <p:strVal val="#ppt_x"/>
+                                          </p:val>
+                                        </p:tav>
+                                      </p:tavLst>
+                                    </p:anim>
+                                    <p:anim calcmode="lin" valueType="num">
+                                      <p:cBhvr>
+                                        <p:cTn id="10" dur="500" fill="hold"/>
+                                        <p:tgtEl>
+                                          <p:spTgt spid="3"/>
+                                        </p:tgtEl>
+                                        <p:attrNameLst>
+                                          <p:attrName>ppt_y</p:attrName>
+                                        </p:attrNameLst>
+                                      </p:cBhvr>
+                                      <p:tavLst>
+                                        <p:tav tm="0">
+                                          <p:val>
+                                            <p:fltVal val="0.5"/>
+                                          </p:val>
+                                        </p:tav>
+                                        <p:tav tm="100000">
+                                          <p:val>
+                                            <p:strVal val="#ppt_y"/>
+                                          </p:val>
+                                        </p:tav>
+                                      </p:tavLst>
+                                    </p:anim>
+                                  </p:childTnLst>
+                                </p:cTn>
+                              </p:par>
+                            </p:childTnLst>
+                          </p:cTn>
+                        </p:par>
+                      </p:childTnLst>
+                    </p:cTn>
+                  </p:par>
+                </p:childTnLst>
+              </p:cTn>
+              <p:prevCondLst>
+                <p:cond evt="onPrev" delay="0">
+                  <p:tgtEl>
+                    <p:sldTgt/>
+                  </p:tgtEl>
+                </p:cond>
+              </p:prevCondLst>
+              <p:nextCondLst>
+                <p:cond evt="onNext" delay="0">
+                  <p:tgtEl>
+                    <p:sldTgt/>
+                  </p:tgtEl>
+                </p:cond>
+              </p:nextCondLst>
+            </p:seq>
+          </p:childTnLst>
+        </p:cTn>
+      </p:par>
+    </p:tnLst>
+    <p:bldLst>
+      <p:bldP spid="3" grpId="0" autoUpdateAnimBg="0"/>
+    </p:bldLst>
+  </p:timing>
+</p:sld>
+</file>
+
+<file path=ppt/slides/slide2.xml><?xml version="1.0" encoding="utf-8"?>
+<p:sld xmlns:a="http://schemas.openxmlformats.org/drawingml/2006/main" xmlns:r="http://schemas.openxmlformats.org/officeDocument/2006/relationships" xmlns:p="http://schemas.openxmlformats.org/presentationml/2006/main" showMasterPhAnim="0">
+  <p:cSld>
+    <p:bg>
+      <p:bgPr>
+        <a:solidFill>
+          <a:schemeClr val="bg1"/>
+        </a:solidFill>
+        <a:effectLst/>
+      </p:bgPr>
+    </p:bg>
+    <p:spTree>
+      <p:nvGrpSpPr>
+        <p:cNvPr id="1" name=""/>
+        <p:cNvGrpSpPr/>
+        <p:nvPr/>
+      </p:nvGrpSpPr>
+      <p:grpSpPr>
+        <a:xfrm>
+          <a:off x="0" y="0"/>
+          <a:ext cx="0" cy="0"/>
+          <a:chOff x="0" y="0"/>
+          <a:chExt cx="0" cy="0"/>
+        </a:xfrm>
+      </p:grpSpPr>
+      <p:sp useBgFill="1">
+        <p:nvSpPr>
+          <p:cNvPr id="13" name="Rectangle 12">
+            <a:extLst>
+              <a:ext uri="{FF2B5EF4-FFF2-40B4-BE49-F238E27FC236}">
+                <a16:creationId xmlns:a16="http://schemas.microsoft.com/office/drawing/2014/main" id="{1709F1D5-B0F1-4714-A239-E5B61C161915}"/>
+              </a:ext>
+              <a:ext uri="{C183D7F6-B498-43B3-948B-1728B52AA6E4}">
+                <adec:decorative xmlns:adec="http://schemas.microsoft.com/office/drawing/2017/decorative" val="1"/>
+              </a:ext>
+            </a:extLst>
+          </p:cNvPr>
+          <p:cNvSpPr>
+            <a:spLocks noGrp="1" noRot="1" noChangeAspect="1" noMove="1" noResize="1" noEditPoints="1" noAdjustHandles="1" noChangeArrowheads="1" noChangeShapeType="1" noTextEdit="1"/>
+          </p:cNvSpPr>
+          <p:nvPr>
+            <p:extLst>
+              <p:ext uri="{386F3935-93C4-4BCD-93E2-E3B085C9AB24}">
+                <p16:designElem xmlns:p16="http://schemas.microsoft.com/office/powerpoint/2015/main" val="1"/>
+              </p:ext>
+            </p:extLst>
+          </p:nvPr>
+        </p:nvSpPr>
+        <p:spPr>
+          <a:xfrm>
+            <a:off x="3048" y="0"/>
+            <a:ext cx="12188952" cy="6858000"/>
+          </a:xfrm>
+          <a:prstGeom prst="rect">
+            <a:avLst/>
+          </a:prstGeom>
+          <a:ln>
+            <a:noFill/>
+          </a:ln>
+        </p:spPr>
+        <p:style>
+          <a:lnRef idx="2">
+            <a:schemeClr val="accent1">
+              <a:shade val="50000"/>
+            </a:schemeClr>
+          </a:lnRef>
+          <a:fillRef idx="1">
+            <a:schemeClr val="accent1"/>
+          </a:fillRef>
+          <a:effectRef idx="0">
+            <a:schemeClr val="accent1"/>
+          </a:effectRef>
+          <a:fontRef idx="minor">
+            <a:schemeClr val="lt1"/>
+          </a:fontRef>
+        </p:style>
+        <p:txBody>
+          <a:bodyPr rtlCol="0" anchor="ctr"/>
+          <a:lstStyle/>
+          <a:p>
+            <a:pPr algn="ctr"/>
+            <a:endParaRPr lang="en-US"/>
+          </a:p>
+        </p:txBody>
+      </p:sp>
+      <p:sp>
+        <p:nvSpPr>
+          <p:cNvPr id="15" name="Rectangle: Rounded Corners 14">
+            <a:extLst>
+              <a:ext uri="{FF2B5EF4-FFF2-40B4-BE49-F238E27FC236}">
+                <a16:creationId xmlns:a16="http://schemas.microsoft.com/office/drawing/2014/main" id="{228FB460-D3FF-4440-A020-05982A09E517}"/>
+              </a:ext>
+              <a:ext uri="{C183D7F6-B498-43B3-948B-1728B52AA6E4}">
+                <adec:decorative xmlns:adec="http://schemas.microsoft.com/office/drawing/2017/decorative" val="1"/>
+              </a:ext>
+            </a:extLst>
+          </p:cNvPr>
+          <p:cNvSpPr>
+            <a:spLocks noGrp="1" noRot="1" noChangeAspect="1" noMove="1" noResize="1" noEditPoints="1" noAdjustHandles="1" noChangeArrowheads="1" noChangeShapeType="1" noTextEdit="1"/>
+          </p:cNvSpPr>
+          <p:nvPr>
+            <p:extLst>
+              <p:ext uri="{386F3935-93C4-4BCD-93E2-E3B085C9AB24}">
+                <p16:designElem xmlns:p16="http://schemas.microsoft.com/office/powerpoint/2015/main" val="1"/>
+              </p:ext>
+            </p:extLst>
+          </p:nvPr>
+        </p:nvSpPr>
+        <p:spPr>
+          <a:xfrm>
+            <a:off x="740546" y="1011045"/>
+            <a:ext cx="4369859" cy="4369859"/>
+          </a:xfrm>
+          <a:prstGeom prst="roundRect">
+            <a:avLst>
+              <a:gd name="adj" fmla="val 2757"/>
+            </a:avLst>
+          </a:prstGeom>
+          <a:solidFill>
+            <a:schemeClr val="accent2"/>
+          </a:solidFill>
+          <a:ln>
+            <a:noFill/>
+          </a:ln>
+        </p:spPr>
+        <p:style>
+          <a:lnRef idx="2">
+            <a:schemeClr val="accent1">
+              <a:shade val="50000"/>
+            </a:schemeClr>
+          </a:lnRef>
+          <a:fillRef idx="1">
+            <a:schemeClr val="accent1"/>
+          </a:fillRef>
+          <a:effectRef idx="0">
+            <a:schemeClr val="accent1"/>
+          </a:effectRef>
+          <a:fontRef idx="minor">
+            <a:schemeClr val="lt1"/>
+          </a:fontRef>
+        </p:style>
+        <p:txBody>
+          <a:bodyPr rtlCol="0" anchor="ctr"/>
+          <a:lstStyle/>
+          <a:p>
+            <a:pPr algn="ctr"/>
+            <a:endParaRPr lang="en-US"/>
+          </a:p>
+        </p:txBody>
+      </p:sp>
+      <p:sp>
+        <p:nvSpPr>
+          <p:cNvPr id="2" name="Title 1">
+            <a:extLst>
+              <a:ext uri="{FF2B5EF4-FFF2-40B4-BE49-F238E27FC236}">
+                <a16:creationId xmlns:a16="http://schemas.microsoft.com/office/drawing/2014/main" id="{18A23199-03AE-2948-B2F5-83D4435C6F42}"/>
+              </a:ext>
+            </a:extLst>
+          </p:cNvPr>
+          <p:cNvSpPr>
+            <a:spLocks noGrp="1"/>
+          </p:cNvSpPr>
+          <p:nvPr>
+            <p:ph type="title"/>
+          </p:nvPr>
+        </p:nvSpPr>
+        <p:spPr>
+          <a:xfrm>
+            <a:off x="956826" y="1112969"/>
+            <a:ext cx="3937298" cy="4166010"/>
+          </a:xfrm>
+        </p:spPr>
+        <p:txBody>
+          <a:bodyPr>
+            <a:normAutofit/>
+          </a:bodyPr>
+          <a:lstStyle/>
+          <a:p>
+            <a:r>
+              <a:rPr lang="en-US">
+                <a:solidFill>
+                  <a:srgbClr val="FFFFFF"/>
+                </a:solidFill>
+              </a:rPr>
+              <a:t>The Idea &amp; Goal</a:t>
+            </a:r>
+          </a:p>
+        </p:txBody>
+      </p:sp>
+      <p:sp>
+        <p:nvSpPr>
+          <p:cNvPr id="17" name="Freeform: Shape 16">
+            <a:extLst>
+              <a:ext uri="{FF2B5EF4-FFF2-40B4-BE49-F238E27FC236}">
+                <a16:creationId xmlns:a16="http://schemas.microsoft.com/office/drawing/2014/main" id="{14847E93-7DC1-4D4B-8829-B19AA7137C50}"/>
+              </a:ext>
+              <a:ext uri="{C183D7F6-B498-43B3-948B-1728B52AA6E4}">
+                <adec:decorative xmlns:adec="http://schemas.microsoft.com/office/drawing/2017/decorative" val="1"/>
+              </a:ext>
+            </a:extLst>
+          </p:cNvPr>
+          <p:cNvSpPr>
+            <a:spLocks noGrp="1" noRot="1" noChangeAspect="1" noMove="1" noResize="1" noEditPoints="1" noAdjustHandles="1" noChangeArrowheads="1" noChangeShapeType="1" noTextEdit="1"/>
+          </p:cNvSpPr>
+          <p:nvPr>
+            <p:extLst>
+              <p:ext uri="{386F3935-93C4-4BCD-93E2-E3B085C9AB24}">
+                <p16:designElem xmlns:p16="http://schemas.microsoft.com/office/powerpoint/2015/main" val="1"/>
+              </p:ext>
+            </p:extLst>
+          </p:nvPr>
+        </p:nvSpPr>
+        <p:spPr>
+          <a:xfrm flipH="1">
+            <a:off x="530529" y="0"/>
+            <a:ext cx="1155142" cy="591009"/>
+          </a:xfrm>
+          <a:custGeom>
+            <a:avLst/>
+            <a:gdLst>
+              <a:gd name="connsiteX0" fmla="*/ 1355 w 1155142"/>
+              <a:gd name="connsiteY0" fmla="*/ 0 h 591009"/>
+              <a:gd name="connsiteX1" fmla="*/ 1153787 w 1155142"/>
+              <a:gd name="connsiteY1" fmla="*/ 0 h 591009"/>
+              <a:gd name="connsiteX2" fmla="*/ 1155142 w 1155142"/>
+              <a:gd name="connsiteY2" fmla="*/ 13438 h 591009"/>
+              <a:gd name="connsiteX3" fmla="*/ 577571 w 1155142"/>
+              <a:gd name="connsiteY3" fmla="*/ 591009 h 591009"/>
+              <a:gd name="connsiteX4" fmla="*/ 0 w 1155142"/>
+              <a:gd name="connsiteY4" fmla="*/ 13438 h 591009"/>
+            </a:gdLst>
+            <a:ahLst/>
+            <a:cxnLst>
+              <a:cxn ang="0">
+                <a:pos x="connsiteX0" y="connsiteY0"/>
+              </a:cxn>
+              <a:cxn ang="0">
+                <a:pos x="connsiteX1" y="connsiteY1"/>
+              </a:cxn>
+              <a:cxn ang="0">
+                <a:pos x="connsiteX2" y="connsiteY2"/>
+              </a:cxn>
+              <a:cxn ang="0">
+                <a:pos x="connsiteX3" y="connsiteY3"/>
+              </a:cxn>
+              <a:cxn ang="0">
+                <a:pos x="connsiteX4" y="connsiteY4"/>
+              </a:cxn>
+            </a:cxnLst>
+            <a:rect l="l" t="t" r="r" b="b"/>
+            <a:pathLst>
+              <a:path w="1155142" h="591009">
+                <a:moveTo>
+                  <a:pt x="1355" y="0"/>
+                </a:moveTo>
+                <a:lnTo>
+                  <a:pt x="1153787" y="0"/>
+                </a:lnTo>
+                <a:lnTo>
+                  <a:pt x="1155142" y="13438"/>
+                </a:lnTo>
+                <a:cubicBezTo>
+                  <a:pt x="1155142" y="332422"/>
+                  <a:pt x="896555" y="591009"/>
+                  <a:pt x="577571" y="591009"/>
+                </a:cubicBezTo>
+                <a:cubicBezTo>
+                  <a:pt x="258587" y="591009"/>
+                  <a:pt x="0" y="332422"/>
+                  <a:pt x="0" y="13438"/>
+                </a:cubicBezTo>
+                <a:close/>
+              </a:path>
+            </a:pathLst>
+          </a:custGeom>
+          <a:solidFill>
+            <a:schemeClr val="accent5"/>
+          </a:solidFill>
+          <a:ln>
+            <a:noFill/>
+          </a:ln>
+        </p:spPr>
+        <p:style>
+          <a:lnRef idx="2">
+            <a:schemeClr val="accent1">
+              <a:shade val="50000"/>
+            </a:schemeClr>
+          </a:lnRef>
+          <a:fillRef idx="1">
+            <a:schemeClr val="accent1"/>
+          </a:fillRef>
+          <a:effectRef idx="0">
+            <a:schemeClr val="accent1"/>
+          </a:effectRef>
+          <a:fontRef idx="minor">
+            <a:schemeClr val="lt1"/>
+          </a:fontRef>
+        </p:style>
+        <p:txBody>
+          <a:bodyPr wrap="square" rtlCol="0" anchor="ctr">
+            <a:noAutofit/>
+          </a:bodyPr>
+          <a:lstStyle/>
+          <a:p>
+            <a:pPr algn="ctr"/>
+            <a:endParaRPr lang="en-US"/>
+          </a:p>
+        </p:txBody>
+      </p:sp>
+      <p:sp>
+        <p:nvSpPr>
+          <p:cNvPr id="19" name="Freeform: Shape 18">
+            <a:extLst>
+              <a:ext uri="{FF2B5EF4-FFF2-40B4-BE49-F238E27FC236}">
+                <a16:creationId xmlns:a16="http://schemas.microsoft.com/office/drawing/2014/main" id="{5566D6E1-03A1-4D73-A4E0-35D74D568A04}"/>
+              </a:ext>
+              <a:ext uri="{C183D7F6-B498-43B3-948B-1728B52AA6E4}">
+                <adec:decorative xmlns:adec="http://schemas.microsoft.com/office/drawing/2017/decorative" val="1"/>
+              </a:ext>
+            </a:extLst>
+          </p:cNvPr>
+          <p:cNvSpPr>
+            <a:spLocks noGrp="1" noRot="1" noChangeAspect="1" noMove="1" noResize="1" noEditPoints="1" noAdjustHandles="1" noChangeArrowheads="1" noChangeShapeType="1" noTextEdit="1"/>
+          </p:cNvSpPr>
+          <p:nvPr>
+            <p:extLst>
+              <p:ext uri="{386F3935-93C4-4BCD-93E2-E3B085C9AB24}">
+                <p16:designElem xmlns:p16="http://schemas.microsoft.com/office/powerpoint/2015/main" val="1"/>
+              </p:ext>
+            </p:extLst>
+          </p:nvPr>
+        </p:nvSpPr>
+        <p:spPr>
+          <a:xfrm flipH="1">
+            <a:off x="3961511" y="-1"/>
+            <a:ext cx="1737401" cy="959536"/>
+          </a:xfrm>
+          <a:custGeom>
+            <a:avLst/>
+            <a:gdLst>
+              <a:gd name="connsiteX0" fmla="*/ 0 w 1737401"/>
+              <a:gd name="connsiteY0" fmla="*/ 0 h 959536"/>
+              <a:gd name="connsiteX1" fmla="*/ 123825 w 1737401"/>
+              <a:gd name="connsiteY1" fmla="*/ 0 h 959536"/>
+              <a:gd name="connsiteX2" fmla="*/ 123825 w 1737401"/>
+              <a:gd name="connsiteY2" fmla="*/ 790277 h 959536"/>
+              <a:gd name="connsiteX3" fmla="*/ 1490095 w 1737401"/>
+              <a:gd name="connsiteY3" fmla="*/ 0 h 959536"/>
+              <a:gd name="connsiteX4" fmla="*/ 1737401 w 1737401"/>
+              <a:gd name="connsiteY4" fmla="*/ 0 h 959536"/>
+              <a:gd name="connsiteX5" fmla="*/ 92869 w 1737401"/>
+              <a:gd name="connsiteY5" fmla="*/ 951249 h 959536"/>
+              <a:gd name="connsiteX6" fmla="*/ 61913 w 1737401"/>
+              <a:gd name="connsiteY6" fmla="*/ 959536 h 959536"/>
+              <a:gd name="connsiteX7" fmla="*/ 0 w 1737401"/>
+              <a:gd name="connsiteY7" fmla="*/ 897624 h 959536"/>
+            </a:gdLst>
+            <a:ahLst/>
+            <a:cxnLst>
+              <a:cxn ang="0">
+                <a:pos x="connsiteX0" y="connsiteY0"/>
+              </a:cxn>
+              <a:cxn ang="0">
+                <a:pos x="connsiteX1" y="connsiteY1"/>
+              </a:cxn>
+              <a:cxn ang="0">
+                <a:pos x="connsiteX2" y="connsiteY2"/>
+              </a:cxn>
+              <a:cxn ang="0">
+                <a:pos x="connsiteX3" y="connsiteY3"/>
+              </a:cxn>
+              <a:cxn ang="0">
+                <a:pos x="connsiteX4" y="connsiteY4"/>
+              </a:cxn>
+              <a:cxn ang="0">
+                <a:pos x="connsiteX5" y="connsiteY5"/>
+              </a:cxn>
+              <a:cxn ang="0">
+                <a:pos x="connsiteX6" y="connsiteY6"/>
+              </a:cxn>
+              <a:cxn ang="0">
+                <a:pos x="connsiteX7" y="connsiteY7"/>
+              </a:cxn>
+            </a:cxnLst>
+            <a:rect l="l" t="t" r="r" b="b"/>
+            <a:pathLst>
+              <a:path w="1737401" h="959536">
+                <a:moveTo>
+                  <a:pt x="0" y="0"/>
+                </a:moveTo>
+                <a:lnTo>
+                  <a:pt x="123825" y="0"/>
+                </a:lnTo>
+                <a:lnTo>
+                  <a:pt x="123825" y="790277"/>
+                </a:lnTo>
+                <a:lnTo>
+                  <a:pt x="1490095" y="0"/>
+                </a:lnTo>
+                <a:lnTo>
+                  <a:pt x="1737401" y="0"/>
+                </a:lnTo>
+                <a:lnTo>
+                  <a:pt x="92869" y="951249"/>
+                </a:lnTo>
+                <a:cubicBezTo>
+                  <a:pt x="83458" y="956688"/>
+                  <a:pt x="72780" y="959546"/>
+                  <a:pt x="61913" y="959536"/>
+                </a:cubicBezTo>
+                <a:cubicBezTo>
+                  <a:pt x="27719" y="959536"/>
+                  <a:pt x="0" y="931818"/>
+                  <a:pt x="0" y="897624"/>
+                </a:cubicBezTo>
+                <a:close/>
+              </a:path>
+            </a:pathLst>
+          </a:custGeom>
+          <a:solidFill>
+            <a:schemeClr val="accent6"/>
+          </a:solidFill>
+          <a:ln w="9525" cap="flat">
+            <a:noFill/>
+            <a:prstDash val="solid"/>
+            <a:miter/>
+          </a:ln>
+        </p:spPr>
+        <p:txBody>
+          <a:bodyPr rtlCol="0" anchor="ctr"/>
+          <a:lstStyle/>
+          <a:p>
+            <a:endParaRPr lang="en-US"/>
+          </a:p>
+        </p:txBody>
+      </p:sp>
+      <p:sp>
+        <p:nvSpPr>
+          <p:cNvPr id="21" name="Freeform: Shape 20">
+            <a:extLst>
+              <a:ext uri="{FF2B5EF4-FFF2-40B4-BE49-F238E27FC236}">
+                <a16:creationId xmlns:a16="http://schemas.microsoft.com/office/drawing/2014/main" id="{9F835A99-04AC-494A-A572-AFE8413CC938}"/>
+              </a:ext>
+              <a:ext uri="{C183D7F6-B498-43B3-948B-1728B52AA6E4}">
+                <adec:decorative xmlns:adec="http://schemas.microsoft.com/office/drawing/2017/decorative" val="1"/>
+              </a:ext>
+            </a:extLst>
+          </p:cNvPr>
+          <p:cNvSpPr>
+            <a:spLocks noGrp="1" noRot="1" noChangeAspect="1" noMove="1" noResize="1" noEditPoints="1" noAdjustHandles="1" noChangeArrowheads="1" noChangeShapeType="1" noTextEdit="1"/>
+          </p:cNvSpPr>
+          <p:nvPr>
+            <p:extLst>
+              <p:ext uri="{386F3935-93C4-4BCD-93E2-E3B085C9AB24}">
+                <p16:designElem xmlns:p16="http://schemas.microsoft.com/office/powerpoint/2015/main" val="1"/>
+              </p:ext>
+            </p:extLst>
+          </p:nvPr>
+        </p:nvSpPr>
+        <p:spPr>
+          <a:xfrm flipH="1">
+            <a:off x="0" y="2936831"/>
+            <a:ext cx="159741" cy="552996"/>
+          </a:xfrm>
+          <a:custGeom>
+            <a:avLst/>
+            <a:gdLst>
+              <a:gd name="connsiteX0" fmla="*/ 159741 w 159741"/>
+              <a:gd name="connsiteY0" fmla="*/ 0 h 552996"/>
+              <a:gd name="connsiteX1" fmla="*/ 159741 w 159741"/>
+              <a:gd name="connsiteY1" fmla="*/ 552996 h 552996"/>
+              <a:gd name="connsiteX2" fmla="*/ 141849 w 159741"/>
+              <a:gd name="connsiteY2" fmla="*/ 543285 h 552996"/>
+              <a:gd name="connsiteX3" fmla="*/ 0 w 159741"/>
+              <a:gd name="connsiteY3" fmla="*/ 276498 h 552996"/>
+              <a:gd name="connsiteX4" fmla="*/ 141849 w 159741"/>
+              <a:gd name="connsiteY4" fmla="*/ 9711 h 552996"/>
+            </a:gdLst>
+            <a:ahLst/>
+            <a:cxnLst>
+              <a:cxn ang="0">
+                <a:pos x="connsiteX0" y="connsiteY0"/>
+              </a:cxn>
+              <a:cxn ang="0">
+                <a:pos x="connsiteX1" y="connsiteY1"/>
+              </a:cxn>
+              <a:cxn ang="0">
+                <a:pos x="connsiteX2" y="connsiteY2"/>
+              </a:cxn>
+              <a:cxn ang="0">
+                <a:pos x="connsiteX3" y="connsiteY3"/>
+              </a:cxn>
+              <a:cxn ang="0">
+                <a:pos x="connsiteX4" y="connsiteY4"/>
+              </a:cxn>
+            </a:cxnLst>
+            <a:rect l="l" t="t" r="r" b="b"/>
+            <a:pathLst>
+              <a:path w="159741" h="552996">
+                <a:moveTo>
+                  <a:pt x="159741" y="0"/>
+                </a:moveTo>
+                <a:lnTo>
+                  <a:pt x="159741" y="552996"/>
+                </a:lnTo>
+                <a:lnTo>
+                  <a:pt x="141849" y="543285"/>
+                </a:lnTo>
+                <a:cubicBezTo>
+                  <a:pt x="56268" y="485467"/>
+                  <a:pt x="0" y="387554"/>
+                  <a:pt x="0" y="276498"/>
+                </a:cubicBezTo>
+                <a:cubicBezTo>
+                  <a:pt x="0" y="165443"/>
+                  <a:pt x="56268" y="67529"/>
+                  <a:pt x="141849" y="9711"/>
+                </a:cubicBezTo>
+                <a:close/>
+              </a:path>
+            </a:pathLst>
+          </a:custGeom>
+          <a:solidFill>
+            <a:schemeClr val="accent4"/>
+          </a:solidFill>
+          <a:ln w="127000">
+            <a:noFill/>
+          </a:ln>
+        </p:spPr>
+        <p:style>
+          <a:lnRef idx="2">
+            <a:schemeClr val="accent1">
+              <a:shade val="50000"/>
+            </a:schemeClr>
+          </a:lnRef>
+          <a:fillRef idx="1">
+            <a:schemeClr val="accent1"/>
+          </a:fillRef>
+          <a:effectRef idx="0">
+            <a:schemeClr val="accent1"/>
+          </a:effectRef>
+          <a:fontRef idx="minor">
+            <a:schemeClr val="lt1"/>
+          </a:fontRef>
+        </p:style>
+        <p:txBody>
+          <a:bodyPr wrap="square" rtlCol="0" anchor="ctr">
+            <a:noAutofit/>
+          </a:bodyPr>
+          <a:lstStyle/>
+          <a:p>
+            <a:pPr algn="ctr"/>
+            <a:endParaRPr lang="en-US"/>
+          </a:p>
+        </p:txBody>
+      </p:sp>
+      <p:sp>
+        <p:nvSpPr>
+          <p:cNvPr id="8" name="Rectangle 4">
+            <a:extLst>
+              <a:ext uri="{FF2B5EF4-FFF2-40B4-BE49-F238E27FC236}">
+                <a16:creationId xmlns:a16="http://schemas.microsoft.com/office/drawing/2014/main" id="{9669C1FE-4A4D-4961-FF8E-058DF53F0C8D}"/>
+              </a:ext>
+            </a:extLst>
+          </p:cNvPr>
+          <p:cNvSpPr>
+            <a:spLocks noGrp="1" noChangeArrowheads="1"/>
+          </p:cNvSpPr>
+          <p:nvPr>
+            <p:ph idx="1"/>
+          </p:nvPr>
+        </p:nvSpPr>
+        <p:spPr bwMode="auto">
+          <a:xfrm>
+            <a:off x="6096000" y="820880"/>
+            <a:ext cx="5257799" cy="4889350"/>
+          </a:xfrm>
+          <a:prstGeom prst="rect">
+            <a:avLst/>
+          </a:prstGeom>
+          <a:extLst>
+            <a:ext uri="{909E8E84-426E-40DD-AFC4-6F175D3DCCD1}">
+              <a14:hiddenFill xmlns:a14="http://schemas.microsoft.com/office/drawing/2010/main">
+                <a:solidFill>
+                  <a:schemeClr val="accent1"/>
+                </a:solidFill>
+              </a14:hiddenFill>
+            </a:ext>
+            <a:ext uri="{91240B29-F687-4F45-9708-019B960494DF}">
+              <a14:hiddenLine xmlns:a14="http://schemas.microsoft.com/office/drawing/2010/main" w="9525">
+                <a:solidFill>
+                  <a:schemeClr val="tx1"/>
+                </a:solidFill>
+                <a:miter lim="800000"/>
+                <a:headEnd/>
+                <a:tailEnd/>
+              </a14:hiddenLine>
+            </a:ext>
+            <a:ext uri="{AF507438-7753-43E0-B8FC-AC1667EBCBE1}">
+              <a14:hiddenEffects xmlns:a14="http://schemas.microsoft.com/office/drawing/2010/main">
+                <a:effectLst>
+                  <a:outerShdw dist="35921" dir="2700000" algn="ctr" rotWithShape="0">
+                    <a:schemeClr val="bg2"/>
+                  </a:outerShdw>
+                </a:effectLst>
+              </a14:hiddenEffects>
+            </a:ext>
+          </a:extLst>
+        </p:spPr>
+        <p:txBody>
+          <a:bodyPr vert="horz" lIns="91440" tIns="45720" rIns="91440" bIns="45720" numCol="1" anchor="t" anchorCtr="0" compatLnSpc="1">
+            <a:prstTxWarp prst="textNoShape">
+              <a:avLst/>
+            </a:prstTxWarp>
+            <a:normAutofit/>
+          </a:bodyPr>
+          <a:lstStyle/>
+          <a:p>
+            <a:pPr marL="0" marR="0" lvl="0" indent="0" defTabSz="914400" rtl="0" eaLnBrk="0" fontAlgn="base" latinLnBrk="0" hangingPunct="0">
+              <a:spcBef>
+                <a:spcPct val="0"/>
+              </a:spcBef>
+              <a:spcAft>
+                <a:spcPts val="600"/>
+              </a:spcAft>
+              <a:buClrTx/>
+              <a:buSzTx/>
+              <a:buFontTx/>
+              <a:buChar char="•"/>
+              <a:tabLst/>
+            </a:pPr>
+            <a:r>
+              <a:rPr kumimoji="0" lang="en-US" altLang="en-US" sz="2400" b="1" i="0" u="none" strike="noStrike" cap="none" normalizeH="0" baseline="0">
+                <a:ln>
+                  <a:noFill/>
+                </a:ln>
+                <a:effectLst/>
+                <a:latin typeface="Arial" panose="020B0604020202020204" pitchFamily="34" charset="0"/>
+              </a:rPr>
+              <a:t>The Idea:</a:t>
+            </a:r>
+            <a:r>
+              <a:rPr kumimoji="0" lang="en-US" altLang="en-US" sz="2400" b="0" i="0" u="none" strike="noStrike" cap="none" normalizeH="0" baseline="0">
+                <a:ln>
+                  <a:noFill/>
+                </a:ln>
+                <a:effectLst/>
+                <a:latin typeface="Arial" panose="020B0604020202020204" pitchFamily="34" charset="0"/>
+              </a:rPr>
+              <a:t> A specialized fashion e-commerce platform designed to simplify the shopping journey with a minimalist, product-focused interface.</a:t>
+            </a:r>
+          </a:p>
+          <a:p>
+            <a:pPr marL="0" marR="0" lvl="0" indent="0" defTabSz="914400" rtl="0" eaLnBrk="0" fontAlgn="base" latinLnBrk="0" hangingPunct="0">
+              <a:spcBef>
+                <a:spcPct val="0"/>
+              </a:spcBef>
+              <a:spcAft>
+                <a:spcPts val="600"/>
+              </a:spcAft>
+              <a:buClrTx/>
+              <a:buSzTx/>
+              <a:buFontTx/>
+              <a:buChar char="•"/>
+              <a:tabLst/>
+            </a:pPr>
+            <a:endParaRPr kumimoji="0" lang="en-US" altLang="en-US" sz="2400" b="0" i="0" u="none" strike="noStrike" cap="none" normalizeH="0" baseline="0">
+              <a:ln>
+                <a:noFill/>
+              </a:ln>
+              <a:effectLst/>
+              <a:latin typeface="Arial" panose="020B0604020202020204" pitchFamily="34" charset="0"/>
+            </a:endParaRPr>
+          </a:p>
+          <a:p>
+            <a:pPr marL="0" marR="0" lvl="0" indent="0" defTabSz="914400" rtl="0" eaLnBrk="0" fontAlgn="base" latinLnBrk="0" hangingPunct="0">
+              <a:spcBef>
+                <a:spcPct val="0"/>
+              </a:spcBef>
+              <a:spcAft>
+                <a:spcPts val="600"/>
+              </a:spcAft>
+              <a:buClrTx/>
+              <a:buSzTx/>
+              <a:buFontTx/>
+              <a:buChar char="•"/>
+              <a:tabLst/>
+            </a:pPr>
+            <a:r>
+              <a:rPr kumimoji="0" lang="en-US" altLang="en-US" sz="2400" b="1" i="0" u="none" strike="noStrike" cap="none" normalizeH="0" baseline="0">
+                <a:ln>
+                  <a:noFill/>
+                </a:ln>
+                <a:effectLst/>
+                <a:latin typeface="Arial" panose="020B0604020202020204" pitchFamily="34" charset="0"/>
+              </a:rPr>
+              <a:t>The Goal:</a:t>
+            </a:r>
+            <a:endParaRPr kumimoji="0" lang="en-US" altLang="en-US" sz="2400" b="0" i="0" u="none" strike="noStrike" cap="none" normalizeH="0" baseline="0">
+              <a:ln>
+                <a:noFill/>
+              </a:ln>
+              <a:effectLst/>
+              <a:latin typeface="Arial" panose="020B0604020202020204" pitchFamily="34" charset="0"/>
+            </a:endParaRPr>
+          </a:p>
+          <a:p>
+            <a:pPr marL="0" marR="0" lvl="0" indent="0" defTabSz="914400" rtl="0" eaLnBrk="0" fontAlgn="base" latinLnBrk="0" hangingPunct="0">
+              <a:spcBef>
+                <a:spcPct val="0"/>
+              </a:spcBef>
+              <a:spcAft>
+                <a:spcPts val="600"/>
+              </a:spcAft>
+              <a:buClrTx/>
+              <a:buSzTx/>
+              <a:buFontTx/>
+              <a:buChar char="•"/>
+              <a:tabLst/>
+            </a:pPr>
+            <a:r>
+              <a:rPr kumimoji="0" lang="en-US" altLang="en-US" sz="2400" b="0" i="0" u="none" strike="noStrike" cap="none" normalizeH="0" baseline="0">
+                <a:ln>
+                  <a:noFill/>
+                </a:ln>
+                <a:effectLst/>
+                <a:latin typeface="Arial" panose="020B0604020202020204" pitchFamily="34" charset="0"/>
+              </a:rPr>
+              <a:t>To solve the complexity of traditional online stores by offering a clean, distraction-free User Experience (UX).</a:t>
+            </a:r>
+          </a:p>
+          <a:p>
+            <a:pPr marL="0" marR="0" lvl="0" indent="0" defTabSz="914400" rtl="0" eaLnBrk="0" fontAlgn="base" latinLnBrk="0" hangingPunct="0">
+              <a:spcBef>
+                <a:spcPct val="0"/>
+              </a:spcBef>
+              <a:spcAft>
+                <a:spcPts val="600"/>
+              </a:spcAft>
+              <a:buClrTx/>
+              <a:buSzTx/>
+              <a:buFontTx/>
+              <a:buChar char="•"/>
+              <a:tabLst/>
+            </a:pPr>
+            <a:r>
+              <a:rPr kumimoji="0" lang="en-US" altLang="en-US" sz="2400" b="0" i="0" u="none" strike="noStrike" cap="none" normalizeH="0" baseline="0">
+                <a:ln>
+                  <a:noFill/>
+                </a:ln>
+                <a:effectLst/>
+                <a:latin typeface="Arial" panose="020B0604020202020204" pitchFamily="34" charset="0"/>
+              </a:rPr>
+              <a:t>To build long-term customer relationships through an embedded, instant-reward loyalty system.</a:t>
+            </a:r>
+          </a:p>
+          <a:p>
+            <a:pPr marL="0" marR="0" lvl="0" indent="0" defTabSz="914400" rtl="0" eaLnBrk="0" fontAlgn="base" latinLnBrk="0" hangingPunct="0">
+              <a:spcBef>
+                <a:spcPct val="0"/>
+              </a:spcBef>
+              <a:spcAft>
+                <a:spcPts val="600"/>
+              </a:spcAft>
+              <a:buClrTx/>
+              <a:buSzTx/>
+              <a:buFontTx/>
+              <a:buNone/>
+              <a:tabLst/>
+            </a:pPr>
+            <a:endParaRPr kumimoji="0" lang="en-US" altLang="en-US" sz="2400" b="0" i="0" u="none" strike="noStrike" cap="none" normalizeH="0" baseline="0">
+              <a:ln>
+                <a:noFill/>
+              </a:ln>
+              <a:effectLst/>
+              <a:latin typeface="Arial" panose="020B0604020202020204" pitchFamily="34" charset="0"/>
+            </a:endParaRPr>
+          </a:p>
+        </p:txBody>
+      </p:sp>
+      <p:sp>
+        <p:nvSpPr>
+          <p:cNvPr id="23" name="Freeform: Shape 22">
+            <a:extLst>
+              <a:ext uri="{FF2B5EF4-FFF2-40B4-BE49-F238E27FC236}">
+                <a16:creationId xmlns:a16="http://schemas.microsoft.com/office/drawing/2014/main" id="{7B786209-1B0B-4CA9-9BDD-F7327066A84D}"/>
+              </a:ext>
+              <a:ext uri="{C183D7F6-B498-43B3-948B-1728B52AA6E4}">
+                <adec:decorative xmlns:adec="http://schemas.microsoft.com/office/drawing/2017/decorative" val="1"/>
+              </a:ext>
+            </a:extLst>
+          </p:cNvPr>
+          <p:cNvSpPr>
+            <a:spLocks noGrp="1" noRot="1" noChangeAspect="1" noMove="1" noResize="1" noEditPoints="1" noAdjustHandles="1" noChangeArrowheads="1" noChangeShapeType="1" noTextEdit="1"/>
+          </p:cNvSpPr>
+          <p:nvPr>
+            <p:extLst>
+              <p:ext uri="{386F3935-93C4-4BCD-93E2-E3B085C9AB24}">
+                <p16:designElem xmlns:p16="http://schemas.microsoft.com/office/powerpoint/2015/main" val="1"/>
+              </p:ext>
+            </p:extLst>
+          </p:nvPr>
+        </p:nvSpPr>
+        <p:spPr>
+          <a:xfrm flipH="1">
+            <a:off x="0" y="5835649"/>
+            <a:ext cx="1548180" cy="1022351"/>
+          </a:xfrm>
+          <a:custGeom>
+            <a:avLst/>
+            <a:gdLst>
+              <a:gd name="connsiteX0" fmla="*/ 61913 w 1548180"/>
+              <a:gd name="connsiteY0" fmla="*/ 0 h 1022351"/>
+              <a:gd name="connsiteX1" fmla="*/ 1548180 w 1548180"/>
+              <a:gd name="connsiteY1" fmla="*/ 0 h 1022351"/>
+              <a:gd name="connsiteX2" fmla="*/ 1548180 w 1548180"/>
+              <a:gd name="connsiteY2" fmla="*/ 123825 h 1022351"/>
+              <a:gd name="connsiteX3" fmla="*/ 123825 w 1548180"/>
+              <a:gd name="connsiteY3" fmla="*/ 123825 h 1022351"/>
+              <a:gd name="connsiteX4" fmla="*/ 123825 w 1548180"/>
+              <a:gd name="connsiteY4" fmla="*/ 1022351 h 1022351"/>
+              <a:gd name="connsiteX5" fmla="*/ 0 w 1548180"/>
+              <a:gd name="connsiteY5" fmla="*/ 1022351 h 1022351"/>
+              <a:gd name="connsiteX6" fmla="*/ 0 w 1548180"/>
+              <a:gd name="connsiteY6" fmla="*/ 61913 h 1022351"/>
+              <a:gd name="connsiteX7" fmla="*/ 61913 w 1548180"/>
+              <a:gd name="connsiteY7" fmla="*/ 0 h 1022351"/>
+            </a:gdLst>
+            <a:ahLst/>
+            <a:cxnLst>
+              <a:cxn ang="0">
+                <a:pos x="connsiteX0" y="connsiteY0"/>
+              </a:cxn>
+              <a:cxn ang="0">
+                <a:pos x="connsiteX1" y="connsiteY1"/>
+              </a:cxn>
+              <a:cxn ang="0">
+                <a:pos x="connsiteX2" y="connsiteY2"/>
+              </a:cxn>
+              <a:cxn ang="0">
+                <a:pos x="connsiteX3" y="connsiteY3"/>
+              </a:cxn>
+              <a:cxn ang="0">
+                <a:pos x="connsiteX4" y="connsiteY4"/>
+              </a:cxn>
+              <a:cxn ang="0">
+                <a:pos x="connsiteX5" y="connsiteY5"/>
+              </a:cxn>
+              <a:cxn ang="0">
+                <a:pos x="connsiteX6" y="connsiteY6"/>
+              </a:cxn>
+              <a:cxn ang="0">
+                <a:pos x="connsiteX7" y="connsiteY7"/>
+              </a:cxn>
+            </a:cxnLst>
+            <a:rect l="l" t="t" r="r" b="b"/>
+            <a:pathLst>
+              <a:path w="1548180" h="1022351">
+                <a:moveTo>
+                  <a:pt x="61913" y="0"/>
+                </a:moveTo>
+                <a:lnTo>
+                  <a:pt x="1548180" y="0"/>
+                </a:lnTo>
+                <a:lnTo>
+                  <a:pt x="1548180" y="123825"/>
+                </a:lnTo>
+                <a:lnTo>
+                  <a:pt x="123825" y="123825"/>
+                </a:lnTo>
+                <a:lnTo>
+                  <a:pt x="123825" y="1022351"/>
+                </a:lnTo>
+                <a:lnTo>
+                  <a:pt x="0" y="1022351"/>
+                </a:lnTo>
+                <a:lnTo>
+                  <a:pt x="0" y="61913"/>
+                </a:lnTo>
+                <a:cubicBezTo>
+                  <a:pt x="0" y="27719"/>
+                  <a:pt x="27719" y="0"/>
+                  <a:pt x="61913" y="0"/>
+                </a:cubicBezTo>
+                <a:close/>
+              </a:path>
+            </a:pathLst>
+          </a:custGeom>
+          <a:solidFill>
+            <a:schemeClr val="accent6"/>
+          </a:solidFill>
+          <a:ln w="9525" cap="flat">
+            <a:noFill/>
+            <a:prstDash val="solid"/>
+            <a:miter/>
+          </a:ln>
+        </p:spPr>
+        <p:txBody>
+          <a:bodyPr rtlCol="0" anchor="ctr"/>
+          <a:lstStyle/>
+          <a:p>
+            <a:endParaRPr lang="en-US"/>
+          </a:p>
+        </p:txBody>
+      </p:sp>
+      <p:sp>
+        <p:nvSpPr>
+          <p:cNvPr id="25" name="Freeform: Shape 24">
+            <a:extLst>
+              <a:ext uri="{FF2B5EF4-FFF2-40B4-BE49-F238E27FC236}">
+                <a16:creationId xmlns:a16="http://schemas.microsoft.com/office/drawing/2014/main" id="{2D2964BB-484D-45AE-AD66-D407D0629652}"/>
+              </a:ext>
+              <a:ext uri="{C183D7F6-B498-43B3-948B-1728B52AA6E4}">
+                <adec:decorative xmlns:adec="http://schemas.microsoft.com/office/drawing/2017/decorative" val="1"/>
+              </a:ext>
+            </a:extLst>
+          </p:cNvPr>
+          <p:cNvSpPr>
+            <a:spLocks noGrp="1" noRot="1" noChangeAspect="1" noMove="1" noResize="1" noEditPoints="1" noAdjustHandles="1" noChangeArrowheads="1" noChangeShapeType="1" noTextEdit="1"/>
+          </p:cNvSpPr>
+          <p:nvPr>
+            <p:extLst>
+              <p:ext uri="{386F3935-93C4-4BCD-93E2-E3B085C9AB24}">
+                <p16:designElem xmlns:p16="http://schemas.microsoft.com/office/powerpoint/2015/main" val="1"/>
+              </p:ext>
+            </p:extLst>
+          </p:nvPr>
+        </p:nvSpPr>
+        <p:spPr>
+          <a:xfrm flipH="1">
+            <a:off x="3418308" y="5717905"/>
+            <a:ext cx="1771609" cy="1140095"/>
+          </a:xfrm>
+          <a:custGeom>
+            <a:avLst/>
+            <a:gdLst>
+              <a:gd name="connsiteX0" fmla="*/ 1561721 w 1771609"/>
+              <a:gd name="connsiteY0" fmla="*/ 763041 h 1140095"/>
+              <a:gd name="connsiteX1" fmla="*/ 1623024 w 1771609"/>
+              <a:gd name="connsiteY1" fmla="*/ 792810 h 1140095"/>
+              <a:gd name="connsiteX2" fmla="*/ 1711735 w 1771609"/>
+              <a:gd name="connsiteY2" fmla="*/ 970132 h 1140095"/>
+              <a:gd name="connsiteX3" fmla="*/ 1771609 w 1771609"/>
+              <a:gd name="connsiteY3" fmla="*/ 1140095 h 1140095"/>
+              <a:gd name="connsiteX4" fmla="*/ 1637225 w 1771609"/>
+              <a:gd name="connsiteY4" fmla="*/ 1140095 h 1140095"/>
+              <a:gd name="connsiteX5" fmla="*/ 1594820 w 1771609"/>
+              <a:gd name="connsiteY5" fmla="*/ 1019711 h 1140095"/>
+              <a:gd name="connsiteX6" fmla="*/ 1513200 w 1771609"/>
+              <a:gd name="connsiteY6" fmla="*/ 856627 h 1140095"/>
+              <a:gd name="connsiteX7" fmla="*/ 1538499 w 1771609"/>
+              <a:gd name="connsiteY7" fmla="*/ 770415 h 1140095"/>
+              <a:gd name="connsiteX8" fmla="*/ 1561721 w 1771609"/>
+              <a:gd name="connsiteY8" fmla="*/ 763041 h 1140095"/>
+              <a:gd name="connsiteX9" fmla="*/ 933455 w 1771609"/>
+              <a:gd name="connsiteY9" fmla="*/ 161309 h 1140095"/>
+              <a:gd name="connsiteX10" fmla="*/ 957797 w 1771609"/>
+              <a:gd name="connsiteY10" fmla="*/ 167970 h 1140095"/>
+              <a:gd name="connsiteX11" fmla="*/ 1286982 w 1771609"/>
+              <a:gd name="connsiteY11" fmla="*/ 387616 h 1140095"/>
+              <a:gd name="connsiteX12" fmla="*/ 1293725 w 1771609"/>
+              <a:gd name="connsiteY12" fmla="*/ 477075 h 1140095"/>
+              <a:gd name="connsiteX13" fmla="*/ 1245453 w 1771609"/>
+              <a:gd name="connsiteY13" fmla="*/ 499154 h 1140095"/>
+              <a:gd name="connsiteX14" fmla="*/ 1245167 w 1771609"/>
+              <a:gd name="connsiteY14" fmla="*/ 499154 h 1140095"/>
+              <a:gd name="connsiteX15" fmla="*/ 1203638 w 1771609"/>
+              <a:gd name="connsiteY15" fmla="*/ 484104 h 1140095"/>
+              <a:gd name="connsiteX16" fmla="*/ 900647 w 1771609"/>
+              <a:gd name="connsiteY16" fmla="*/ 281508 h 1140095"/>
+              <a:gd name="connsiteX17" fmla="*/ 872454 w 1771609"/>
+              <a:gd name="connsiteY17" fmla="*/ 196164 h 1140095"/>
+              <a:gd name="connsiteX18" fmla="*/ 933455 w 1771609"/>
+              <a:gd name="connsiteY18" fmla="*/ 161309 h 1140095"/>
+              <a:gd name="connsiteX19" fmla="*/ 256260 w 1771609"/>
+              <a:gd name="connsiteY19" fmla="*/ 29 h 1140095"/>
+              <a:gd name="connsiteX20" fmla="*/ 454020 w 1771609"/>
+              <a:gd name="connsiteY20" fmla="*/ 13474 h 1140095"/>
+              <a:gd name="connsiteX21" fmla="*/ 509236 w 1771609"/>
+              <a:gd name="connsiteY21" fmla="*/ 84182 h 1140095"/>
+              <a:gd name="connsiteX22" fmla="*/ 445829 w 1771609"/>
+              <a:gd name="connsiteY22" fmla="*/ 139871 h 1140095"/>
+              <a:gd name="connsiteX23" fmla="*/ 437447 w 1771609"/>
+              <a:gd name="connsiteY23" fmla="*/ 139395 h 1140095"/>
+              <a:gd name="connsiteX24" fmla="*/ 73211 w 1771609"/>
+              <a:gd name="connsiteY24" fmla="*/ 137204 h 1140095"/>
+              <a:gd name="connsiteX25" fmla="*/ 749 w 1771609"/>
+              <a:gd name="connsiteY25" fmla="*/ 84082 h 1140095"/>
+              <a:gd name="connsiteX26" fmla="*/ 53871 w 1771609"/>
+              <a:gd name="connsiteY26" fmla="*/ 11621 h 1140095"/>
+              <a:gd name="connsiteX27" fmla="*/ 58352 w 1771609"/>
+              <a:gd name="connsiteY27" fmla="*/ 11093 h 1140095"/>
+              <a:gd name="connsiteX28" fmla="*/ 256260 w 1771609"/>
+              <a:gd name="connsiteY28" fmla="*/ 29 h 1140095"/>
+            </a:gdLst>
+            <a:ahLst/>
+            <a:cxnLst>
+              <a:cxn ang="0">
+                <a:pos x="connsiteX0" y="connsiteY0"/>
+              </a:cxn>
+              <a:cxn ang="0">
+                <a:pos x="connsiteX1" y="connsiteY1"/>
+              </a:cxn>
+              <a:cxn ang="0">
+                <a:pos x="connsiteX2" y="connsiteY2"/>
+              </a:cxn>
+              <a:cxn ang="0">
+                <a:pos x="connsiteX3" y="connsiteY3"/>
+              </a:cxn>
+              <a:cxn ang="0">
+                <a:pos x="connsiteX4" y="connsiteY4"/>
+              </a:cxn>
+              <a:cxn ang="0">
+                <a:pos x="connsiteX5" y="connsiteY5"/>
+              </a:cxn>
+              <a:cxn ang="0">
+                <a:pos x="connsiteX6" y="connsiteY6"/>
+              </a:cxn>
+              <a:cxn ang="0">
+                <a:pos x="connsiteX7" y="connsiteY7"/>
+              </a:cxn>
+              <a:cxn ang="0">
+                <a:pos x="connsiteX8" y="connsiteY8"/>
+              </a:cxn>
+              <a:cxn ang="0">
+                <a:pos x="connsiteX9" y="connsiteY9"/>
+              </a:cxn>
+              <a:cxn ang="0">
+                <a:pos x="connsiteX10" y="connsiteY10"/>
+              </a:cxn>
+              <a:cxn ang="0">
+                <a:pos x="connsiteX11" y="connsiteY11"/>
+              </a:cxn>
+              <a:cxn ang="0">
+                <a:pos x="connsiteX12" y="connsiteY12"/>
+              </a:cxn>
+              <a:cxn ang="0">
+                <a:pos x="connsiteX13" y="connsiteY13"/>
+              </a:cxn>
+              <a:cxn ang="0">
+                <a:pos x="connsiteX14" y="connsiteY14"/>
+              </a:cxn>
+              <a:cxn ang="0">
+                <a:pos x="connsiteX15" y="connsiteY15"/>
+              </a:cxn>
+              <a:cxn ang="0">
+                <a:pos x="connsiteX16" y="connsiteY16"/>
+              </a:cxn>
+              <a:cxn ang="0">
+                <a:pos x="connsiteX17" y="connsiteY17"/>
+              </a:cxn>
+              <a:cxn ang="0">
+                <a:pos x="connsiteX18" y="connsiteY18"/>
+              </a:cxn>
+              <a:cxn ang="0">
+                <a:pos x="connsiteX19" y="connsiteY19"/>
+              </a:cxn>
+              <a:cxn ang="0">
+                <a:pos x="connsiteX20" y="connsiteY20"/>
+              </a:cxn>
+              <a:cxn ang="0">
+                <a:pos x="connsiteX21" y="connsiteY21"/>
+              </a:cxn>
+              <a:cxn ang="0">
+                <a:pos x="connsiteX22" y="connsiteY22"/>
+              </a:cxn>
+              <a:cxn ang="0">
+                <a:pos x="connsiteX23" y="connsiteY23"/>
+              </a:cxn>
+              <a:cxn ang="0">
+                <a:pos x="connsiteX24" y="connsiteY24"/>
+              </a:cxn>
+              <a:cxn ang="0">
+                <a:pos x="connsiteX25" y="connsiteY25"/>
+              </a:cxn>
+              <a:cxn ang="0">
+                <a:pos x="connsiteX26" y="connsiteY26"/>
+              </a:cxn>
+              <a:cxn ang="0">
+                <a:pos x="connsiteX27" y="connsiteY27"/>
+              </a:cxn>
+              <a:cxn ang="0">
+                <a:pos x="connsiteX28" y="connsiteY28"/>
+              </a:cxn>
+            </a:cxnLst>
+            <a:rect l="l" t="t" r="r" b="b"/>
+            <a:pathLst>
+              <a:path w="1771609" h="1140095">
+                <a:moveTo>
+                  <a:pt x="1561721" y="763041"/>
+                </a:moveTo>
+                <a:cubicBezTo>
+                  <a:pt x="1585506" y="760324"/>
+                  <a:pt x="1609722" y="771249"/>
+                  <a:pt x="1623024" y="792810"/>
+                </a:cubicBezTo>
+                <a:cubicBezTo>
+                  <a:pt x="1656300" y="850065"/>
+                  <a:pt x="1685920" y="909291"/>
+                  <a:pt x="1711735" y="970132"/>
+                </a:cubicBezTo>
+                <a:lnTo>
+                  <a:pt x="1771609" y="1140095"/>
+                </a:lnTo>
+                <a:lnTo>
+                  <a:pt x="1637225" y="1140095"/>
+                </a:lnTo>
+                <a:lnTo>
+                  <a:pt x="1594820" y="1019711"/>
+                </a:lnTo>
+                <a:cubicBezTo>
+                  <a:pt x="1571072" y="963753"/>
+                  <a:pt x="1543818" y="909282"/>
+                  <a:pt x="1513200" y="856627"/>
+                </a:cubicBezTo>
+                <a:cubicBezTo>
+                  <a:pt x="1496379" y="825834"/>
+                  <a:pt x="1507704" y="787236"/>
+                  <a:pt x="1538499" y="770415"/>
+                </a:cubicBezTo>
+                <a:cubicBezTo>
+                  <a:pt x="1545912" y="766367"/>
+                  <a:pt x="1553792" y="763946"/>
+                  <a:pt x="1561721" y="763041"/>
+                </a:cubicBezTo>
+                <a:close/>
+                <a:moveTo>
+                  <a:pt x="933455" y="161309"/>
+                </a:moveTo>
+                <a:cubicBezTo>
+                  <a:pt x="941693" y="161855"/>
+                  <a:pt x="949959" y="164025"/>
+                  <a:pt x="957797" y="167970"/>
+                </a:cubicBezTo>
+                <a:cubicBezTo>
+                  <a:pt x="1076184" y="227289"/>
+                  <a:pt x="1186759" y="301068"/>
+                  <a:pt x="1286982" y="387616"/>
+                </a:cubicBezTo>
+                <a:cubicBezTo>
+                  <a:pt x="1313547" y="410457"/>
+                  <a:pt x="1316566" y="450510"/>
+                  <a:pt x="1293725" y="477075"/>
+                </a:cubicBezTo>
+                <a:cubicBezTo>
+                  <a:pt x="1281638" y="491137"/>
+                  <a:pt x="1263998" y="499204"/>
+                  <a:pt x="1245453" y="499154"/>
+                </a:cubicBezTo>
+                <a:lnTo>
+                  <a:pt x="1245167" y="499154"/>
+                </a:lnTo>
+                <a:cubicBezTo>
+                  <a:pt x="1229965" y="499301"/>
+                  <a:pt x="1215220" y="493956"/>
+                  <a:pt x="1203638" y="484104"/>
+                </a:cubicBezTo>
+                <a:cubicBezTo>
+                  <a:pt x="1111407" y="404300"/>
+                  <a:pt x="1009633" y="336248"/>
+                  <a:pt x="900647" y="281508"/>
+                </a:cubicBezTo>
+                <a:cubicBezTo>
+                  <a:pt x="869295" y="265726"/>
+                  <a:pt x="856672" y="227516"/>
+                  <a:pt x="872454" y="196164"/>
+                </a:cubicBezTo>
+                <a:cubicBezTo>
+                  <a:pt x="884290" y="172650"/>
+                  <a:pt x="908742" y="159670"/>
+                  <a:pt x="933455" y="161309"/>
+                </a:cubicBezTo>
+                <a:close/>
+                <a:moveTo>
+                  <a:pt x="256260" y="29"/>
+                </a:moveTo>
+                <a:cubicBezTo>
+                  <a:pt x="322331" y="427"/>
+                  <a:pt x="388378" y="4909"/>
+                  <a:pt x="454020" y="13474"/>
+                </a:cubicBezTo>
+                <a:cubicBezTo>
+                  <a:pt x="488793" y="17752"/>
+                  <a:pt x="513514" y="49409"/>
+                  <a:pt x="509236" y="84182"/>
+                </a:cubicBezTo>
+                <a:cubicBezTo>
+                  <a:pt x="505303" y="116151"/>
+                  <a:pt x="478038" y="140098"/>
+                  <a:pt x="445829" y="139871"/>
+                </a:cubicBezTo>
+                <a:cubicBezTo>
+                  <a:pt x="443027" y="139899"/>
+                  <a:pt x="440227" y="139740"/>
+                  <a:pt x="437447" y="139395"/>
+                </a:cubicBezTo>
+                <a:cubicBezTo>
+                  <a:pt x="316592" y="123615"/>
+                  <a:pt x="194247" y="122878"/>
+                  <a:pt x="73211" y="137204"/>
+                </a:cubicBezTo>
+                <a:cubicBezTo>
+                  <a:pt x="38532" y="142545"/>
+                  <a:pt x="6090" y="118762"/>
+                  <a:pt x="749" y="84082"/>
+                </a:cubicBezTo>
+                <a:cubicBezTo>
+                  <a:pt x="-4591" y="49403"/>
+                  <a:pt x="19192" y="16961"/>
+                  <a:pt x="53871" y="11621"/>
+                </a:cubicBezTo>
+                <a:cubicBezTo>
+                  <a:pt x="55358" y="11392"/>
+                  <a:pt x="56852" y="11216"/>
+                  <a:pt x="58352" y="11093"/>
+                </a:cubicBezTo>
+                <a:cubicBezTo>
+                  <a:pt x="124093" y="3319"/>
+                  <a:pt x="190189" y="-369"/>
+                  <a:pt x="256260" y="29"/>
+                </a:cubicBezTo>
+                <a:close/>
+              </a:path>
+            </a:pathLst>
+          </a:custGeom>
+          <a:solidFill>
+            <a:schemeClr val="accent4"/>
+          </a:solidFill>
+          <a:ln w="9525" cap="flat">
+            <a:noFill/>
+            <a:prstDash val="solid"/>
+            <a:miter/>
+          </a:ln>
+        </p:spPr>
+        <p:txBody>
+          <a:bodyPr rtlCol="0" anchor="ctr"/>
+          <a:lstStyle/>
+          <a:p>
+            <a:endParaRPr lang="en-US"/>
+          </a:p>
+        </p:txBody>
+      </p:sp>
+      <p:sp>
+        <p:nvSpPr>
+          <p:cNvPr id="27" name="Freeform: Shape 26">
+            <a:extLst>
+              <a:ext uri="{FF2B5EF4-FFF2-40B4-BE49-F238E27FC236}">
+                <a16:creationId xmlns:a16="http://schemas.microsoft.com/office/drawing/2014/main" id="{6691AC69-A76E-4DAB-B565-468B6B87ACF3}"/>
+              </a:ext>
+              <a:ext uri="{C183D7F6-B498-43B3-948B-1728B52AA6E4}">
+                <adec:decorative xmlns:adec="http://schemas.microsoft.com/office/drawing/2017/decorative" val="1"/>
+              </a:ext>
+            </a:extLst>
+          </p:cNvPr>
+          <p:cNvSpPr>
+            <a:spLocks noGrp="1" noRot="1" noChangeAspect="1" noMove="1" noResize="1" noEditPoints="1" noAdjustHandles="1" noChangeArrowheads="1" noChangeShapeType="1" noTextEdit="1"/>
+          </p:cNvSpPr>
+          <p:nvPr>
+            <p:extLst>
+              <p:ext uri="{386F3935-93C4-4BCD-93E2-E3B085C9AB24}">
+                <p16:designElem xmlns:p16="http://schemas.microsoft.com/office/powerpoint/2015/main" val="1"/>
+              </p:ext>
+            </p:extLst>
+          </p:nvPr>
+        </p:nvSpPr>
+        <p:spPr>
+          <a:xfrm flipH="1">
+            <a:off x="4132972" y="6258755"/>
+            <a:ext cx="1565940" cy="599245"/>
+          </a:xfrm>
+          <a:custGeom>
+            <a:avLst/>
+            <a:gdLst>
+              <a:gd name="connsiteX0" fmla="*/ 782970 w 1565940"/>
+              <a:gd name="connsiteY0" fmla="*/ 0 h 599245"/>
+              <a:gd name="connsiteX1" fmla="*/ 1528042 w 1565940"/>
+              <a:gd name="connsiteY1" fmla="*/ 480469 h 599245"/>
+              <a:gd name="connsiteX2" fmla="*/ 1565940 w 1565940"/>
+              <a:gd name="connsiteY2" fmla="*/ 599245 h 599245"/>
+              <a:gd name="connsiteX3" fmla="*/ 0 w 1565940"/>
+              <a:gd name="connsiteY3" fmla="*/ 599245 h 599245"/>
+              <a:gd name="connsiteX4" fmla="*/ 37898 w 1565940"/>
+              <a:gd name="connsiteY4" fmla="*/ 480469 h 599245"/>
+              <a:gd name="connsiteX5" fmla="*/ 782970 w 1565940"/>
+              <a:gd name="connsiteY5" fmla="*/ 0 h 599245"/>
+            </a:gdLst>
+            <a:ahLst/>
+            <a:cxnLst>
+              <a:cxn ang="0">
+                <a:pos x="connsiteX0" y="connsiteY0"/>
+              </a:cxn>
+              <a:cxn ang="0">
+                <a:pos x="connsiteX1" y="connsiteY1"/>
+              </a:cxn>
+              <a:cxn ang="0">
+                <a:pos x="connsiteX2" y="connsiteY2"/>
+              </a:cxn>
+              <a:cxn ang="0">
+                <a:pos x="connsiteX3" y="connsiteY3"/>
+              </a:cxn>
+              <a:cxn ang="0">
+                <a:pos x="connsiteX4" y="connsiteY4"/>
+              </a:cxn>
+              <a:cxn ang="0">
+                <a:pos x="connsiteX5" y="connsiteY5"/>
+              </a:cxn>
+            </a:cxnLst>
+            <a:rect l="l" t="t" r="r" b="b"/>
+            <a:pathLst>
+              <a:path w="1565940" h="599245">
+                <a:moveTo>
+                  <a:pt x="782970" y="0"/>
+                </a:moveTo>
+                <a:cubicBezTo>
+                  <a:pt x="1117910" y="0"/>
+                  <a:pt x="1405287" y="198118"/>
+                  <a:pt x="1528042" y="480469"/>
+                </a:cubicBezTo>
+                <a:lnTo>
+                  <a:pt x="1565940" y="599245"/>
+                </a:lnTo>
+                <a:lnTo>
+                  <a:pt x="0" y="599245"/>
+                </a:lnTo>
+                <a:lnTo>
+                  <a:pt x="37898" y="480469"/>
+                </a:lnTo>
+                <a:cubicBezTo>
+                  <a:pt x="160653" y="198118"/>
+                  <a:pt x="448030" y="0"/>
+                  <a:pt x="782970" y="0"/>
+                </a:cubicBezTo>
+                <a:close/>
+              </a:path>
+            </a:pathLst>
+          </a:custGeom>
+          <a:solidFill>
+            <a:schemeClr val="accent2"/>
+          </a:solidFill>
+          <a:ln>
+            <a:noFill/>
+          </a:ln>
+        </p:spPr>
+        <p:style>
+          <a:lnRef idx="2">
+            <a:schemeClr val="accent1">
+              <a:shade val="50000"/>
+            </a:schemeClr>
+          </a:lnRef>
+          <a:fillRef idx="1">
+            <a:schemeClr val="accent1"/>
+          </a:fillRef>
+          <a:effectRef idx="0">
+            <a:schemeClr val="accent1"/>
+          </a:effectRef>
+          <a:fontRef idx="minor">
+            <a:schemeClr val="lt1"/>
+          </a:fontRef>
+        </p:style>
+        <p:txBody>
+          <a:bodyPr wrap="square" rtlCol="0" anchor="ctr">
+            <a:noAutofit/>
+          </a:bodyPr>
+          <a:lstStyle/>
+          <a:p>
+            <a:pPr algn="ctr"/>
+            <a:endParaRPr lang="en-US" dirty="0"/>
+          </a:p>
+        </p:txBody>
+      </p:sp>
     </p:spTree>
     <p:extLst>
       <p:ext uri="{BB962C8B-B14F-4D97-AF65-F5344CB8AC3E}">
@@ -4100,6 +7151,599 @@
       </p:transition>
     </mc:Choice>
     <mc:Fallback xmlns="">
+      <p:transition spd="slow">
+        <p:fade/>
+      </p:transition>
+    </mc:Fallback>
+  </mc:AlternateContent>
+  <p:timing>
+    <p:tnLst>
+      <p:par>
+        <p:cTn id="1" dur="indefinite" restart="never" nodeType="tmRoot">
+          <p:childTnLst>
+            <p:seq concurrent="1" nextAc="seek">
+              <p:cTn id="2" dur="indefinite" nodeType="mainSeq">
+                <p:childTnLst>
+                  <p:par>
+                    <p:cTn id="3" fill="hold">
+                      <p:stCondLst>
+                        <p:cond delay="indefinite"/>
+                      </p:stCondLst>
+                      <p:childTnLst>
+                        <p:par>
+                          <p:cTn id="4" fill="hold">
+                            <p:stCondLst>
+                              <p:cond delay="0"/>
+                            </p:stCondLst>
+                            <p:childTnLst>
+                              <p:par>
+                                <p:cTn id="5" presetID="2" presetClass="entr" presetSubtype="4" fill="hold" grpId="0" nodeType="clickEffect">
+                                  <p:stCondLst>
+                                    <p:cond delay="0"/>
+                                  </p:stCondLst>
+                                  <p:childTnLst>
+                                    <p:set>
+                                      <p:cBhvr>
+                                        <p:cTn id="6" dur="1" fill="hold">
+                                          <p:stCondLst>
+                                            <p:cond delay="0"/>
+                                          </p:stCondLst>
+                                        </p:cTn>
+                                        <p:tgtEl>
+                                          <p:spTgt spid="2"/>
+                                        </p:tgtEl>
+                                        <p:attrNameLst>
+                                          <p:attrName>style.visibility</p:attrName>
+                                        </p:attrNameLst>
+                                      </p:cBhvr>
+                                      <p:to>
+                                        <p:strVal val="visible"/>
+                                      </p:to>
+                                    </p:set>
+                                    <p:anim calcmode="lin" valueType="num">
+                                      <p:cBhvr additive="base">
+                                        <p:cTn id="7" dur="500" fill="hold"/>
+                                        <p:tgtEl>
+                                          <p:spTgt spid="2"/>
+                                        </p:tgtEl>
+                                        <p:attrNameLst>
+                                          <p:attrName>ppt_x</p:attrName>
+                                        </p:attrNameLst>
+                                      </p:cBhvr>
+                                      <p:tavLst>
+                                        <p:tav tm="0">
+                                          <p:val>
+                                            <p:strVal val="#ppt_x"/>
+                                          </p:val>
+                                        </p:tav>
+                                        <p:tav tm="100000">
+                                          <p:val>
+                                            <p:strVal val="#ppt_x"/>
+                                          </p:val>
+                                        </p:tav>
+                                      </p:tavLst>
+                                    </p:anim>
+                                    <p:anim calcmode="lin" valueType="num">
+                                      <p:cBhvr additive="base">
+                                        <p:cTn id="8" dur="500" fill="hold"/>
+                                        <p:tgtEl>
+                                          <p:spTgt spid="2"/>
+                                        </p:tgtEl>
+                                        <p:attrNameLst>
+                                          <p:attrName>ppt_y</p:attrName>
+                                        </p:attrNameLst>
+                                      </p:cBhvr>
+                                      <p:tavLst>
+                                        <p:tav tm="0">
+                                          <p:val>
+                                            <p:strVal val="1+#ppt_h/2"/>
+                                          </p:val>
+                                        </p:tav>
+                                        <p:tav tm="100000">
+                                          <p:val>
+                                            <p:strVal val="#ppt_y"/>
+                                          </p:val>
+                                        </p:tav>
+                                      </p:tavLst>
+                                    </p:anim>
+                                  </p:childTnLst>
+                                </p:cTn>
+                              </p:par>
+                            </p:childTnLst>
+                          </p:cTn>
+                        </p:par>
+                      </p:childTnLst>
+                    </p:cTn>
+                  </p:par>
+                </p:childTnLst>
+              </p:cTn>
+              <p:prevCondLst>
+                <p:cond evt="onPrev" delay="0">
+                  <p:tgtEl>
+                    <p:sldTgt/>
+                  </p:tgtEl>
+                </p:cond>
+              </p:prevCondLst>
+              <p:nextCondLst>
+                <p:cond evt="onNext" delay="0">
+                  <p:tgtEl>
+                    <p:sldTgt/>
+                  </p:tgtEl>
+                </p:cond>
+              </p:nextCondLst>
+            </p:seq>
+          </p:childTnLst>
+        </p:cTn>
+      </p:par>
+    </p:tnLst>
+    <p:bldLst>
+      <p:bldP spid="2" grpId="0" autoUpdateAnimBg="0"/>
+    </p:bldLst>
+  </p:timing>
+</p:sld>
+</file>
+
+<file path=ppt/slides/slide3.xml><?xml version="1.0" encoding="utf-8"?>
+<p:sld xmlns:a="http://schemas.openxmlformats.org/drawingml/2006/main" xmlns:r="http://schemas.openxmlformats.org/officeDocument/2006/relationships" xmlns:p="http://schemas.openxmlformats.org/presentationml/2006/main" showMasterPhAnim="0">
+  <p:cSld>
+    <p:bg>
+      <p:bgPr>
+        <a:solidFill>
+          <a:schemeClr val="bg1"/>
+        </a:solidFill>
+        <a:effectLst/>
+      </p:bgPr>
+    </p:bg>
+    <p:spTree>
+      <p:nvGrpSpPr>
+        <p:cNvPr id="1" name="">
+          <a:extLst>
+            <a:ext uri="{FF2B5EF4-FFF2-40B4-BE49-F238E27FC236}">
+              <a16:creationId xmlns:a16="http://schemas.microsoft.com/office/drawing/2014/main" id="{3AF19E9F-54AB-BC95-8D93-D6A6ECFBC7EE}"/>
+            </a:ext>
+          </a:extLst>
+        </p:cNvPr>
+        <p:cNvGrpSpPr/>
+        <p:nvPr/>
+      </p:nvGrpSpPr>
+      <p:grpSpPr>
+        <a:xfrm>
+          <a:off x="0" y="0"/>
+          <a:ext cx="0" cy="0"/>
+          <a:chOff x="0" y="0"/>
+          <a:chExt cx="0" cy="0"/>
+        </a:xfrm>
+      </p:grpSpPr>
+      <p:sp useBgFill="1">
+        <p:nvSpPr>
+          <p:cNvPr id="8" name="Rectangle 7">
+            <a:extLst>
+              <a:ext uri="{FF2B5EF4-FFF2-40B4-BE49-F238E27FC236}">
+                <a16:creationId xmlns:a16="http://schemas.microsoft.com/office/drawing/2014/main" id="{C2554CA6-288E-4202-BC52-2E5A8F0C0AED}"/>
+              </a:ext>
+              <a:ext uri="{C183D7F6-B498-43B3-948B-1728B52AA6E4}">
+                <adec:decorative xmlns:adec="http://schemas.microsoft.com/office/drawing/2017/decorative" val="1"/>
+              </a:ext>
+            </a:extLst>
+          </p:cNvPr>
+          <p:cNvSpPr>
+            <a:spLocks noGrp="1" noRot="1" noChangeAspect="1" noMove="1" noResize="1" noEditPoints="1" noAdjustHandles="1" noChangeArrowheads="1" noChangeShapeType="1" noTextEdit="1"/>
+          </p:cNvSpPr>
+          <p:nvPr>
+            <p:extLst>
+              <p:ext uri="{386F3935-93C4-4BCD-93E2-E3B085C9AB24}">
+                <p16:designElem xmlns:p16="http://schemas.microsoft.com/office/powerpoint/2015/main" val="1"/>
+              </p:ext>
+            </p:extLst>
+          </p:nvPr>
+        </p:nvSpPr>
+        <p:spPr>
+          <a:xfrm>
+            <a:off x="3048" y="0"/>
+            <a:ext cx="12188952" cy="6858000"/>
+          </a:xfrm>
+          <a:prstGeom prst="rect">
+            <a:avLst/>
+          </a:prstGeom>
+          <a:ln>
+            <a:noFill/>
+          </a:ln>
+        </p:spPr>
+        <p:style>
+          <a:lnRef idx="2">
+            <a:schemeClr val="accent1">
+              <a:shade val="50000"/>
+            </a:schemeClr>
+          </a:lnRef>
+          <a:fillRef idx="1">
+            <a:schemeClr val="accent1"/>
+          </a:fillRef>
+          <a:effectRef idx="0">
+            <a:schemeClr val="accent1"/>
+          </a:effectRef>
+          <a:fontRef idx="minor">
+            <a:schemeClr val="lt1"/>
+          </a:fontRef>
+        </p:style>
+        <p:txBody>
+          <a:bodyPr rtlCol="0" anchor="ctr"/>
+          <a:lstStyle/>
+          <a:p>
+            <a:pPr algn="ctr"/>
+            <a:endParaRPr lang="en-US"/>
+          </a:p>
+        </p:txBody>
+      </p:sp>
+      <p:sp>
+        <p:nvSpPr>
+          <p:cNvPr id="10" name="Oval 9">
+            <a:extLst>
+              <a:ext uri="{FF2B5EF4-FFF2-40B4-BE49-F238E27FC236}">
+                <a16:creationId xmlns:a16="http://schemas.microsoft.com/office/drawing/2014/main" id="{B10BB131-AC8E-4A8E-A5D1-36260F720C3B}"/>
+              </a:ext>
+              <a:ext uri="{C183D7F6-B498-43B3-948B-1728B52AA6E4}">
+                <adec:decorative xmlns:adec="http://schemas.microsoft.com/office/drawing/2017/decorative" val="1"/>
+              </a:ext>
+            </a:extLst>
+          </p:cNvPr>
+          <p:cNvSpPr>
+            <a:spLocks noGrp="1" noRot="1" noChangeAspect="1" noMove="1" noResize="1" noEditPoints="1" noAdjustHandles="1" noChangeArrowheads="1" noChangeShapeType="1" noTextEdit="1"/>
+          </p:cNvSpPr>
+          <p:nvPr>
+            <p:extLst>
+              <p:ext uri="{386F3935-93C4-4BCD-93E2-E3B085C9AB24}">
+                <p16:designElem xmlns:p16="http://schemas.microsoft.com/office/powerpoint/2015/main" val="1"/>
+              </p:ext>
+            </p:extLst>
+          </p:nvPr>
+        </p:nvSpPr>
+        <p:spPr>
+          <a:xfrm>
+            <a:off x="489189" y="1119031"/>
+            <a:ext cx="4619938" cy="4619938"/>
+          </a:xfrm>
+          <a:prstGeom prst="ellipse">
+            <a:avLst/>
+          </a:prstGeom>
+          <a:solidFill>
+            <a:schemeClr val="accent2"/>
+          </a:solidFill>
+          <a:ln>
+            <a:noFill/>
+          </a:ln>
+        </p:spPr>
+        <p:style>
+          <a:lnRef idx="2">
+            <a:schemeClr val="accent1">
+              <a:shade val="50000"/>
+            </a:schemeClr>
+          </a:lnRef>
+          <a:fillRef idx="1">
+            <a:schemeClr val="accent1"/>
+          </a:fillRef>
+          <a:effectRef idx="0">
+            <a:schemeClr val="accent1"/>
+          </a:effectRef>
+          <a:fontRef idx="minor">
+            <a:schemeClr val="lt1"/>
+          </a:fontRef>
+        </p:style>
+        <p:txBody>
+          <a:bodyPr rtlCol="0" anchor="ctr"/>
+          <a:lstStyle/>
+          <a:p>
+            <a:pPr algn="ctr"/>
+            <a:endParaRPr lang="en-US"/>
+          </a:p>
+        </p:txBody>
+      </p:sp>
+      <p:sp>
+        <p:nvSpPr>
+          <p:cNvPr id="2" name="Title 1">
+            <a:extLst>
+              <a:ext uri="{FF2B5EF4-FFF2-40B4-BE49-F238E27FC236}">
+                <a16:creationId xmlns:a16="http://schemas.microsoft.com/office/drawing/2014/main" id="{11D18DAF-DC1F-D950-94A5-337925ADFC2C}"/>
+              </a:ext>
+            </a:extLst>
+          </p:cNvPr>
+          <p:cNvSpPr>
+            <a:spLocks noGrp="1"/>
+          </p:cNvSpPr>
+          <p:nvPr>
+            <p:ph type="title"/>
+          </p:nvPr>
+        </p:nvSpPr>
+        <p:spPr>
+          <a:xfrm>
+            <a:off x="1171074" y="1396686"/>
+            <a:ext cx="3240506" cy="4064628"/>
+          </a:xfrm>
+        </p:spPr>
+        <p:txBody>
+          <a:bodyPr>
+            <a:normAutofit/>
+          </a:bodyPr>
+          <a:lstStyle/>
+          <a:p>
+            <a:r>
+              <a:rPr lang="en-US">
+                <a:solidFill>
+                  <a:srgbClr val="FFFFFF"/>
+                </a:solidFill>
+              </a:rPr>
+              <a:t>Team Members</a:t>
+            </a:r>
+          </a:p>
+        </p:txBody>
+      </p:sp>
+      <p:sp>
+        <p:nvSpPr>
+          <p:cNvPr id="12" name="Arc 11">
+            <a:extLst>
+              <a:ext uri="{FF2B5EF4-FFF2-40B4-BE49-F238E27FC236}">
+                <a16:creationId xmlns:a16="http://schemas.microsoft.com/office/drawing/2014/main" id="{5B7778FC-632E-4DCA-A7CB-0D7731CCF970}"/>
+              </a:ext>
+              <a:ext uri="{C183D7F6-B498-43B3-948B-1728B52AA6E4}">
+                <adec:decorative xmlns:adec="http://schemas.microsoft.com/office/drawing/2017/decorative" val="1"/>
+              </a:ext>
+            </a:extLst>
+          </p:cNvPr>
+          <p:cNvSpPr>
+            <a:spLocks noGrp="1" noRot="1" noChangeAspect="1" noMove="1" noResize="1" noEditPoints="1" noAdjustHandles="1" noChangeArrowheads="1" noChangeShapeType="1" noTextEdit="1"/>
+          </p:cNvSpPr>
+          <p:nvPr>
+            <p:extLst>
+              <p:ext uri="{386F3935-93C4-4BCD-93E2-E3B085C9AB24}">
+                <p16:designElem xmlns:p16="http://schemas.microsoft.com/office/powerpoint/2015/main" val="1"/>
+              </p:ext>
+            </p:extLst>
+          </p:nvPr>
+        </p:nvSpPr>
+        <p:spPr>
+          <a:xfrm rot="19809111">
+            <a:off x="8683720" y="941148"/>
+            <a:ext cx="2987899" cy="2987899"/>
+          </a:xfrm>
+          <a:prstGeom prst="arc">
+            <a:avLst>
+              <a:gd name="adj1" fmla="val 15817365"/>
+              <a:gd name="adj2" fmla="val 1781380"/>
+            </a:avLst>
+          </a:prstGeom>
+          <a:ln w="127000" cap="rnd">
+            <a:solidFill>
+              <a:schemeClr val="accent4"/>
+            </a:solidFill>
+            <a:prstDash val="dash"/>
+            <a:miter lim="800000"/>
+          </a:ln>
+        </p:spPr>
+        <p:style>
+          <a:lnRef idx="1">
+            <a:schemeClr val="accent1"/>
+          </a:lnRef>
+          <a:fillRef idx="0">
+            <a:schemeClr val="accent1"/>
+          </a:fillRef>
+          <a:effectRef idx="0">
+            <a:schemeClr val="accent1"/>
+          </a:effectRef>
+          <a:fontRef idx="minor">
+            <a:schemeClr val="tx1"/>
+          </a:fontRef>
+        </p:style>
+        <p:txBody>
+          <a:bodyPr rtlCol="0" anchor="ctr"/>
+          <a:lstStyle/>
+          <a:p>
+            <a:pPr marL="0" marR="0" lvl="0" indent="0" algn="ctr" defTabSz="914400" rtl="0" eaLnBrk="1" fontAlgn="auto" latinLnBrk="0" hangingPunct="1">
+              <a:lnSpc>
+                <a:spcPct val="100000"/>
+              </a:lnSpc>
+              <a:spcBef>
+                <a:spcPts val="0"/>
+              </a:spcBef>
+              <a:spcAft>
+                <a:spcPts val="0"/>
+              </a:spcAft>
+              <a:buClrTx/>
+              <a:buSzTx/>
+              <a:buFontTx/>
+              <a:buNone/>
+              <a:tabLst/>
+              <a:defRPr/>
+            </a:pPr>
+            <a:endParaRPr kumimoji="0" lang="en-US" sz="1800" b="0" i="0" u="none" strike="noStrike" kern="1200" cap="none" spc="0" normalizeH="0" baseline="0" noProof="0">
+              <a:ln>
+                <a:noFill/>
+              </a:ln>
+              <a:solidFill>
+                <a:srgbClr val="000000"/>
+              </a:solidFill>
+              <a:effectLst/>
+              <a:uLnTx/>
+              <a:uFillTx/>
+              <a:latin typeface="Calibri" panose="020F0502020204030204"/>
+              <a:ea typeface="+mn-ea"/>
+              <a:cs typeface="+mn-cs"/>
+            </a:endParaRPr>
+          </a:p>
+        </p:txBody>
+      </p:sp>
+      <p:sp>
+        <p:nvSpPr>
+          <p:cNvPr id="14" name="Oval 13">
+            <a:extLst>
+              <a:ext uri="{FF2B5EF4-FFF2-40B4-BE49-F238E27FC236}">
+                <a16:creationId xmlns:a16="http://schemas.microsoft.com/office/drawing/2014/main" id="{FA23A907-97FB-4A8F-880A-DD77401C4296}"/>
+              </a:ext>
+              <a:ext uri="{C183D7F6-B498-43B3-948B-1728B52AA6E4}">
+                <adec:decorative xmlns:adec="http://schemas.microsoft.com/office/drawing/2017/decorative" val="1"/>
+              </a:ext>
+            </a:extLst>
+          </p:cNvPr>
+          <p:cNvSpPr>
+            <a:spLocks noGrp="1" noRot="1" noChangeAspect="1" noMove="1" noResize="1" noEditPoints="1" noAdjustHandles="1" noChangeArrowheads="1" noChangeShapeType="1" noTextEdit="1"/>
+          </p:cNvSpPr>
+          <p:nvPr>
+            <p:extLst>
+              <p:ext uri="{386F3935-93C4-4BCD-93E2-E3B085C9AB24}">
+                <p16:designElem xmlns:p16="http://schemas.microsoft.com/office/powerpoint/2015/main" val="1"/>
+              </p:ext>
+            </p:extLst>
+          </p:nvPr>
+        </p:nvSpPr>
+        <p:spPr>
+          <a:xfrm>
+            <a:off x="910048" y="4780992"/>
+            <a:ext cx="546100" cy="546100"/>
+          </a:xfrm>
+          <a:prstGeom prst="ellipse">
+            <a:avLst/>
+          </a:prstGeom>
+          <a:solidFill>
+            <a:schemeClr val="accent5"/>
+          </a:solidFill>
+          <a:ln>
+            <a:noFill/>
+          </a:ln>
+        </p:spPr>
+        <p:style>
+          <a:lnRef idx="2">
+            <a:schemeClr val="accent1">
+              <a:shade val="50000"/>
+            </a:schemeClr>
+          </a:lnRef>
+          <a:fillRef idx="1">
+            <a:schemeClr val="accent1"/>
+          </a:fillRef>
+          <a:effectRef idx="0">
+            <a:schemeClr val="accent1"/>
+          </a:effectRef>
+          <a:fontRef idx="minor">
+            <a:schemeClr val="lt1"/>
+          </a:fontRef>
+        </p:style>
+        <p:txBody>
+          <a:bodyPr rtlCol="0" anchor="ctr"/>
+          <a:lstStyle/>
+          <a:p>
+            <a:pPr marL="0" marR="0" lvl="0" indent="0" algn="ctr" defTabSz="914400" rtl="0" eaLnBrk="1" fontAlgn="auto" latinLnBrk="0" hangingPunct="1">
+              <a:lnSpc>
+                <a:spcPct val="100000"/>
+              </a:lnSpc>
+              <a:spcBef>
+                <a:spcPts val="0"/>
+              </a:spcBef>
+              <a:spcAft>
+                <a:spcPts val="0"/>
+              </a:spcAft>
+              <a:buClrTx/>
+              <a:buSzTx/>
+              <a:buFontTx/>
+              <a:buNone/>
+              <a:tabLst/>
+              <a:defRPr/>
+            </a:pPr>
+            <a:endParaRPr kumimoji="0" lang="en-US" sz="1800" b="0" i="0" u="none" strike="noStrike" kern="1200" cap="none" spc="0" normalizeH="0" baseline="0" noProof="0">
+              <a:ln>
+                <a:noFill/>
+              </a:ln>
+              <a:solidFill>
+                <a:srgbClr val="FFFFFF"/>
+              </a:solidFill>
+              <a:effectLst/>
+              <a:uLnTx/>
+              <a:uFillTx/>
+              <a:latin typeface="Calibri" panose="020F0502020204030204"/>
+              <a:ea typeface="+mn-ea"/>
+              <a:cs typeface="+mn-cs"/>
+            </a:endParaRPr>
+          </a:p>
+        </p:txBody>
+      </p:sp>
+      <p:sp>
+        <p:nvSpPr>
+          <p:cNvPr id="3" name="Content Placeholder 2">
+            <a:extLst>
+              <a:ext uri="{FF2B5EF4-FFF2-40B4-BE49-F238E27FC236}">
+                <a16:creationId xmlns:a16="http://schemas.microsoft.com/office/drawing/2014/main" id="{5C96AE94-8DCA-0BEE-7885-6FFBD9D5C5DB}"/>
+              </a:ext>
+            </a:extLst>
+          </p:cNvPr>
+          <p:cNvSpPr>
+            <a:spLocks noGrp="1"/>
+          </p:cNvSpPr>
+          <p:nvPr>
+            <p:ph idx="1"/>
+          </p:nvPr>
+        </p:nvSpPr>
+        <p:spPr>
+          <a:xfrm>
+            <a:off x="5370153" y="1526033"/>
+            <a:ext cx="5536397" cy="3935281"/>
+          </a:xfrm>
+        </p:spPr>
+        <p:txBody>
+          <a:bodyPr>
+            <a:normAutofit/>
+          </a:bodyPr>
+          <a:lstStyle/>
+          <a:p>
+            <a:r>
+              <a:rPr lang="en-US" sz="2400"/>
+              <a:t>Youssef Atef: Team Leader &amp; Frontend Developer.</a:t>
+            </a:r>
+          </a:p>
+          <a:p>
+            <a:endParaRPr lang="en-US" sz="2400"/>
+          </a:p>
+          <a:p>
+            <a:r>
+              <a:rPr lang="en-US" sz="2400"/>
+              <a:t>Philopater Wael: Frontend &amp; Backend Developer</a:t>
+            </a:r>
+          </a:p>
+          <a:p>
+            <a:endParaRPr lang="en-US" sz="2400"/>
+          </a:p>
+          <a:p>
+            <a:r>
+              <a:rPr lang="en-US" sz="2400"/>
+              <a:t>Youssef Waleer: Frontend developer</a:t>
+            </a:r>
+          </a:p>
+          <a:p>
+            <a:endParaRPr lang="en-US" sz="2400"/>
+          </a:p>
+          <a:p>
+            <a:r>
+              <a:rPr lang="en-US" sz="2400"/>
+              <a:t>Ahmed Sobhy: Frontend developer</a:t>
+            </a:r>
+          </a:p>
+          <a:p>
+            <a:endParaRPr lang="en-US" sz="2400"/>
+          </a:p>
+        </p:txBody>
+      </p:sp>
+    </p:spTree>
+    <p:extLst>
+      <p:ext uri="{BB962C8B-B14F-4D97-AF65-F5344CB8AC3E}">
+        <p14:creationId xmlns:p14="http://schemas.microsoft.com/office/powerpoint/2010/main" val="333110421"/>
+      </p:ext>
+    </p:extLst>
+  </p:cSld>
+  <p:clrMapOvr>
+    <a:masterClrMapping/>
+  </p:clrMapOvr>
+  <mc:AlternateContent xmlns:mc="http://schemas.openxmlformats.org/markup-compatibility/2006">
+    <mc:Choice xmlns:p159="http://schemas.microsoft.com/office/powerpoint/2015/09/main" Requires="p159">
+      <p:transition xmlns:p14="http://schemas.microsoft.com/office/powerpoint/2010/main" spd="slow" p14:dur="2000">
+        <p159:morph option="byObject"/>
+      </p:transition>
+    </mc:Choice>
+    <mc:Fallback>
       <p:transition spd="slow">
         <p:fade/>
       </p:transition>
@@ -4324,9 +7968,781 @@
 </p:sld>
 </file>
 
-<file path=ppt/slides/slide3.xml><?xml version="1.0" encoding="utf-8"?>
+<file path=ppt/slides/slide4.xml><?xml version="1.0" encoding="utf-8"?>
 <p:sld xmlns:a="http://schemas.openxmlformats.org/drawingml/2006/main" xmlns:r="http://schemas.openxmlformats.org/officeDocument/2006/relationships" xmlns:p="http://schemas.openxmlformats.org/presentationml/2006/main" showMasterPhAnim="0">
   <p:cSld>
+    <p:bg>
+      <p:bgPr>
+        <a:solidFill>
+          <a:schemeClr val="bg1"/>
+        </a:solidFill>
+        <a:effectLst/>
+      </p:bgPr>
+    </p:bg>
+    <p:spTree>
+      <p:nvGrpSpPr>
+        <p:cNvPr id="1" name="">
+          <a:extLst>
+            <a:ext uri="{FF2B5EF4-FFF2-40B4-BE49-F238E27FC236}">
+              <a16:creationId xmlns:a16="http://schemas.microsoft.com/office/drawing/2014/main" id="{286AD679-87A3-C7C7-B51B-035F58B4DE89}"/>
+            </a:ext>
+          </a:extLst>
+        </p:cNvPr>
+        <p:cNvGrpSpPr/>
+        <p:nvPr/>
+      </p:nvGrpSpPr>
+      <p:grpSpPr>
+        <a:xfrm>
+          <a:off x="0" y="0"/>
+          <a:ext cx="0" cy="0"/>
+          <a:chOff x="0" y="0"/>
+          <a:chExt cx="0" cy="0"/>
+        </a:xfrm>
+      </p:grpSpPr>
+      <p:grpSp>
+        <p:nvGrpSpPr>
+          <p:cNvPr id="10" name="Group 9">
+            <a:extLst>
+              <a:ext uri="{FF2B5EF4-FFF2-40B4-BE49-F238E27FC236}">
+                <a16:creationId xmlns:a16="http://schemas.microsoft.com/office/drawing/2014/main" id="{114ED94A-C85D-4CD3-4205-438D21CE6B38}"/>
+              </a:ext>
+              <a:ext uri="{C183D7F6-B498-43B3-948B-1728B52AA6E4}">
+                <adec:decorative xmlns:adec="http://schemas.microsoft.com/office/drawing/2017/decorative" val="1"/>
+              </a:ext>
+            </a:extLst>
+          </p:cNvPr>
+          <p:cNvGrpSpPr>
+            <a:grpSpLocks noGrp="1" noUngrp="1" noRot="1" noChangeAspect="1" noMove="1" noResize="1"/>
+          </p:cNvGrpSpPr>
+          <p:nvPr>
+            <p:extLst>
+              <p:ext uri="{386F3935-93C4-4BCD-93E2-E3B085C9AB24}">
+                <p16:designElem xmlns:p16="http://schemas.microsoft.com/office/powerpoint/2015/main" val="1"/>
+              </p:ext>
+            </p:extLst>
+          </p:nvPr>
+        </p:nvGrpSpPr>
+        <p:grpSpPr>
+          <a:xfrm>
+            <a:off x="-19217" y="-1"/>
+            <a:ext cx="5213267" cy="6883030"/>
+            <a:chOff x="-19217" y="-1"/>
+            <a:chExt cx="5213267" cy="6883030"/>
+          </a:xfrm>
+        </p:grpSpPr>
+        <p:sp>
+          <p:nvSpPr>
+            <p:cNvPr id="11" name="Rectangle 10">
+              <a:extLst>
+                <a:ext uri="{FF2B5EF4-FFF2-40B4-BE49-F238E27FC236}">
+                  <a16:creationId xmlns:a16="http://schemas.microsoft.com/office/drawing/2014/main" id="{E642BDB2-BF67-1D53-1C70-0B41D709E485}"/>
+                </a:ext>
+                <a:ext uri="{C183D7F6-B498-43B3-948B-1728B52AA6E4}">
+                  <adec:decorative xmlns:adec="http://schemas.microsoft.com/office/drawing/2017/decorative" val="1"/>
+                </a:ext>
+              </a:extLst>
+            </p:cNvPr>
+            <p:cNvSpPr/>
+            <p:nvPr>
+              <p:extLst>
+                <p:ext uri="{386F3935-93C4-4BCD-93E2-E3B085C9AB24}">
+                  <p16:designElem xmlns:p16="http://schemas.microsoft.com/office/powerpoint/2015/main" val="1"/>
+                </p:ext>
+              </p:extLst>
+            </p:nvPr>
+          </p:nvSpPr>
+          <p:spPr>
+            <a:xfrm>
+              <a:off x="-19206" y="0"/>
+              <a:ext cx="5204956" cy="6883029"/>
+            </a:xfrm>
+            <a:prstGeom prst="rect">
+              <a:avLst/>
+            </a:prstGeom>
+            <a:gradFill>
+              <a:gsLst>
+                <a:gs pos="7000">
+                  <a:schemeClr val="accent2"/>
+                </a:gs>
+                <a:gs pos="100000">
+                  <a:schemeClr val="accent5"/>
+                </a:gs>
+              </a:gsLst>
+              <a:lin ang="4200000" scaled="0"/>
+            </a:gradFill>
+            <a:ln>
+              <a:noFill/>
+            </a:ln>
+          </p:spPr>
+          <p:style>
+            <a:lnRef idx="2">
+              <a:schemeClr val="accent1">
+                <a:shade val="50000"/>
+              </a:schemeClr>
+            </a:lnRef>
+            <a:fillRef idx="1">
+              <a:schemeClr val="accent1"/>
+            </a:fillRef>
+            <a:effectRef idx="0">
+              <a:schemeClr val="accent1"/>
+            </a:effectRef>
+            <a:fontRef idx="minor">
+              <a:schemeClr val="lt1"/>
+            </a:fontRef>
+          </p:style>
+          <p:txBody>
+            <a:bodyPr rtlCol="0" anchor="ctr"/>
+            <a:lstStyle/>
+            <a:p>
+              <a:pPr algn="ctr"/>
+              <a:endParaRPr lang="en-US"/>
+            </a:p>
+          </p:txBody>
+        </p:sp>
+        <p:sp>
+          <p:nvSpPr>
+            <p:cNvPr id="12" name="Rectangle 11">
+              <a:extLst>
+                <a:ext uri="{FF2B5EF4-FFF2-40B4-BE49-F238E27FC236}">
+                  <a16:creationId xmlns:a16="http://schemas.microsoft.com/office/drawing/2014/main" id="{58E0D8CE-5DBF-B664-EB48-C29BF8AB48E1}"/>
+                </a:ext>
+                <a:ext uri="{C183D7F6-B498-43B3-948B-1728B52AA6E4}">
+                  <adec:decorative xmlns:adec="http://schemas.microsoft.com/office/drawing/2017/decorative" val="1"/>
+                </a:ext>
+              </a:extLst>
+            </p:cNvPr>
+            <p:cNvSpPr/>
+            <p:nvPr>
+              <p:extLst>
+                <p:ext uri="{386F3935-93C4-4BCD-93E2-E3B085C9AB24}">
+                  <p16:designElem xmlns:p16="http://schemas.microsoft.com/office/powerpoint/2015/main" val="1"/>
+                </p:ext>
+              </p:extLst>
+            </p:nvPr>
+          </p:nvSpPr>
+          <p:spPr>
+            <a:xfrm rot="10800000">
+              <a:off x="-19217" y="1731909"/>
+              <a:ext cx="5204963" cy="5144400"/>
+            </a:xfrm>
+            <a:prstGeom prst="rect">
+              <a:avLst/>
+            </a:prstGeom>
+            <a:gradFill flip="none" rotWithShape="1">
+              <a:gsLst>
+                <a:gs pos="0">
+                  <a:schemeClr val="accent5">
+                    <a:lumMod val="75000"/>
+                  </a:schemeClr>
+                </a:gs>
+                <a:gs pos="60000">
+                  <a:schemeClr val="accent5">
+                    <a:lumMod val="60000"/>
+                    <a:lumOff val="40000"/>
+                    <a:alpha val="0"/>
+                  </a:schemeClr>
+                </a:gs>
+              </a:gsLst>
+              <a:path path="circle">
+                <a:fillToRect r="100000" b="100000"/>
+              </a:path>
+              <a:tileRect l="-100000" t="-100000"/>
+            </a:gradFill>
+            <a:ln w="12700" cap="flat" cmpd="sng" algn="ctr">
+              <a:noFill/>
+              <a:prstDash val="solid"/>
+              <a:miter lim="800000"/>
+            </a:ln>
+            <a:effectLst/>
+          </p:spPr>
+          <p:style>
+            <a:lnRef idx="2">
+              <a:schemeClr val="accent1">
+                <a:shade val="50000"/>
+              </a:schemeClr>
+            </a:lnRef>
+            <a:fillRef idx="1">
+              <a:schemeClr val="accent1"/>
+            </a:fillRef>
+            <a:effectRef idx="0">
+              <a:schemeClr val="accent1"/>
+            </a:effectRef>
+            <a:fontRef idx="minor">
+              <a:schemeClr val="lt1"/>
+            </a:fontRef>
+          </p:style>
+          <p:txBody>
+            <a:bodyPr rtlCol="0" anchor="ctr"/>
+            <a:lstStyle/>
+            <a:p>
+              <a:pPr algn="r"/>
+              <a:endParaRPr lang="en-US"/>
+            </a:p>
+          </p:txBody>
+        </p:sp>
+        <p:sp>
+          <p:nvSpPr>
+            <p:cNvPr id="13" name="Rectangle 12">
+              <a:extLst>
+                <a:ext uri="{FF2B5EF4-FFF2-40B4-BE49-F238E27FC236}">
+                  <a16:creationId xmlns:a16="http://schemas.microsoft.com/office/drawing/2014/main" id="{DFD140CE-7DE2-C88F-5EAE-F45EB69E6A89}"/>
+                </a:ext>
+                <a:ext uri="{C183D7F6-B498-43B3-948B-1728B52AA6E4}">
+                  <adec:decorative xmlns:adec="http://schemas.microsoft.com/office/drawing/2017/decorative" val="1"/>
+                </a:ext>
+              </a:extLst>
+            </p:cNvPr>
+            <p:cNvSpPr/>
+            <p:nvPr>
+              <p:extLst>
+                <p:ext uri="{386F3935-93C4-4BCD-93E2-E3B085C9AB24}">
+                  <p16:designElem xmlns:p16="http://schemas.microsoft.com/office/powerpoint/2015/main" val="1"/>
+                </p:ext>
+              </p:extLst>
+            </p:nvPr>
+          </p:nvSpPr>
+          <p:spPr>
+            <a:xfrm>
+              <a:off x="-19210" y="6723"/>
+              <a:ext cx="3834567" cy="6876300"/>
+            </a:xfrm>
+            <a:prstGeom prst="rect">
+              <a:avLst/>
+            </a:prstGeom>
+            <a:gradFill flip="none" rotWithShape="1">
+              <a:gsLst>
+                <a:gs pos="3000">
+                  <a:schemeClr val="accent2">
+                    <a:lumMod val="60000"/>
+                    <a:lumOff val="40000"/>
+                    <a:alpha val="78000"/>
+                  </a:schemeClr>
+                </a:gs>
+                <a:gs pos="42000">
+                  <a:schemeClr val="accent2">
+                    <a:alpha val="0"/>
+                  </a:schemeClr>
+                </a:gs>
+              </a:gsLst>
+              <a:lin ang="3000000" scaled="0"/>
+              <a:tileRect/>
+            </a:gradFill>
+            <a:ln>
+              <a:noFill/>
+            </a:ln>
+          </p:spPr>
+          <p:style>
+            <a:lnRef idx="2">
+              <a:schemeClr val="accent1">
+                <a:shade val="50000"/>
+              </a:schemeClr>
+            </a:lnRef>
+            <a:fillRef idx="1">
+              <a:schemeClr val="accent1"/>
+            </a:fillRef>
+            <a:effectRef idx="0">
+              <a:schemeClr val="accent1"/>
+            </a:effectRef>
+            <a:fontRef idx="minor">
+              <a:schemeClr val="lt1"/>
+            </a:fontRef>
+          </p:style>
+          <p:txBody>
+            <a:bodyPr rtlCol="0" anchor="ctr"/>
+            <a:lstStyle/>
+            <a:p>
+              <a:pPr algn="ctr"/>
+              <a:endParaRPr lang="en-US"/>
+            </a:p>
+          </p:txBody>
+        </p:sp>
+        <p:sp>
+          <p:nvSpPr>
+            <p:cNvPr id="14" name="Rectangle 13">
+              <a:extLst>
+                <a:ext uri="{FF2B5EF4-FFF2-40B4-BE49-F238E27FC236}">
+                  <a16:creationId xmlns:a16="http://schemas.microsoft.com/office/drawing/2014/main" id="{557E87E3-413F-10EF-63D8-6016E986C966}"/>
+                </a:ext>
+                <a:ext uri="{C183D7F6-B498-43B3-948B-1728B52AA6E4}">
+                  <adec:decorative xmlns:adec="http://schemas.microsoft.com/office/drawing/2017/decorative" val="1"/>
+                </a:ext>
+              </a:extLst>
+            </p:cNvPr>
+            <p:cNvSpPr/>
+            <p:nvPr>
+              <p:extLst>
+                <p:ext uri="{386F3935-93C4-4BCD-93E2-E3B085C9AB24}">
+                  <p16:designElem xmlns:p16="http://schemas.microsoft.com/office/powerpoint/2015/main" val="1"/>
+                </p:ext>
+              </p:extLst>
+            </p:nvPr>
+          </p:nvSpPr>
+          <p:spPr>
+            <a:xfrm rot="16200000">
+              <a:off x="-844601" y="833689"/>
+              <a:ext cx="6872341" cy="5204961"/>
+            </a:xfrm>
+            <a:prstGeom prst="rect">
+              <a:avLst/>
+            </a:prstGeom>
+            <a:gradFill>
+              <a:gsLst>
+                <a:gs pos="0">
+                  <a:schemeClr val="accent5">
+                    <a:alpha val="86000"/>
+                  </a:schemeClr>
+                </a:gs>
+                <a:gs pos="57000">
+                  <a:schemeClr val="accent2">
+                    <a:alpha val="0"/>
+                  </a:schemeClr>
+                </a:gs>
+              </a:gsLst>
+              <a:lin ang="13800000" scaled="0"/>
+            </a:gradFill>
+            <a:ln>
+              <a:noFill/>
+            </a:ln>
+          </p:spPr>
+          <p:style>
+            <a:lnRef idx="2">
+              <a:schemeClr val="accent1">
+                <a:shade val="50000"/>
+              </a:schemeClr>
+            </a:lnRef>
+            <a:fillRef idx="1">
+              <a:schemeClr val="accent1"/>
+            </a:fillRef>
+            <a:effectRef idx="0">
+              <a:schemeClr val="accent1"/>
+            </a:effectRef>
+            <a:fontRef idx="minor">
+              <a:schemeClr val="lt1"/>
+            </a:fontRef>
+          </p:style>
+          <p:txBody>
+            <a:bodyPr rtlCol="0" anchor="ctr"/>
+            <a:lstStyle/>
+            <a:p>
+              <a:pPr algn="ctr"/>
+              <a:endParaRPr lang="en-US"/>
+            </a:p>
+          </p:txBody>
+        </p:sp>
+      </p:grpSp>
+      <p:sp>
+        <p:nvSpPr>
+          <p:cNvPr id="2" name="Title 1">
+            <a:extLst>
+              <a:ext uri="{FF2B5EF4-FFF2-40B4-BE49-F238E27FC236}">
+                <a16:creationId xmlns:a16="http://schemas.microsoft.com/office/drawing/2014/main" id="{416F06FB-D90A-3B5F-A94F-2498CB9AF0E4}"/>
+              </a:ext>
+            </a:extLst>
+          </p:cNvPr>
+          <p:cNvSpPr>
+            <a:spLocks noGrp="1"/>
+          </p:cNvSpPr>
+          <p:nvPr>
+            <p:ph type="title"/>
+          </p:nvPr>
+        </p:nvSpPr>
+        <p:spPr>
+          <a:xfrm>
+            <a:off x="755484" y="739835"/>
+            <a:ext cx="3702580" cy="1616203"/>
+          </a:xfrm>
+        </p:spPr>
+        <p:txBody>
+          <a:bodyPr anchor="b">
+            <a:normAutofit/>
+          </a:bodyPr>
+          <a:lstStyle/>
+          <a:p>
+            <a:r>
+              <a:rPr lang="en-US" sz="3200">
+                <a:solidFill>
+                  <a:srgbClr val="FFFFFF"/>
+                </a:solidFill>
+              </a:rPr>
+              <a:t>Modern UI &amp; Experience</a:t>
+            </a:r>
+          </a:p>
+        </p:txBody>
+      </p:sp>
+      <p:sp>
+        <p:nvSpPr>
+          <p:cNvPr id="3" name="Content Placeholder 2">
+            <a:extLst>
+              <a:ext uri="{FF2B5EF4-FFF2-40B4-BE49-F238E27FC236}">
+                <a16:creationId xmlns:a16="http://schemas.microsoft.com/office/drawing/2014/main" id="{A80CA362-BB16-F761-ED9F-3DA24336A035}"/>
+              </a:ext>
+            </a:extLst>
+          </p:cNvPr>
+          <p:cNvSpPr>
+            <a:spLocks noGrp="1"/>
+          </p:cNvSpPr>
+          <p:nvPr>
+            <p:ph idx="1"/>
+          </p:nvPr>
+        </p:nvSpPr>
+        <p:spPr>
+          <a:xfrm>
+            <a:off x="755484" y="2459116"/>
+            <a:ext cx="3702579" cy="3524823"/>
+          </a:xfrm>
+        </p:spPr>
+        <p:txBody>
+          <a:bodyPr>
+            <a:normAutofit/>
+          </a:bodyPr>
+          <a:lstStyle/>
+          <a:p>
+            <a:r>
+              <a:rPr lang="en-US" sz="2000" b="1">
+                <a:solidFill>
+                  <a:srgbClr val="FFFFFF"/>
+                </a:solidFill>
+              </a:rPr>
+              <a:t>Minimalist Design:</a:t>
+            </a:r>
+            <a:r>
+              <a:rPr lang="en-US" sz="2000">
+                <a:solidFill>
+                  <a:srgbClr val="FFFFFF"/>
+                </a:solidFill>
+              </a:rPr>
+              <a:t> Clean interface focused on "Fashion That Turns Heads" branding</a:t>
+            </a:r>
+          </a:p>
+          <a:p>
+            <a:endParaRPr lang="en-US" sz="2000">
+              <a:solidFill>
+                <a:srgbClr val="FFFFFF"/>
+              </a:solidFill>
+            </a:endParaRPr>
+          </a:p>
+          <a:p>
+            <a:r>
+              <a:rPr lang="en-US" sz="2000" b="1">
+                <a:solidFill>
+                  <a:srgbClr val="FFFFFF"/>
+                </a:solidFill>
+              </a:rPr>
+              <a:t>Responsive Layout:</a:t>
+            </a:r>
+            <a:r>
+              <a:rPr lang="en-US" sz="2000">
+                <a:solidFill>
+                  <a:srgbClr val="FFFFFF"/>
+                </a:solidFill>
+              </a:rPr>
+              <a:t> Fully responsive grid system ensuring compatibility across all devices.• </a:t>
+            </a:r>
+          </a:p>
+          <a:p>
+            <a:endParaRPr lang="en-US" sz="2000">
+              <a:solidFill>
+                <a:srgbClr val="FFFFFF"/>
+              </a:solidFill>
+            </a:endParaRPr>
+          </a:p>
+          <a:p>
+            <a:endParaRPr lang="en-US" sz="2000">
+              <a:solidFill>
+                <a:srgbClr val="FFFFFF"/>
+              </a:solidFill>
+            </a:endParaRPr>
+          </a:p>
+        </p:txBody>
+      </p:sp>
+      <p:pic>
+        <p:nvPicPr>
+          <p:cNvPr id="5" name="Picture 4">
+            <a:extLst>
+              <a:ext uri="{FF2B5EF4-FFF2-40B4-BE49-F238E27FC236}">
+                <a16:creationId xmlns:a16="http://schemas.microsoft.com/office/drawing/2014/main" id="{6D91E50F-B030-EE75-03B0-8180B9B6BB49}"/>
+              </a:ext>
+            </a:extLst>
+          </p:cNvPr>
+          <p:cNvPicPr>
+            <a:picLocks/>
+          </p:cNvPicPr>
+          <p:nvPr/>
+        </p:nvPicPr>
+        <p:blipFill>
+          <a:blip r:embed="rId2">
+            <a:extLst>
+              <a:ext uri="{28A0092B-C50C-407E-A947-70E740481C1C}">
+                <a14:useLocalDpi xmlns:a14="http://schemas.microsoft.com/office/drawing/2010/main" val="0"/>
+              </a:ext>
+            </a:extLst>
+          </a:blip>
+          <a:stretch>
+            <a:fillRect/>
+          </a:stretch>
+        </p:blipFill>
+        <p:spPr>
+          <a:xfrm>
+            <a:off x="6005304" y="2239459"/>
+            <a:ext cx="5407002" cy="2379080"/>
+          </a:xfrm>
+          <a:prstGeom prst="rect">
+            <a:avLst/>
+          </a:prstGeom>
+        </p:spPr>
+      </p:pic>
+    </p:spTree>
+    <p:extLst>
+      <p:ext uri="{BB962C8B-B14F-4D97-AF65-F5344CB8AC3E}">
+        <p14:creationId xmlns:p14="http://schemas.microsoft.com/office/powerpoint/2010/main" val="2831534099"/>
+      </p:ext>
+    </p:extLst>
+  </p:cSld>
+  <p:clrMapOvr>
+    <a:masterClrMapping/>
+  </p:clrMapOvr>
+  <mc:AlternateContent xmlns:mc="http://schemas.openxmlformats.org/markup-compatibility/2006">
+    <mc:Choice xmlns:p159="http://schemas.microsoft.com/office/powerpoint/2015/09/main" Requires="p159">
+      <p:transition xmlns:p14="http://schemas.microsoft.com/office/powerpoint/2010/main" spd="slow" p14:dur="2000">
+        <p159:morph option="byObject"/>
+      </p:transition>
+    </mc:Choice>
+    <mc:Fallback>
+      <p:transition spd="slow">
+        <p:fade/>
+      </p:transition>
+    </mc:Fallback>
+  </mc:AlternateContent>
+  <p:timing>
+    <p:tnLst>
+      <p:par>
+        <p:cTn id="1" dur="indefinite" restart="never" nodeType="tmRoot">
+          <p:childTnLst>
+            <p:seq concurrent="1" nextAc="seek">
+              <p:cTn id="2" dur="indefinite" nodeType="mainSeq">
+                <p:childTnLst>
+                  <p:par>
+                    <p:cTn id="3" fill="hold">
+                      <p:stCondLst>
+                        <p:cond delay="indefinite"/>
+                      </p:stCondLst>
+                      <p:childTnLst>
+                        <p:par>
+                          <p:cTn id="4" fill="hold">
+                            <p:stCondLst>
+                              <p:cond delay="0"/>
+                            </p:stCondLst>
+                            <p:childTnLst>
+                              <p:par>
+                                <p:cTn id="5" presetID="2" presetClass="entr" presetSubtype="4" fill="hold" grpId="0" nodeType="clickEffect">
+                                  <p:stCondLst>
+                                    <p:cond delay="0"/>
+                                  </p:stCondLst>
+                                  <p:childTnLst>
+                                    <p:set>
+                                      <p:cBhvr>
+                                        <p:cTn id="6" dur="1" fill="hold">
+                                          <p:stCondLst>
+                                            <p:cond delay="0"/>
+                                          </p:stCondLst>
+                                        </p:cTn>
+                                        <p:tgtEl>
+                                          <p:spTgt spid="2"/>
+                                        </p:tgtEl>
+                                        <p:attrNameLst>
+                                          <p:attrName>style.visibility</p:attrName>
+                                        </p:attrNameLst>
+                                      </p:cBhvr>
+                                      <p:to>
+                                        <p:strVal val="visible"/>
+                                      </p:to>
+                                    </p:set>
+                                    <p:anim calcmode="lin" valueType="num">
+                                      <p:cBhvr additive="base">
+                                        <p:cTn id="7" dur="500" fill="hold"/>
+                                        <p:tgtEl>
+                                          <p:spTgt spid="2"/>
+                                        </p:tgtEl>
+                                        <p:attrNameLst>
+                                          <p:attrName>ppt_x</p:attrName>
+                                        </p:attrNameLst>
+                                      </p:cBhvr>
+                                      <p:tavLst>
+                                        <p:tav tm="0">
+                                          <p:val>
+                                            <p:strVal val="#ppt_x"/>
+                                          </p:val>
+                                        </p:tav>
+                                        <p:tav tm="100000">
+                                          <p:val>
+                                            <p:strVal val="#ppt_x"/>
+                                          </p:val>
+                                        </p:tav>
+                                      </p:tavLst>
+                                    </p:anim>
+                                    <p:anim calcmode="lin" valueType="num">
+                                      <p:cBhvr additive="base">
+                                        <p:cTn id="8" dur="500" fill="hold"/>
+                                        <p:tgtEl>
+                                          <p:spTgt spid="2"/>
+                                        </p:tgtEl>
+                                        <p:attrNameLst>
+                                          <p:attrName>ppt_y</p:attrName>
+                                        </p:attrNameLst>
+                                      </p:cBhvr>
+                                      <p:tavLst>
+                                        <p:tav tm="0">
+                                          <p:val>
+                                            <p:strVal val="1+#ppt_h/2"/>
+                                          </p:val>
+                                        </p:tav>
+                                        <p:tav tm="100000">
+                                          <p:val>
+                                            <p:strVal val="#ppt_y"/>
+                                          </p:val>
+                                        </p:tav>
+                                      </p:tavLst>
+                                    </p:anim>
+                                  </p:childTnLst>
+                                </p:cTn>
+                              </p:par>
+                            </p:childTnLst>
+                          </p:cTn>
+                        </p:par>
+                      </p:childTnLst>
+                    </p:cTn>
+                  </p:par>
+                  <p:par>
+                    <p:cTn id="9" fill="hold">
+                      <p:stCondLst>
+                        <p:cond delay="indefinite"/>
+                      </p:stCondLst>
+                      <p:childTnLst>
+                        <p:par>
+                          <p:cTn id="10" fill="hold">
+                            <p:stCondLst>
+                              <p:cond delay="0"/>
+                            </p:stCondLst>
+                            <p:childTnLst>
+                              <p:par>
+                                <p:cTn id="11" presetID="2" presetClass="entr" presetSubtype="4" fill="hold" grpId="0" nodeType="clickEffect">
+                                  <p:stCondLst>
+                                    <p:cond delay="0"/>
+                                  </p:stCondLst>
+                                  <p:childTnLst>
+                                    <p:set>
+                                      <p:cBhvr>
+                                        <p:cTn id="12" dur="1" fill="hold">
+                                          <p:stCondLst>
+                                            <p:cond delay="0"/>
+                                          </p:stCondLst>
+                                        </p:cTn>
+                                        <p:tgtEl>
+                                          <p:spTgt spid="3"/>
+                                        </p:tgtEl>
+                                        <p:attrNameLst>
+                                          <p:attrName>style.visibility</p:attrName>
+                                        </p:attrNameLst>
+                                      </p:cBhvr>
+                                      <p:to>
+                                        <p:strVal val="visible"/>
+                                      </p:to>
+                                    </p:set>
+                                    <p:anim calcmode="lin" valueType="num">
+                                      <p:cBhvr additive="base">
+                                        <p:cTn id="13" dur="500" fill="hold"/>
+                                        <p:tgtEl>
+                                          <p:spTgt spid="3"/>
+                                        </p:tgtEl>
+                                        <p:attrNameLst>
+                                          <p:attrName>ppt_x</p:attrName>
+                                        </p:attrNameLst>
+                                      </p:cBhvr>
+                                      <p:tavLst>
+                                        <p:tav tm="0">
+                                          <p:val>
+                                            <p:strVal val="#ppt_x"/>
+                                          </p:val>
+                                        </p:tav>
+                                        <p:tav tm="100000">
+                                          <p:val>
+                                            <p:strVal val="#ppt_x"/>
+                                          </p:val>
+                                        </p:tav>
+                                      </p:tavLst>
+                                    </p:anim>
+                                    <p:anim calcmode="lin" valueType="num">
+                                      <p:cBhvr additive="base">
+                                        <p:cTn id="14" dur="500" fill="hold"/>
+                                        <p:tgtEl>
+                                          <p:spTgt spid="3"/>
+                                        </p:tgtEl>
+                                        <p:attrNameLst>
+                                          <p:attrName>ppt_y</p:attrName>
+                                        </p:attrNameLst>
+                                      </p:cBhvr>
+                                      <p:tavLst>
+                                        <p:tav tm="0">
+                                          <p:val>
+                                            <p:strVal val="1+#ppt_h/2"/>
+                                          </p:val>
+                                        </p:tav>
+                                        <p:tav tm="100000">
+                                          <p:val>
+                                            <p:strVal val="#ppt_y"/>
+                                          </p:val>
+                                        </p:tav>
+                                      </p:tavLst>
+                                    </p:anim>
+                                  </p:childTnLst>
+                                </p:cTn>
+                              </p:par>
+                            </p:childTnLst>
+                          </p:cTn>
+                        </p:par>
+                      </p:childTnLst>
+                    </p:cTn>
+                  </p:par>
+                </p:childTnLst>
+              </p:cTn>
+              <p:prevCondLst>
+                <p:cond evt="onPrev" delay="0">
+                  <p:tgtEl>
+                    <p:sldTgt/>
+                  </p:tgtEl>
+                </p:cond>
+              </p:prevCondLst>
+              <p:nextCondLst>
+                <p:cond evt="onNext" delay="0">
+                  <p:tgtEl>
+                    <p:sldTgt/>
+                  </p:tgtEl>
+                </p:cond>
+              </p:nextCondLst>
+            </p:seq>
+          </p:childTnLst>
+        </p:cTn>
+      </p:par>
+    </p:tnLst>
+    <p:bldLst>
+      <p:bldP spid="2" grpId="0" autoUpdateAnimBg="0"/>
+      <p:bldP spid="3" grpId="0" autoUpdateAnimBg="0"/>
+    </p:bldLst>
+  </p:timing>
+</p:sld>
+</file>
+
+<file path=ppt/slides/slide5.xml><?xml version="1.0" encoding="utf-8"?>
+<p:sld xmlns:a="http://schemas.openxmlformats.org/drawingml/2006/main" xmlns:r="http://schemas.openxmlformats.org/officeDocument/2006/relationships" xmlns:p="http://schemas.openxmlformats.org/presentationml/2006/main" showMasterPhAnim="0">
+  <p:cSld>
+    <p:bg>
+      <p:bgPr>
+        <a:solidFill>
+          <a:schemeClr val="bg1"/>
+        </a:solidFill>
+        <a:effectLst/>
+      </p:bgPr>
+    </p:bg>
     <p:spTree>
       <p:nvGrpSpPr>
         <p:cNvPr id="1" name=""/>
@@ -4341,6 +8757,337 @@
           <a:chExt cx="0" cy="0"/>
         </a:xfrm>
       </p:grpSpPr>
+      <p:grpSp>
+        <p:nvGrpSpPr>
+          <p:cNvPr id="10" name="Group 9">
+            <a:extLst>
+              <a:ext uri="{FF2B5EF4-FFF2-40B4-BE49-F238E27FC236}">
+                <a16:creationId xmlns:a16="http://schemas.microsoft.com/office/drawing/2014/main" id="{114ED94A-C85D-4CD3-4205-438D21CE6B38}"/>
+              </a:ext>
+              <a:ext uri="{C183D7F6-B498-43B3-948B-1728B52AA6E4}">
+                <adec:decorative xmlns:adec="http://schemas.microsoft.com/office/drawing/2017/decorative" val="1"/>
+              </a:ext>
+            </a:extLst>
+          </p:cNvPr>
+          <p:cNvGrpSpPr>
+            <a:grpSpLocks noGrp="1" noUngrp="1" noRot="1" noChangeAspect="1" noMove="1" noResize="1"/>
+          </p:cNvGrpSpPr>
+          <p:nvPr>
+            <p:extLst>
+              <p:ext uri="{386F3935-93C4-4BCD-93E2-E3B085C9AB24}">
+                <p16:designElem xmlns:p16="http://schemas.microsoft.com/office/powerpoint/2015/main" val="1"/>
+              </p:ext>
+            </p:extLst>
+          </p:nvPr>
+        </p:nvGrpSpPr>
+        <p:grpSpPr>
+          <a:xfrm>
+            <a:off x="-19217" y="-1"/>
+            <a:ext cx="5213267" cy="6883030"/>
+            <a:chOff x="-19217" y="-1"/>
+            <a:chExt cx="5213267" cy="6883030"/>
+          </a:xfrm>
+        </p:grpSpPr>
+        <p:sp>
+          <p:nvSpPr>
+            <p:cNvPr id="11" name="Rectangle 10">
+              <a:extLst>
+                <a:ext uri="{FF2B5EF4-FFF2-40B4-BE49-F238E27FC236}">
+                  <a16:creationId xmlns:a16="http://schemas.microsoft.com/office/drawing/2014/main" id="{E642BDB2-BF67-1D53-1C70-0B41D709E485}"/>
+                </a:ext>
+                <a:ext uri="{C183D7F6-B498-43B3-948B-1728B52AA6E4}">
+                  <adec:decorative xmlns:adec="http://schemas.microsoft.com/office/drawing/2017/decorative" val="1"/>
+                </a:ext>
+              </a:extLst>
+            </p:cNvPr>
+            <p:cNvSpPr/>
+            <p:nvPr>
+              <p:extLst>
+                <p:ext uri="{386F3935-93C4-4BCD-93E2-E3B085C9AB24}">
+                  <p16:designElem xmlns:p16="http://schemas.microsoft.com/office/powerpoint/2015/main" val="1"/>
+                </p:ext>
+              </p:extLst>
+            </p:nvPr>
+          </p:nvSpPr>
+          <p:spPr>
+            <a:xfrm>
+              <a:off x="-19206" y="0"/>
+              <a:ext cx="5204956" cy="6883029"/>
+            </a:xfrm>
+            <a:prstGeom prst="rect">
+              <a:avLst/>
+            </a:prstGeom>
+            <a:gradFill>
+              <a:gsLst>
+                <a:gs pos="7000">
+                  <a:schemeClr val="accent2"/>
+                </a:gs>
+                <a:gs pos="100000">
+                  <a:schemeClr val="accent5"/>
+                </a:gs>
+              </a:gsLst>
+              <a:lin ang="4200000" scaled="0"/>
+            </a:gradFill>
+            <a:ln>
+              <a:noFill/>
+            </a:ln>
+          </p:spPr>
+          <p:style>
+            <a:lnRef idx="2">
+              <a:schemeClr val="accent1">
+                <a:shade val="50000"/>
+              </a:schemeClr>
+            </a:lnRef>
+            <a:fillRef idx="1">
+              <a:schemeClr val="accent1"/>
+            </a:fillRef>
+            <a:effectRef idx="0">
+              <a:schemeClr val="accent1"/>
+            </a:effectRef>
+            <a:fontRef idx="minor">
+              <a:schemeClr val="lt1"/>
+            </a:fontRef>
+          </p:style>
+          <p:txBody>
+            <a:bodyPr rtlCol="0" anchor="ctr"/>
+            <a:lstStyle/>
+            <a:p>
+              <a:pPr algn="ctr"/>
+              <a:endParaRPr lang="en-US"/>
+            </a:p>
+          </p:txBody>
+        </p:sp>
+        <p:sp>
+          <p:nvSpPr>
+            <p:cNvPr id="12" name="Rectangle 11">
+              <a:extLst>
+                <a:ext uri="{FF2B5EF4-FFF2-40B4-BE49-F238E27FC236}">
+                  <a16:creationId xmlns:a16="http://schemas.microsoft.com/office/drawing/2014/main" id="{58E0D8CE-5DBF-B664-EB48-C29BF8AB48E1}"/>
+                </a:ext>
+                <a:ext uri="{C183D7F6-B498-43B3-948B-1728B52AA6E4}">
+                  <adec:decorative xmlns:adec="http://schemas.microsoft.com/office/drawing/2017/decorative" val="1"/>
+                </a:ext>
+              </a:extLst>
+            </p:cNvPr>
+            <p:cNvSpPr/>
+            <p:nvPr>
+              <p:extLst>
+                <p:ext uri="{386F3935-93C4-4BCD-93E2-E3B085C9AB24}">
+                  <p16:designElem xmlns:p16="http://schemas.microsoft.com/office/powerpoint/2015/main" val="1"/>
+                </p:ext>
+              </p:extLst>
+            </p:nvPr>
+          </p:nvSpPr>
+          <p:spPr>
+            <a:xfrm rot="10800000">
+              <a:off x="-19217" y="1731909"/>
+              <a:ext cx="5204963" cy="5144400"/>
+            </a:xfrm>
+            <a:prstGeom prst="rect">
+              <a:avLst/>
+            </a:prstGeom>
+            <a:gradFill flip="none" rotWithShape="1">
+              <a:gsLst>
+                <a:gs pos="0">
+                  <a:schemeClr val="accent5">
+                    <a:lumMod val="75000"/>
+                  </a:schemeClr>
+                </a:gs>
+                <a:gs pos="60000">
+                  <a:schemeClr val="accent5">
+                    <a:lumMod val="60000"/>
+                    <a:lumOff val="40000"/>
+                    <a:alpha val="0"/>
+                  </a:schemeClr>
+                </a:gs>
+              </a:gsLst>
+              <a:path path="circle">
+                <a:fillToRect r="100000" b="100000"/>
+              </a:path>
+              <a:tileRect l="-100000" t="-100000"/>
+            </a:gradFill>
+            <a:ln w="12700" cap="flat" cmpd="sng" algn="ctr">
+              <a:noFill/>
+              <a:prstDash val="solid"/>
+              <a:miter lim="800000"/>
+            </a:ln>
+            <a:effectLst/>
+          </p:spPr>
+          <p:style>
+            <a:lnRef idx="2">
+              <a:schemeClr val="accent1">
+                <a:shade val="50000"/>
+              </a:schemeClr>
+            </a:lnRef>
+            <a:fillRef idx="1">
+              <a:schemeClr val="accent1"/>
+            </a:fillRef>
+            <a:effectRef idx="0">
+              <a:schemeClr val="accent1"/>
+            </a:effectRef>
+            <a:fontRef idx="minor">
+              <a:schemeClr val="lt1"/>
+            </a:fontRef>
+          </p:style>
+          <p:txBody>
+            <a:bodyPr rtlCol="0" anchor="ctr"/>
+            <a:lstStyle/>
+            <a:p>
+              <a:pPr algn="r"/>
+              <a:endParaRPr lang="en-US"/>
+            </a:p>
+          </p:txBody>
+        </p:sp>
+        <p:sp>
+          <p:nvSpPr>
+            <p:cNvPr id="13" name="Rectangle 12">
+              <a:extLst>
+                <a:ext uri="{FF2B5EF4-FFF2-40B4-BE49-F238E27FC236}">
+                  <a16:creationId xmlns:a16="http://schemas.microsoft.com/office/drawing/2014/main" id="{DFD140CE-7DE2-C88F-5EAE-F45EB69E6A89}"/>
+                </a:ext>
+                <a:ext uri="{C183D7F6-B498-43B3-948B-1728B52AA6E4}">
+                  <adec:decorative xmlns:adec="http://schemas.microsoft.com/office/drawing/2017/decorative" val="1"/>
+                </a:ext>
+              </a:extLst>
+            </p:cNvPr>
+            <p:cNvSpPr/>
+            <p:nvPr>
+              <p:extLst>
+                <p:ext uri="{386F3935-93C4-4BCD-93E2-E3B085C9AB24}">
+                  <p16:designElem xmlns:p16="http://schemas.microsoft.com/office/powerpoint/2015/main" val="1"/>
+                </p:ext>
+              </p:extLst>
+            </p:nvPr>
+          </p:nvSpPr>
+          <p:spPr>
+            <a:xfrm>
+              <a:off x="-19210" y="6723"/>
+              <a:ext cx="3834567" cy="6876300"/>
+            </a:xfrm>
+            <a:prstGeom prst="rect">
+              <a:avLst/>
+            </a:prstGeom>
+            <a:gradFill flip="none" rotWithShape="1">
+              <a:gsLst>
+                <a:gs pos="3000">
+                  <a:schemeClr val="accent2">
+                    <a:lumMod val="60000"/>
+                    <a:lumOff val="40000"/>
+                    <a:alpha val="78000"/>
+                  </a:schemeClr>
+                </a:gs>
+                <a:gs pos="42000">
+                  <a:schemeClr val="accent2">
+                    <a:alpha val="0"/>
+                  </a:schemeClr>
+                </a:gs>
+              </a:gsLst>
+              <a:lin ang="3000000" scaled="0"/>
+              <a:tileRect/>
+            </a:gradFill>
+            <a:ln>
+              <a:noFill/>
+            </a:ln>
+          </p:spPr>
+          <p:style>
+            <a:lnRef idx="2">
+              <a:schemeClr val="accent1">
+                <a:shade val="50000"/>
+              </a:schemeClr>
+            </a:lnRef>
+            <a:fillRef idx="1">
+              <a:schemeClr val="accent1"/>
+            </a:fillRef>
+            <a:effectRef idx="0">
+              <a:schemeClr val="accent1"/>
+            </a:effectRef>
+            <a:fontRef idx="minor">
+              <a:schemeClr val="lt1"/>
+            </a:fontRef>
+          </p:style>
+          <p:txBody>
+            <a:bodyPr rtlCol="0" anchor="ctr"/>
+            <a:lstStyle/>
+            <a:p>
+              <a:pPr algn="ctr"/>
+              <a:endParaRPr lang="en-US"/>
+            </a:p>
+          </p:txBody>
+        </p:sp>
+        <p:sp>
+          <p:nvSpPr>
+            <p:cNvPr id="14" name="Rectangle 13">
+              <a:extLst>
+                <a:ext uri="{FF2B5EF4-FFF2-40B4-BE49-F238E27FC236}">
+                  <a16:creationId xmlns:a16="http://schemas.microsoft.com/office/drawing/2014/main" id="{557E87E3-413F-10EF-63D8-6016E986C966}"/>
+                </a:ext>
+                <a:ext uri="{C183D7F6-B498-43B3-948B-1728B52AA6E4}">
+                  <adec:decorative xmlns:adec="http://schemas.microsoft.com/office/drawing/2017/decorative" val="1"/>
+                </a:ext>
+              </a:extLst>
+            </p:cNvPr>
+            <p:cNvSpPr/>
+            <p:nvPr>
+              <p:extLst>
+                <p:ext uri="{386F3935-93C4-4BCD-93E2-E3B085C9AB24}">
+                  <p16:designElem xmlns:p16="http://schemas.microsoft.com/office/powerpoint/2015/main" val="1"/>
+                </p:ext>
+              </p:extLst>
+            </p:nvPr>
+          </p:nvSpPr>
+          <p:spPr>
+            <a:xfrm rot="16200000">
+              <a:off x="-844601" y="833689"/>
+              <a:ext cx="6872341" cy="5204961"/>
+            </a:xfrm>
+            <a:prstGeom prst="rect">
+              <a:avLst/>
+            </a:prstGeom>
+            <a:gradFill>
+              <a:gsLst>
+                <a:gs pos="0">
+                  <a:schemeClr val="accent5">
+                    <a:alpha val="86000"/>
+                  </a:schemeClr>
+                </a:gs>
+                <a:gs pos="57000">
+                  <a:schemeClr val="accent2">
+                    <a:alpha val="0"/>
+                  </a:schemeClr>
+                </a:gs>
+              </a:gsLst>
+              <a:lin ang="13800000" scaled="0"/>
+            </a:gradFill>
+            <a:ln>
+              <a:noFill/>
+            </a:ln>
+          </p:spPr>
+          <p:style>
+            <a:lnRef idx="2">
+              <a:schemeClr val="accent1">
+                <a:shade val="50000"/>
+              </a:schemeClr>
+            </a:lnRef>
+            <a:fillRef idx="1">
+              <a:schemeClr val="accent1"/>
+            </a:fillRef>
+            <a:effectRef idx="0">
+              <a:schemeClr val="accent1"/>
+            </a:effectRef>
+            <a:fontRef idx="minor">
+              <a:schemeClr val="lt1"/>
+            </a:fontRef>
+          </p:style>
+          <p:txBody>
+            <a:bodyPr rtlCol="0" anchor="ctr"/>
+            <a:lstStyle/>
+            <a:p>
+              <a:pPr algn="ctr"/>
+              <a:endParaRPr lang="en-US"/>
+            </a:p>
+          </p:txBody>
+        </p:sp>
+      </p:grpSp>
       <p:sp>
         <p:nvSpPr>
           <p:cNvPr id="2" name="Title 1">
@@ -4357,15 +9104,22 @@
             <p:ph type="title"/>
           </p:nvPr>
         </p:nvSpPr>
-        <p:spPr/>
+        <p:spPr>
+          <a:xfrm>
+            <a:off x="755484" y="739835"/>
+            <a:ext cx="3702580" cy="1616203"/>
+          </a:xfrm>
+        </p:spPr>
         <p:txBody>
-          <a:bodyPr/>
+          <a:bodyPr anchor="b">
+            <a:normAutofit/>
+          </a:bodyPr>
           <a:lstStyle/>
           <a:p>
             <a:r>
-              <a:rPr lang="en-US">
+              <a:rPr lang="en-US" sz="3200">
                 <a:solidFill>
-                  <a:srgbClr val="EB6633"/>
+                  <a:srgbClr val="FFFFFF"/>
                 </a:solidFill>
               </a:rPr>
               <a:t>Featured Products</a:t>
@@ -4391,28 +9145,42 @@
         </p:nvSpPr>
         <p:spPr>
           <a:xfrm>
-            <a:off x="838200" y="1825625"/>
-            <a:ext cx="3810000" cy="4351338"/>
+            <a:off x="755484" y="2459116"/>
+            <a:ext cx="3702579" cy="3524823"/>
           </a:xfrm>
         </p:spPr>
         <p:txBody>
-          <a:bodyPr/>
+          <a:bodyPr>
+            <a:normAutofit/>
+          </a:bodyPr>
           <a:lstStyle/>
           <a:p>
             <a:r>
-              <a:rPr lang="en-US"/>
+              <a:rPr lang="en-US" sz="2000">
+                <a:solidFill>
+                  <a:srgbClr val="FFFFFF"/>
+                </a:solidFill>
+              </a:rPr>
               <a:t>• Responsive grid layout.</a:t>
             </a:r>
           </a:p>
           <a:p>
             <a:r>
-              <a:rPr lang="en-US"/>
+              <a:rPr lang="en-US" sz="2000">
+                <a:solidFill>
+                  <a:srgbClr val="FFFFFF"/>
+                </a:solidFill>
+              </a:rPr>
               <a:t>• Quick 'Add to Cart' and 'Wishlist' features.</a:t>
             </a:r>
           </a:p>
           <a:p>
             <a:r>
-              <a:rPr lang="en-US"/>
+              <a:rPr lang="en-US" sz="2000">
+                <a:solidFill>
+                  <a:srgbClr val="FFFFFF"/>
+                </a:solidFill>
+              </a:rPr>
               <a:t>• Dynamic pricing display.</a:t>
             </a:r>
           </a:p>
@@ -4446,24 +9214,12 @@
         </p:blipFill>
         <p:spPr>
           <a:xfrm>
-            <a:off x="4493941" y="1591469"/>
-            <a:ext cx="7493620" cy="3675062"/>
+            <a:off x="6005304" y="2239459"/>
+            <a:ext cx="5407002" cy="2379080"/>
           </a:xfrm>
           <a:prstGeom prst="rect">
             <a:avLst/>
           </a:prstGeom>
-          <a:ln w="25400">
-            <a:solidFill>
-              <a:srgbClr val="EB6633"/>
-            </a:solidFill>
-          </a:ln>
-          <a:effectLst>
-            <a:outerShdw blurRad="50800" dist="38100" dir="2700000" algn="tl">
-              <a:prstClr val="black">
-                <a:alpha val="40000"/>
-              </a:prstClr>
-            </a:outerShdw>
-          </a:effectLst>
         </p:spPr>
       </p:pic>
     </p:spTree>
@@ -4707,9 +9463,17 @@
 </p:sld>
 </file>
 
-<file path=ppt/slides/slide4.xml><?xml version="1.0" encoding="utf-8"?>
+<file path=ppt/slides/slide6.xml><?xml version="1.0" encoding="utf-8"?>
 <p:sld xmlns:a="http://schemas.openxmlformats.org/drawingml/2006/main" xmlns:r="http://schemas.openxmlformats.org/officeDocument/2006/relationships" xmlns:p="http://schemas.openxmlformats.org/presentationml/2006/main" showMasterPhAnim="0">
   <p:cSld>
+    <p:bg>
+      <p:bgPr>
+        <a:solidFill>
+          <a:schemeClr val="bg1"/>
+        </a:solidFill>
+        <a:effectLst/>
+      </p:bgPr>
+    </p:bg>
     <p:spTree>
       <p:nvGrpSpPr>
         <p:cNvPr id="1" name=""/>
@@ -4724,6 +9488,337 @@
           <a:chExt cx="0" cy="0"/>
         </a:xfrm>
       </p:grpSpPr>
+      <p:grpSp>
+        <p:nvGrpSpPr>
+          <p:cNvPr id="10" name="Group 9">
+            <a:extLst>
+              <a:ext uri="{FF2B5EF4-FFF2-40B4-BE49-F238E27FC236}">
+                <a16:creationId xmlns:a16="http://schemas.microsoft.com/office/drawing/2014/main" id="{114ED94A-C85D-4CD3-4205-438D21CE6B38}"/>
+              </a:ext>
+              <a:ext uri="{C183D7F6-B498-43B3-948B-1728B52AA6E4}">
+                <adec:decorative xmlns:adec="http://schemas.microsoft.com/office/drawing/2017/decorative" val="1"/>
+              </a:ext>
+            </a:extLst>
+          </p:cNvPr>
+          <p:cNvGrpSpPr>
+            <a:grpSpLocks noGrp="1" noUngrp="1" noRot="1" noChangeAspect="1" noMove="1" noResize="1"/>
+          </p:cNvGrpSpPr>
+          <p:nvPr>
+            <p:extLst>
+              <p:ext uri="{386F3935-93C4-4BCD-93E2-E3B085C9AB24}">
+                <p16:designElem xmlns:p16="http://schemas.microsoft.com/office/powerpoint/2015/main" val="1"/>
+              </p:ext>
+            </p:extLst>
+          </p:nvPr>
+        </p:nvGrpSpPr>
+        <p:grpSpPr>
+          <a:xfrm>
+            <a:off x="-19217" y="-1"/>
+            <a:ext cx="5213267" cy="6883030"/>
+            <a:chOff x="-19217" y="-1"/>
+            <a:chExt cx="5213267" cy="6883030"/>
+          </a:xfrm>
+        </p:grpSpPr>
+        <p:sp>
+          <p:nvSpPr>
+            <p:cNvPr id="11" name="Rectangle 10">
+              <a:extLst>
+                <a:ext uri="{FF2B5EF4-FFF2-40B4-BE49-F238E27FC236}">
+                  <a16:creationId xmlns:a16="http://schemas.microsoft.com/office/drawing/2014/main" id="{E642BDB2-BF67-1D53-1C70-0B41D709E485}"/>
+                </a:ext>
+                <a:ext uri="{C183D7F6-B498-43B3-948B-1728B52AA6E4}">
+                  <adec:decorative xmlns:adec="http://schemas.microsoft.com/office/drawing/2017/decorative" val="1"/>
+                </a:ext>
+              </a:extLst>
+            </p:cNvPr>
+            <p:cNvSpPr/>
+            <p:nvPr>
+              <p:extLst>
+                <p:ext uri="{386F3935-93C4-4BCD-93E2-E3B085C9AB24}">
+                  <p16:designElem xmlns:p16="http://schemas.microsoft.com/office/powerpoint/2015/main" val="1"/>
+                </p:ext>
+              </p:extLst>
+            </p:nvPr>
+          </p:nvSpPr>
+          <p:spPr>
+            <a:xfrm>
+              <a:off x="-19206" y="0"/>
+              <a:ext cx="5204956" cy="6883029"/>
+            </a:xfrm>
+            <a:prstGeom prst="rect">
+              <a:avLst/>
+            </a:prstGeom>
+            <a:gradFill>
+              <a:gsLst>
+                <a:gs pos="7000">
+                  <a:schemeClr val="accent2"/>
+                </a:gs>
+                <a:gs pos="100000">
+                  <a:schemeClr val="accent5"/>
+                </a:gs>
+              </a:gsLst>
+              <a:lin ang="4200000" scaled="0"/>
+            </a:gradFill>
+            <a:ln>
+              <a:noFill/>
+            </a:ln>
+          </p:spPr>
+          <p:style>
+            <a:lnRef idx="2">
+              <a:schemeClr val="accent1">
+                <a:shade val="50000"/>
+              </a:schemeClr>
+            </a:lnRef>
+            <a:fillRef idx="1">
+              <a:schemeClr val="accent1"/>
+            </a:fillRef>
+            <a:effectRef idx="0">
+              <a:schemeClr val="accent1"/>
+            </a:effectRef>
+            <a:fontRef idx="minor">
+              <a:schemeClr val="lt1"/>
+            </a:fontRef>
+          </p:style>
+          <p:txBody>
+            <a:bodyPr rtlCol="0" anchor="ctr"/>
+            <a:lstStyle/>
+            <a:p>
+              <a:pPr algn="ctr"/>
+              <a:endParaRPr lang="en-US"/>
+            </a:p>
+          </p:txBody>
+        </p:sp>
+        <p:sp>
+          <p:nvSpPr>
+            <p:cNvPr id="12" name="Rectangle 11">
+              <a:extLst>
+                <a:ext uri="{FF2B5EF4-FFF2-40B4-BE49-F238E27FC236}">
+                  <a16:creationId xmlns:a16="http://schemas.microsoft.com/office/drawing/2014/main" id="{58E0D8CE-5DBF-B664-EB48-C29BF8AB48E1}"/>
+                </a:ext>
+                <a:ext uri="{C183D7F6-B498-43B3-948B-1728B52AA6E4}">
+                  <adec:decorative xmlns:adec="http://schemas.microsoft.com/office/drawing/2017/decorative" val="1"/>
+                </a:ext>
+              </a:extLst>
+            </p:cNvPr>
+            <p:cNvSpPr/>
+            <p:nvPr>
+              <p:extLst>
+                <p:ext uri="{386F3935-93C4-4BCD-93E2-E3B085C9AB24}">
+                  <p16:designElem xmlns:p16="http://schemas.microsoft.com/office/powerpoint/2015/main" val="1"/>
+                </p:ext>
+              </p:extLst>
+            </p:nvPr>
+          </p:nvSpPr>
+          <p:spPr>
+            <a:xfrm rot="10800000">
+              <a:off x="-19217" y="1731909"/>
+              <a:ext cx="5204963" cy="5144400"/>
+            </a:xfrm>
+            <a:prstGeom prst="rect">
+              <a:avLst/>
+            </a:prstGeom>
+            <a:gradFill flip="none" rotWithShape="1">
+              <a:gsLst>
+                <a:gs pos="0">
+                  <a:schemeClr val="accent5">
+                    <a:lumMod val="75000"/>
+                  </a:schemeClr>
+                </a:gs>
+                <a:gs pos="60000">
+                  <a:schemeClr val="accent5">
+                    <a:lumMod val="60000"/>
+                    <a:lumOff val="40000"/>
+                    <a:alpha val="0"/>
+                  </a:schemeClr>
+                </a:gs>
+              </a:gsLst>
+              <a:path path="circle">
+                <a:fillToRect r="100000" b="100000"/>
+              </a:path>
+              <a:tileRect l="-100000" t="-100000"/>
+            </a:gradFill>
+            <a:ln w="12700" cap="flat" cmpd="sng" algn="ctr">
+              <a:noFill/>
+              <a:prstDash val="solid"/>
+              <a:miter lim="800000"/>
+            </a:ln>
+            <a:effectLst/>
+          </p:spPr>
+          <p:style>
+            <a:lnRef idx="2">
+              <a:schemeClr val="accent1">
+                <a:shade val="50000"/>
+              </a:schemeClr>
+            </a:lnRef>
+            <a:fillRef idx="1">
+              <a:schemeClr val="accent1"/>
+            </a:fillRef>
+            <a:effectRef idx="0">
+              <a:schemeClr val="accent1"/>
+            </a:effectRef>
+            <a:fontRef idx="minor">
+              <a:schemeClr val="lt1"/>
+            </a:fontRef>
+          </p:style>
+          <p:txBody>
+            <a:bodyPr rtlCol="0" anchor="ctr"/>
+            <a:lstStyle/>
+            <a:p>
+              <a:pPr algn="r"/>
+              <a:endParaRPr lang="en-US"/>
+            </a:p>
+          </p:txBody>
+        </p:sp>
+        <p:sp>
+          <p:nvSpPr>
+            <p:cNvPr id="13" name="Rectangle 12">
+              <a:extLst>
+                <a:ext uri="{FF2B5EF4-FFF2-40B4-BE49-F238E27FC236}">
+                  <a16:creationId xmlns:a16="http://schemas.microsoft.com/office/drawing/2014/main" id="{DFD140CE-7DE2-C88F-5EAE-F45EB69E6A89}"/>
+                </a:ext>
+                <a:ext uri="{C183D7F6-B498-43B3-948B-1728B52AA6E4}">
+                  <adec:decorative xmlns:adec="http://schemas.microsoft.com/office/drawing/2017/decorative" val="1"/>
+                </a:ext>
+              </a:extLst>
+            </p:cNvPr>
+            <p:cNvSpPr/>
+            <p:nvPr>
+              <p:extLst>
+                <p:ext uri="{386F3935-93C4-4BCD-93E2-E3B085C9AB24}">
+                  <p16:designElem xmlns:p16="http://schemas.microsoft.com/office/powerpoint/2015/main" val="1"/>
+                </p:ext>
+              </p:extLst>
+            </p:nvPr>
+          </p:nvSpPr>
+          <p:spPr>
+            <a:xfrm>
+              <a:off x="-19210" y="6723"/>
+              <a:ext cx="3834567" cy="6876300"/>
+            </a:xfrm>
+            <a:prstGeom prst="rect">
+              <a:avLst/>
+            </a:prstGeom>
+            <a:gradFill flip="none" rotWithShape="1">
+              <a:gsLst>
+                <a:gs pos="3000">
+                  <a:schemeClr val="accent2">
+                    <a:lumMod val="60000"/>
+                    <a:lumOff val="40000"/>
+                    <a:alpha val="78000"/>
+                  </a:schemeClr>
+                </a:gs>
+                <a:gs pos="42000">
+                  <a:schemeClr val="accent2">
+                    <a:alpha val="0"/>
+                  </a:schemeClr>
+                </a:gs>
+              </a:gsLst>
+              <a:lin ang="3000000" scaled="0"/>
+              <a:tileRect/>
+            </a:gradFill>
+            <a:ln>
+              <a:noFill/>
+            </a:ln>
+          </p:spPr>
+          <p:style>
+            <a:lnRef idx="2">
+              <a:schemeClr val="accent1">
+                <a:shade val="50000"/>
+              </a:schemeClr>
+            </a:lnRef>
+            <a:fillRef idx="1">
+              <a:schemeClr val="accent1"/>
+            </a:fillRef>
+            <a:effectRef idx="0">
+              <a:schemeClr val="accent1"/>
+            </a:effectRef>
+            <a:fontRef idx="minor">
+              <a:schemeClr val="lt1"/>
+            </a:fontRef>
+          </p:style>
+          <p:txBody>
+            <a:bodyPr rtlCol="0" anchor="ctr"/>
+            <a:lstStyle/>
+            <a:p>
+              <a:pPr algn="ctr"/>
+              <a:endParaRPr lang="en-US"/>
+            </a:p>
+          </p:txBody>
+        </p:sp>
+        <p:sp>
+          <p:nvSpPr>
+            <p:cNvPr id="14" name="Rectangle 13">
+              <a:extLst>
+                <a:ext uri="{FF2B5EF4-FFF2-40B4-BE49-F238E27FC236}">
+                  <a16:creationId xmlns:a16="http://schemas.microsoft.com/office/drawing/2014/main" id="{557E87E3-413F-10EF-63D8-6016E986C966}"/>
+                </a:ext>
+                <a:ext uri="{C183D7F6-B498-43B3-948B-1728B52AA6E4}">
+                  <adec:decorative xmlns:adec="http://schemas.microsoft.com/office/drawing/2017/decorative" val="1"/>
+                </a:ext>
+              </a:extLst>
+            </p:cNvPr>
+            <p:cNvSpPr/>
+            <p:nvPr>
+              <p:extLst>
+                <p:ext uri="{386F3935-93C4-4BCD-93E2-E3B085C9AB24}">
+                  <p16:designElem xmlns:p16="http://schemas.microsoft.com/office/powerpoint/2015/main" val="1"/>
+                </p:ext>
+              </p:extLst>
+            </p:nvPr>
+          </p:nvSpPr>
+          <p:spPr>
+            <a:xfrm rot="16200000">
+              <a:off x="-844601" y="833689"/>
+              <a:ext cx="6872341" cy="5204961"/>
+            </a:xfrm>
+            <a:prstGeom prst="rect">
+              <a:avLst/>
+            </a:prstGeom>
+            <a:gradFill>
+              <a:gsLst>
+                <a:gs pos="0">
+                  <a:schemeClr val="accent5">
+                    <a:alpha val="86000"/>
+                  </a:schemeClr>
+                </a:gs>
+                <a:gs pos="57000">
+                  <a:schemeClr val="accent2">
+                    <a:alpha val="0"/>
+                  </a:schemeClr>
+                </a:gs>
+              </a:gsLst>
+              <a:lin ang="13800000" scaled="0"/>
+            </a:gradFill>
+            <a:ln>
+              <a:noFill/>
+            </a:ln>
+          </p:spPr>
+          <p:style>
+            <a:lnRef idx="2">
+              <a:schemeClr val="accent1">
+                <a:shade val="50000"/>
+              </a:schemeClr>
+            </a:lnRef>
+            <a:fillRef idx="1">
+              <a:schemeClr val="accent1"/>
+            </a:fillRef>
+            <a:effectRef idx="0">
+              <a:schemeClr val="accent1"/>
+            </a:effectRef>
+            <a:fontRef idx="minor">
+              <a:schemeClr val="lt1"/>
+            </a:fontRef>
+          </p:style>
+          <p:txBody>
+            <a:bodyPr rtlCol="0" anchor="ctr"/>
+            <a:lstStyle/>
+            <a:p>
+              <a:pPr algn="ctr"/>
+              <a:endParaRPr lang="en-US"/>
+            </a:p>
+          </p:txBody>
+        </p:sp>
+      </p:grpSp>
       <p:sp>
         <p:nvSpPr>
           <p:cNvPr id="2" name="Title 1">
@@ -4740,15 +9835,22 @@
             <p:ph type="title"/>
           </p:nvPr>
         </p:nvSpPr>
-        <p:spPr/>
+        <p:spPr>
+          <a:xfrm>
+            <a:off x="755484" y="739835"/>
+            <a:ext cx="3702580" cy="1616203"/>
+          </a:xfrm>
+        </p:spPr>
         <p:txBody>
-          <a:bodyPr/>
+          <a:bodyPr anchor="b">
+            <a:normAutofit/>
+          </a:bodyPr>
           <a:lstStyle/>
           <a:p>
             <a:r>
-              <a:rPr lang="en-US">
+              <a:rPr lang="en-US" sz="3200">
                 <a:solidFill>
-                  <a:srgbClr val="EB6633"/>
+                  <a:srgbClr val="FFFFFF"/>
                 </a:solidFill>
               </a:rPr>
               <a:t>Product Details</a:t>
@@ -4774,28 +9876,42 @@
         </p:nvSpPr>
         <p:spPr>
           <a:xfrm>
-            <a:off x="838200" y="1825625"/>
-            <a:ext cx="3810000" cy="4351338"/>
+            <a:off x="755484" y="2459116"/>
+            <a:ext cx="3702579" cy="3524823"/>
           </a:xfrm>
         </p:spPr>
         <p:txBody>
-          <a:bodyPr/>
+          <a:bodyPr>
+            <a:normAutofit/>
+          </a:bodyPr>
           <a:lstStyle/>
           <a:p>
             <a:r>
-              <a:rPr lang="en-US"/>
+              <a:rPr lang="en-US" sz="2000">
+                <a:solidFill>
+                  <a:srgbClr val="FFFFFF"/>
+                </a:solidFill>
+              </a:rPr>
               <a:t>• High-quality image zoom.</a:t>
             </a:r>
           </a:p>
           <a:p>
             <a:r>
-              <a:rPr lang="en-US"/>
+              <a:rPr lang="en-US" sz="2000">
+                <a:solidFill>
+                  <a:srgbClr val="FFFFFF"/>
+                </a:solidFill>
+              </a:rPr>
               <a:t>• Detailed specifications (Stock, Color, Size).</a:t>
             </a:r>
           </a:p>
           <a:p>
             <a:r>
-              <a:rPr lang="en-US"/>
+              <a:rPr lang="en-US" sz="2000">
+                <a:solidFill>
+                  <a:srgbClr val="FFFFFF"/>
+                </a:solidFill>
+              </a:rPr>
               <a:t>• Real-time stock status (e.g., 184 items left).</a:t>
             </a:r>
           </a:p>
@@ -4829,802 +9945,18 @@
         </p:blipFill>
         <p:spPr>
           <a:xfrm>
-            <a:off x="4850780" y="1825626"/>
-            <a:ext cx="6947210" cy="3254374"/>
+            <a:off x="6005304" y="2239459"/>
+            <a:ext cx="5407002" cy="2379080"/>
           </a:xfrm>
           <a:prstGeom prst="rect">
             <a:avLst/>
           </a:prstGeom>
-          <a:ln w="25400">
-            <a:solidFill>
-              <a:srgbClr val="EB6633"/>
-            </a:solidFill>
-          </a:ln>
-          <a:effectLst>
-            <a:outerShdw blurRad="50800" dist="38100" dir="2700000" algn="tl">
-              <a:prstClr val="black">
-                <a:alpha val="40000"/>
-              </a:prstClr>
-            </a:outerShdw>
-          </a:effectLst>
         </p:spPr>
       </p:pic>
     </p:spTree>
     <p:extLst>
       <p:ext uri="{BB962C8B-B14F-4D97-AF65-F5344CB8AC3E}">
         <p14:creationId xmlns:p14="http://schemas.microsoft.com/office/powerpoint/2010/main" val="1537106527"/>
-      </p:ext>
-    </p:extLst>
-  </p:cSld>
-  <p:clrMapOvr>
-    <a:masterClrMapping/>
-  </p:clrMapOvr>
-  <mc:AlternateContent xmlns:mc="http://schemas.openxmlformats.org/markup-compatibility/2006" xmlns:p159="http://schemas.microsoft.com/office/powerpoint/2015/09/main">
-    <mc:Choice Requires="p159">
-      <p:transition xmlns:p14="http://schemas.microsoft.com/office/powerpoint/2010/main" spd="slow" p14:dur="2000">
-        <p159:morph option="byObject"/>
-      </p:transition>
-    </mc:Choice>
-    <mc:Fallback xmlns="">
-      <p:transition spd="slow">
-        <p:fade/>
-      </p:transition>
-    </mc:Fallback>
-  </mc:AlternateContent>
-  <p:timing>
-    <p:tnLst>
-      <p:par>
-        <p:cTn id="1" dur="indefinite" restart="never" nodeType="tmRoot">
-          <p:childTnLst>
-            <p:seq concurrent="1" nextAc="seek">
-              <p:cTn id="2" dur="indefinite" nodeType="mainSeq">
-                <p:childTnLst>
-                  <p:par>
-                    <p:cTn id="3" fill="hold">
-                      <p:stCondLst>
-                        <p:cond delay="indefinite"/>
-                      </p:stCondLst>
-                      <p:childTnLst>
-                        <p:par>
-                          <p:cTn id="4" fill="hold">
-                            <p:stCondLst>
-                              <p:cond delay="0"/>
-                            </p:stCondLst>
-                            <p:childTnLst>
-                              <p:par>
-                                <p:cTn id="5" presetID="2" presetClass="entr" presetSubtype="1" fill="hold" grpId="0" nodeType="clickEffect">
-                                  <p:stCondLst>
-                                    <p:cond delay="0"/>
-                                  </p:stCondLst>
-                                  <p:childTnLst>
-                                    <p:set>
-                                      <p:cBhvr>
-                                        <p:cTn id="6" dur="1" fill="hold">
-                                          <p:stCondLst>
-                                            <p:cond delay="0"/>
-                                          </p:stCondLst>
-                                        </p:cTn>
-                                        <p:tgtEl>
-                                          <p:spTgt spid="2"/>
-                                        </p:tgtEl>
-                                        <p:attrNameLst>
-                                          <p:attrName>style.visibility</p:attrName>
-                                        </p:attrNameLst>
-                                      </p:cBhvr>
-                                      <p:to>
-                                        <p:strVal val="visible"/>
-                                      </p:to>
-                                    </p:set>
-                                    <p:anim calcmode="lin" valueType="num">
-                                      <p:cBhvr additive="base">
-                                        <p:cTn id="7" dur="500" fill="hold"/>
-                                        <p:tgtEl>
-                                          <p:spTgt spid="2"/>
-                                        </p:tgtEl>
-                                        <p:attrNameLst>
-                                          <p:attrName>ppt_x</p:attrName>
-                                        </p:attrNameLst>
-                                      </p:cBhvr>
-                                      <p:tavLst>
-                                        <p:tav tm="0">
-                                          <p:val>
-                                            <p:strVal val="#ppt_x"/>
-                                          </p:val>
-                                        </p:tav>
-                                        <p:tav tm="100000">
-                                          <p:val>
-                                            <p:strVal val="#ppt_x"/>
-                                          </p:val>
-                                        </p:tav>
-                                      </p:tavLst>
-                                    </p:anim>
-                                    <p:anim calcmode="lin" valueType="num">
-                                      <p:cBhvr additive="base">
-                                        <p:cTn id="8" dur="500" fill="hold"/>
-                                        <p:tgtEl>
-                                          <p:spTgt spid="2"/>
-                                        </p:tgtEl>
-                                        <p:attrNameLst>
-                                          <p:attrName>ppt_y</p:attrName>
-                                        </p:attrNameLst>
-                                      </p:cBhvr>
-                                      <p:tavLst>
-                                        <p:tav tm="0">
-                                          <p:val>
-                                            <p:strVal val="0-#ppt_h/2"/>
-                                          </p:val>
-                                        </p:tav>
-                                        <p:tav tm="100000">
-                                          <p:val>
-                                            <p:strVal val="#ppt_y"/>
-                                          </p:val>
-                                        </p:tav>
-                                      </p:tavLst>
-                                    </p:anim>
-                                  </p:childTnLst>
-                                </p:cTn>
-                              </p:par>
-                            </p:childTnLst>
-                          </p:cTn>
-                        </p:par>
-                      </p:childTnLst>
-                    </p:cTn>
-                  </p:par>
-                  <p:par>
-                    <p:cTn id="9" fill="hold">
-                      <p:stCondLst>
-                        <p:cond delay="indefinite"/>
-                      </p:stCondLst>
-                      <p:childTnLst>
-                        <p:par>
-                          <p:cTn id="10" fill="hold">
-                            <p:stCondLst>
-                              <p:cond delay="0"/>
-                            </p:stCondLst>
-                            <p:childTnLst>
-                              <p:par>
-                                <p:cTn id="11" presetID="2" presetClass="entr" presetSubtype="4" fill="hold" grpId="0" nodeType="clickEffect">
-                                  <p:stCondLst>
-                                    <p:cond delay="0"/>
-                                  </p:stCondLst>
-                                  <p:childTnLst>
-                                    <p:set>
-                                      <p:cBhvr>
-                                        <p:cTn id="12" dur="1" fill="hold">
-                                          <p:stCondLst>
-                                            <p:cond delay="0"/>
-                                          </p:stCondLst>
-                                        </p:cTn>
-                                        <p:tgtEl>
-                                          <p:spTgt spid="3"/>
-                                        </p:tgtEl>
-                                        <p:attrNameLst>
-                                          <p:attrName>style.visibility</p:attrName>
-                                        </p:attrNameLst>
-                                      </p:cBhvr>
-                                      <p:to>
-                                        <p:strVal val="visible"/>
-                                      </p:to>
-                                    </p:set>
-                                    <p:anim calcmode="lin" valueType="num">
-                                      <p:cBhvr additive="base">
-                                        <p:cTn id="13" dur="500" fill="hold"/>
-                                        <p:tgtEl>
-                                          <p:spTgt spid="3"/>
-                                        </p:tgtEl>
-                                        <p:attrNameLst>
-                                          <p:attrName>ppt_x</p:attrName>
-                                        </p:attrNameLst>
-                                      </p:cBhvr>
-                                      <p:tavLst>
-                                        <p:tav tm="0">
-                                          <p:val>
-                                            <p:strVal val="#ppt_x"/>
-                                          </p:val>
-                                        </p:tav>
-                                        <p:tav tm="100000">
-                                          <p:val>
-                                            <p:strVal val="#ppt_x"/>
-                                          </p:val>
-                                        </p:tav>
-                                      </p:tavLst>
-                                    </p:anim>
-                                    <p:anim calcmode="lin" valueType="num">
-                                      <p:cBhvr additive="base">
-                                        <p:cTn id="14" dur="500" fill="hold"/>
-                                        <p:tgtEl>
-                                          <p:spTgt spid="3"/>
-                                        </p:tgtEl>
-                                        <p:attrNameLst>
-                                          <p:attrName>ppt_y</p:attrName>
-                                        </p:attrNameLst>
-                                      </p:cBhvr>
-                                      <p:tavLst>
-                                        <p:tav tm="0">
-                                          <p:val>
-                                            <p:strVal val="1+#ppt_h/2"/>
-                                          </p:val>
-                                        </p:tav>
-                                        <p:tav tm="100000">
-                                          <p:val>
-                                            <p:strVal val="#ppt_y"/>
-                                          </p:val>
-                                        </p:tav>
-                                      </p:tavLst>
-                                    </p:anim>
-                                  </p:childTnLst>
-                                </p:cTn>
-                              </p:par>
-                            </p:childTnLst>
-                          </p:cTn>
-                        </p:par>
-                      </p:childTnLst>
-                    </p:cTn>
-                  </p:par>
-                </p:childTnLst>
-              </p:cTn>
-              <p:prevCondLst>
-                <p:cond evt="onPrev" delay="0">
-                  <p:tgtEl>
-                    <p:sldTgt/>
-                  </p:tgtEl>
-                </p:cond>
-              </p:prevCondLst>
-              <p:nextCondLst>
-                <p:cond evt="onNext" delay="0">
-                  <p:tgtEl>
-                    <p:sldTgt/>
-                  </p:tgtEl>
-                </p:cond>
-              </p:nextCondLst>
-            </p:seq>
-          </p:childTnLst>
-        </p:cTn>
-      </p:par>
-    </p:tnLst>
-    <p:bldLst>
-      <p:bldP spid="2" grpId="0" autoUpdateAnimBg="0"/>
-      <p:bldP spid="3" grpId="0" autoUpdateAnimBg="0"/>
-    </p:bldLst>
-  </p:timing>
-</p:sld>
-</file>
-
-<file path=ppt/slides/slide5.xml><?xml version="1.0" encoding="utf-8"?>
-<p:sld xmlns:a="http://schemas.openxmlformats.org/drawingml/2006/main" xmlns:r="http://schemas.openxmlformats.org/officeDocument/2006/relationships" xmlns:p="http://schemas.openxmlformats.org/presentationml/2006/main" showMasterPhAnim="0">
-  <p:cSld>
-    <p:spTree>
-      <p:nvGrpSpPr>
-        <p:cNvPr id="1" name=""/>
-        <p:cNvGrpSpPr/>
-        <p:nvPr/>
-      </p:nvGrpSpPr>
-      <p:grpSpPr>
-        <a:xfrm>
-          <a:off x="0" y="0"/>
-          <a:ext cx="0" cy="0"/>
-          <a:chOff x="0" y="0"/>
-          <a:chExt cx="0" cy="0"/>
-        </a:xfrm>
-      </p:grpSpPr>
-      <p:sp>
-        <p:nvSpPr>
-          <p:cNvPr id="2" name="Title 1">
-            <a:extLst>
-              <a:ext uri="{FF2B5EF4-FFF2-40B4-BE49-F238E27FC236}">
-                <a16:creationId xmlns:a16="http://schemas.microsoft.com/office/drawing/2014/main" id="{DC8C733E-050C-0C73-317F-5A78D39F1740}"/>
-              </a:ext>
-            </a:extLst>
-          </p:cNvPr>
-          <p:cNvSpPr>
-            <a:spLocks noGrp="1"/>
-          </p:cNvSpPr>
-          <p:nvPr>
-            <p:ph type="title"/>
-          </p:nvPr>
-        </p:nvSpPr>
-        <p:spPr/>
-        <p:txBody>
-          <a:bodyPr/>
-          <a:lstStyle/>
-          <a:p>
-            <a:r>
-              <a:rPr lang="en-US">
-                <a:solidFill>
-                  <a:srgbClr val="EB6633"/>
-                </a:solidFill>
-              </a:rPr>
-              <a:t>My Account &amp; Security</a:t>
-            </a:r>
-          </a:p>
-        </p:txBody>
-      </p:sp>
-      <p:sp>
-        <p:nvSpPr>
-          <p:cNvPr id="3" name="Content Placeholder 2">
-            <a:extLst>
-              <a:ext uri="{FF2B5EF4-FFF2-40B4-BE49-F238E27FC236}">
-                <a16:creationId xmlns:a16="http://schemas.microsoft.com/office/drawing/2014/main" id="{CDB636DF-2685-C697-61BF-0A4C39B269BD}"/>
-              </a:ext>
-            </a:extLst>
-          </p:cNvPr>
-          <p:cNvSpPr>
-            <a:spLocks noGrp="1"/>
-          </p:cNvSpPr>
-          <p:nvPr>
-            <p:ph idx="1"/>
-          </p:nvPr>
-        </p:nvSpPr>
-        <p:spPr>
-          <a:xfrm>
-            <a:off x="838200" y="1825625"/>
-            <a:ext cx="3810000" cy="4351338"/>
-          </a:xfrm>
-        </p:spPr>
-        <p:txBody>
-          <a:bodyPr/>
-          <a:lstStyle/>
-          <a:p>
-            <a:r>
-              <a:rPr lang="en-US"/>
-              <a:t>• Personal Profile Management.</a:t>
-            </a:r>
-          </a:p>
-          <a:p>
-            <a:r>
-              <a:rPr lang="en-US"/>
-              <a:t>• Real-time Loyalty Points tracking.</a:t>
-            </a:r>
-          </a:p>
-          <a:p>
-            <a:r>
-              <a:rPr lang="en-US"/>
-              <a:t>• Order History access.</a:t>
-            </a:r>
-          </a:p>
-        </p:txBody>
-      </p:sp>
-      <p:pic>
-        <p:nvPicPr>
-          <p:cNvPr id="5" name="Picture 4">
-            <a:extLst>
-              <a:ext uri="{FF2B5EF4-FFF2-40B4-BE49-F238E27FC236}">
-                <a16:creationId xmlns:a16="http://schemas.microsoft.com/office/drawing/2014/main" id="{C67B77C8-C16B-79C4-EE5D-D4986FCBFA30}"/>
-              </a:ext>
-            </a:extLst>
-          </p:cNvPr>
-          <p:cNvPicPr>
-            <a:picLocks/>
-          </p:cNvPicPr>
-          <p:nvPr/>
-        </p:nvPicPr>
-        <p:blipFill>
-          <a:blip r:embed="rId2">
-            <a:extLst>
-              <a:ext uri="{28A0092B-C50C-407E-A947-70E740481C1C}">
-                <a14:useLocalDpi xmlns:a14="http://schemas.microsoft.com/office/drawing/2010/main" val="0"/>
-              </a:ext>
-            </a:extLst>
-          </a:blip>
-          <a:stretch>
-            <a:fillRect/>
-          </a:stretch>
-        </p:blipFill>
-        <p:spPr>
-          <a:xfrm>
-            <a:off x="4170557" y="1690689"/>
-            <a:ext cx="7783550" cy="3305058"/>
-          </a:xfrm>
-          <a:prstGeom prst="rect">
-            <a:avLst/>
-          </a:prstGeom>
-          <a:ln w="25400">
-            <a:solidFill>
-              <a:srgbClr val="EB6633"/>
-            </a:solidFill>
-          </a:ln>
-          <a:effectLst>
-            <a:outerShdw blurRad="50800" dist="38100" dir="2700000" algn="tl">
-              <a:prstClr val="black">
-                <a:alpha val="40000"/>
-              </a:prstClr>
-            </a:outerShdw>
-          </a:effectLst>
-        </p:spPr>
-      </p:pic>
-    </p:spTree>
-    <p:extLst>
-      <p:ext uri="{BB962C8B-B14F-4D97-AF65-F5344CB8AC3E}">
-        <p14:creationId xmlns:p14="http://schemas.microsoft.com/office/powerpoint/2010/main" val="1173204853"/>
-      </p:ext>
-    </p:extLst>
-  </p:cSld>
-  <p:clrMapOvr>
-    <a:masterClrMapping/>
-  </p:clrMapOvr>
-  <mc:AlternateContent xmlns:mc="http://schemas.openxmlformats.org/markup-compatibility/2006" xmlns:p159="http://schemas.microsoft.com/office/powerpoint/2015/09/main">
-    <mc:Choice Requires="p159">
-      <p:transition xmlns:p14="http://schemas.microsoft.com/office/powerpoint/2010/main" spd="slow" p14:dur="2000">
-        <p159:morph option="byObject"/>
-      </p:transition>
-    </mc:Choice>
-    <mc:Fallback xmlns="">
-      <p:transition spd="slow">
-        <p:fade/>
-      </p:transition>
-    </mc:Fallback>
-  </mc:AlternateContent>
-  <p:timing>
-    <p:tnLst>
-      <p:par>
-        <p:cTn id="1" dur="indefinite" restart="never" nodeType="tmRoot">
-          <p:childTnLst>
-            <p:seq concurrent="1" nextAc="seek">
-              <p:cTn id="2" dur="indefinite" nodeType="mainSeq">
-                <p:childTnLst>
-                  <p:par>
-                    <p:cTn id="3" fill="hold">
-                      <p:stCondLst>
-                        <p:cond delay="indefinite"/>
-                      </p:stCondLst>
-                      <p:childTnLst>
-                        <p:par>
-                          <p:cTn id="4" fill="hold">
-                            <p:stCondLst>
-                              <p:cond delay="0"/>
-                            </p:stCondLst>
-                            <p:childTnLst>
-                              <p:par>
-                                <p:cTn id="5" presetID="2" presetClass="entr" presetSubtype="1" fill="hold" grpId="0" nodeType="clickEffect">
-                                  <p:stCondLst>
-                                    <p:cond delay="0"/>
-                                  </p:stCondLst>
-                                  <p:childTnLst>
-                                    <p:set>
-                                      <p:cBhvr>
-                                        <p:cTn id="6" dur="1" fill="hold">
-                                          <p:stCondLst>
-                                            <p:cond delay="0"/>
-                                          </p:stCondLst>
-                                        </p:cTn>
-                                        <p:tgtEl>
-                                          <p:spTgt spid="2"/>
-                                        </p:tgtEl>
-                                        <p:attrNameLst>
-                                          <p:attrName>style.visibility</p:attrName>
-                                        </p:attrNameLst>
-                                      </p:cBhvr>
-                                      <p:to>
-                                        <p:strVal val="visible"/>
-                                      </p:to>
-                                    </p:set>
-                                    <p:anim calcmode="lin" valueType="num">
-                                      <p:cBhvr additive="base">
-                                        <p:cTn id="7" dur="500" fill="hold"/>
-                                        <p:tgtEl>
-                                          <p:spTgt spid="2"/>
-                                        </p:tgtEl>
-                                        <p:attrNameLst>
-                                          <p:attrName>ppt_x</p:attrName>
-                                        </p:attrNameLst>
-                                      </p:cBhvr>
-                                      <p:tavLst>
-                                        <p:tav tm="0">
-                                          <p:val>
-                                            <p:strVal val="#ppt_x"/>
-                                          </p:val>
-                                        </p:tav>
-                                        <p:tav tm="100000">
-                                          <p:val>
-                                            <p:strVal val="#ppt_x"/>
-                                          </p:val>
-                                        </p:tav>
-                                      </p:tavLst>
-                                    </p:anim>
-                                    <p:anim calcmode="lin" valueType="num">
-                                      <p:cBhvr additive="base">
-                                        <p:cTn id="8" dur="500" fill="hold"/>
-                                        <p:tgtEl>
-                                          <p:spTgt spid="2"/>
-                                        </p:tgtEl>
-                                        <p:attrNameLst>
-                                          <p:attrName>ppt_y</p:attrName>
-                                        </p:attrNameLst>
-                                      </p:cBhvr>
-                                      <p:tavLst>
-                                        <p:tav tm="0">
-                                          <p:val>
-                                            <p:strVal val="0-#ppt_h/2"/>
-                                          </p:val>
-                                        </p:tav>
-                                        <p:tav tm="100000">
-                                          <p:val>
-                                            <p:strVal val="#ppt_y"/>
-                                          </p:val>
-                                        </p:tav>
-                                      </p:tavLst>
-                                    </p:anim>
-                                  </p:childTnLst>
-                                </p:cTn>
-                              </p:par>
-                            </p:childTnLst>
-                          </p:cTn>
-                        </p:par>
-                      </p:childTnLst>
-                    </p:cTn>
-                  </p:par>
-                  <p:par>
-                    <p:cTn id="9" fill="hold">
-                      <p:stCondLst>
-                        <p:cond delay="indefinite"/>
-                      </p:stCondLst>
-                      <p:childTnLst>
-                        <p:par>
-                          <p:cTn id="10" fill="hold">
-                            <p:stCondLst>
-                              <p:cond delay="0"/>
-                            </p:stCondLst>
-                            <p:childTnLst>
-                              <p:par>
-                                <p:cTn id="11" presetID="2" presetClass="entr" presetSubtype="4" fill="hold" grpId="0" nodeType="clickEffect">
-                                  <p:stCondLst>
-                                    <p:cond delay="0"/>
-                                  </p:stCondLst>
-                                  <p:childTnLst>
-                                    <p:set>
-                                      <p:cBhvr>
-                                        <p:cTn id="12" dur="1" fill="hold">
-                                          <p:stCondLst>
-                                            <p:cond delay="0"/>
-                                          </p:stCondLst>
-                                        </p:cTn>
-                                        <p:tgtEl>
-                                          <p:spTgt spid="3"/>
-                                        </p:tgtEl>
-                                        <p:attrNameLst>
-                                          <p:attrName>style.visibility</p:attrName>
-                                        </p:attrNameLst>
-                                      </p:cBhvr>
-                                      <p:to>
-                                        <p:strVal val="visible"/>
-                                      </p:to>
-                                    </p:set>
-                                    <p:anim calcmode="lin" valueType="num">
-                                      <p:cBhvr additive="base">
-                                        <p:cTn id="13" dur="500" fill="hold"/>
-                                        <p:tgtEl>
-                                          <p:spTgt spid="3"/>
-                                        </p:tgtEl>
-                                        <p:attrNameLst>
-                                          <p:attrName>ppt_x</p:attrName>
-                                        </p:attrNameLst>
-                                      </p:cBhvr>
-                                      <p:tavLst>
-                                        <p:tav tm="0">
-                                          <p:val>
-                                            <p:strVal val="#ppt_x"/>
-                                          </p:val>
-                                        </p:tav>
-                                        <p:tav tm="100000">
-                                          <p:val>
-                                            <p:strVal val="#ppt_x"/>
-                                          </p:val>
-                                        </p:tav>
-                                      </p:tavLst>
-                                    </p:anim>
-                                    <p:anim calcmode="lin" valueType="num">
-                                      <p:cBhvr additive="base">
-                                        <p:cTn id="14" dur="500" fill="hold"/>
-                                        <p:tgtEl>
-                                          <p:spTgt spid="3"/>
-                                        </p:tgtEl>
-                                        <p:attrNameLst>
-                                          <p:attrName>ppt_y</p:attrName>
-                                        </p:attrNameLst>
-                                      </p:cBhvr>
-                                      <p:tavLst>
-                                        <p:tav tm="0">
-                                          <p:val>
-                                            <p:strVal val="1+#ppt_h/2"/>
-                                          </p:val>
-                                        </p:tav>
-                                        <p:tav tm="100000">
-                                          <p:val>
-                                            <p:strVal val="#ppt_y"/>
-                                          </p:val>
-                                        </p:tav>
-                                      </p:tavLst>
-                                    </p:anim>
-                                  </p:childTnLst>
-                                </p:cTn>
-                              </p:par>
-                            </p:childTnLst>
-                          </p:cTn>
-                        </p:par>
-                      </p:childTnLst>
-                    </p:cTn>
-                  </p:par>
-                </p:childTnLst>
-              </p:cTn>
-              <p:prevCondLst>
-                <p:cond evt="onPrev" delay="0">
-                  <p:tgtEl>
-                    <p:sldTgt/>
-                  </p:tgtEl>
-                </p:cond>
-              </p:prevCondLst>
-              <p:nextCondLst>
-                <p:cond evt="onNext" delay="0">
-                  <p:tgtEl>
-                    <p:sldTgt/>
-                  </p:tgtEl>
-                </p:cond>
-              </p:nextCondLst>
-            </p:seq>
-          </p:childTnLst>
-        </p:cTn>
-      </p:par>
-    </p:tnLst>
-    <p:bldLst>
-      <p:bldP spid="2" grpId="0" autoUpdateAnimBg="0"/>
-      <p:bldP spid="3" grpId="0" autoUpdateAnimBg="0"/>
-    </p:bldLst>
-  </p:timing>
-</p:sld>
-</file>
-
-<file path=ppt/slides/slide6.xml><?xml version="1.0" encoding="utf-8"?>
-<p:sld xmlns:a="http://schemas.openxmlformats.org/drawingml/2006/main" xmlns:r="http://schemas.openxmlformats.org/officeDocument/2006/relationships" xmlns:p="http://schemas.openxmlformats.org/presentationml/2006/main" showMasterPhAnim="0">
-  <p:cSld>
-    <p:spTree>
-      <p:nvGrpSpPr>
-        <p:cNvPr id="1" name=""/>
-        <p:cNvGrpSpPr/>
-        <p:nvPr/>
-      </p:nvGrpSpPr>
-      <p:grpSpPr>
-        <a:xfrm>
-          <a:off x="0" y="0"/>
-          <a:ext cx="0" cy="0"/>
-          <a:chOff x="0" y="0"/>
-          <a:chExt cx="0" cy="0"/>
-        </a:xfrm>
-      </p:grpSpPr>
-      <p:sp>
-        <p:nvSpPr>
-          <p:cNvPr id="2" name="Title 1">
-            <a:extLst>
-              <a:ext uri="{FF2B5EF4-FFF2-40B4-BE49-F238E27FC236}">
-                <a16:creationId xmlns:a16="http://schemas.microsoft.com/office/drawing/2014/main" id="{50333C52-FF48-DB5F-B714-CB1B33A1E9BE}"/>
-              </a:ext>
-            </a:extLst>
-          </p:cNvPr>
-          <p:cNvSpPr>
-            <a:spLocks noGrp="1"/>
-          </p:cNvSpPr>
-          <p:nvPr>
-            <p:ph type="title"/>
-          </p:nvPr>
-        </p:nvSpPr>
-        <p:spPr/>
-        <p:txBody>
-          <a:bodyPr/>
-          <a:lstStyle/>
-          <a:p>
-            <a:r>
-              <a:rPr lang="en-US">
-                <a:solidFill>
-                  <a:srgbClr val="EB6633"/>
-                </a:solidFill>
-              </a:rPr>
-              <a:t>Smart Loyalty System ?</a:t>
-            </a:r>
-          </a:p>
-        </p:txBody>
-      </p:sp>
-      <p:sp>
-        <p:nvSpPr>
-          <p:cNvPr id="3" name="Content Placeholder 2">
-            <a:extLst>
-              <a:ext uri="{FF2B5EF4-FFF2-40B4-BE49-F238E27FC236}">
-                <a16:creationId xmlns:a16="http://schemas.microsoft.com/office/drawing/2014/main" id="{1CFFA742-5DFB-B8B4-EF46-CEF168FD69AC}"/>
-              </a:ext>
-            </a:extLst>
-          </p:cNvPr>
-          <p:cNvSpPr>
-            <a:spLocks noGrp="1"/>
-          </p:cNvSpPr>
-          <p:nvPr>
-            <p:ph idx="1"/>
-          </p:nvPr>
-        </p:nvSpPr>
-        <p:spPr>
-          <a:xfrm>
-            <a:off x="838200" y="1825625"/>
-            <a:ext cx="3810000" cy="4351338"/>
-          </a:xfrm>
-        </p:spPr>
-        <p:txBody>
-          <a:bodyPr/>
-          <a:lstStyle/>
-          <a:p>
-            <a:r>
-              <a:rPr lang="en-US"/>
-              <a:t>• The Competitive Edge:</a:t>
-            </a:r>
-          </a:p>
-          <a:p>
-            <a:r>
-              <a:rPr lang="en-US"/>
-              <a:t>• Spend 1000 EGP = Earn 1000 Points.</a:t>
-            </a:r>
-          </a:p>
-          <a:p>
-            <a:r>
-              <a:rPr lang="en-US"/>
-              <a:t>• Redeem: 1000 Points = 100 EGP Off.</a:t>
-            </a:r>
-          </a:p>
-          <a:p>
-            <a:r>
-              <a:rPr lang="en-US"/>
-              <a:t>• Seamless integration in Cart (As shown in image).</a:t>
-            </a:r>
-          </a:p>
-        </p:txBody>
-      </p:sp>
-      <p:pic>
-        <p:nvPicPr>
-          <p:cNvPr id="5" name="Picture 4">
-            <a:extLst>
-              <a:ext uri="{FF2B5EF4-FFF2-40B4-BE49-F238E27FC236}">
-                <a16:creationId xmlns:a16="http://schemas.microsoft.com/office/drawing/2014/main" id="{DBA588BE-A546-4AF7-8C42-9A773E428DC0}"/>
-              </a:ext>
-            </a:extLst>
-          </p:cNvPr>
-          <p:cNvPicPr>
-            <a:picLocks/>
-          </p:cNvPicPr>
-          <p:nvPr/>
-        </p:nvPicPr>
-        <p:blipFill>
-          <a:blip r:embed="rId2">
-            <a:extLst>
-              <a:ext uri="{28A0092B-C50C-407E-A947-70E740481C1C}">
-                <a14:useLocalDpi xmlns:a14="http://schemas.microsoft.com/office/drawing/2010/main" val="0"/>
-              </a:ext>
-            </a:extLst>
-          </a:blip>
-          <a:stretch>
-            <a:fillRect/>
-          </a:stretch>
-        </p:blipFill>
-        <p:spPr>
-          <a:xfrm>
-            <a:off x="4648200" y="2047527"/>
-            <a:ext cx="7350511" cy="3528083"/>
-          </a:xfrm>
-          <a:prstGeom prst="rect">
-            <a:avLst/>
-          </a:prstGeom>
-          <a:ln w="25400">
-            <a:solidFill>
-              <a:srgbClr val="EB6633"/>
-            </a:solidFill>
-          </a:ln>
-          <a:effectLst>
-            <a:outerShdw blurRad="50800" dist="38100" dir="2700000" algn="tl">
-              <a:prstClr val="black">
-                <a:alpha val="40000"/>
-              </a:prstClr>
-            </a:outerShdw>
-          </a:effectLst>
-        </p:spPr>
-      </p:pic>
-    </p:spTree>
-    <p:extLst>
-      <p:ext uri="{BB962C8B-B14F-4D97-AF65-F5344CB8AC3E}">
-        <p14:creationId xmlns:p14="http://schemas.microsoft.com/office/powerpoint/2010/main" val="1792674400"/>
       </p:ext>
     </p:extLst>
   </p:cSld>
@@ -5887,21 +10219,21 @@
           <a:chExt cx="0" cy="0"/>
         </a:xfrm>
       </p:grpSpPr>
-      <p:sp useBgFill="1">
-        <p:nvSpPr>
-          <p:cNvPr id="17" name="Rectangle 16">
+      <p:grpSp>
+        <p:nvGrpSpPr>
+          <p:cNvPr id="10" name="Group 9">
             <a:extLst>
               <a:ext uri="{FF2B5EF4-FFF2-40B4-BE49-F238E27FC236}">
-                <a16:creationId xmlns:a16="http://schemas.microsoft.com/office/drawing/2014/main" id="{743AA782-23D1-4521-8CAD-47662984AA08}"/>
+                <a16:creationId xmlns:a16="http://schemas.microsoft.com/office/drawing/2014/main" id="{114ED94A-C85D-4CD3-4205-438D21CE6B38}"/>
               </a:ext>
               <a:ext uri="{C183D7F6-B498-43B3-948B-1728B52AA6E4}">
                 <adec:decorative xmlns:adec="http://schemas.microsoft.com/office/drawing/2017/decorative" val="1"/>
               </a:ext>
             </a:extLst>
           </p:cNvPr>
-          <p:cNvSpPr>
-            <a:spLocks noGrp="1" noRot="1" noChangeAspect="1" noMove="1" noResize="1" noEditPoints="1" noAdjustHandles="1" noChangeArrowheads="1" noChangeShapeType="1" noTextEdit="1"/>
-          </p:cNvSpPr>
+          <p:cNvGrpSpPr>
+            <a:grpSpLocks noGrp="1" noUngrp="1" noRot="1" noChangeAspect="1" noMove="1" noResize="1"/>
+          </p:cNvGrpSpPr>
           <p:nvPr>
             <p:extLst>
               <p:ext uri="{386F3935-93C4-4BCD-93E2-E3B085C9AB24}">
@@ -5909,50 +10241,321 @@
               </p:ext>
             </p:extLst>
           </p:nvPr>
-        </p:nvSpPr>
-        <p:spPr>
+        </p:nvGrpSpPr>
+        <p:grpSpPr>
           <a:xfrm>
-            <a:off x="0" y="0"/>
-            <a:ext cx="12192000" cy="6858000"/>
+            <a:off x="-19217" y="-1"/>
+            <a:ext cx="5213267" cy="6883030"/>
+            <a:chOff x="-19217" y="-1"/>
+            <a:chExt cx="5213267" cy="6883030"/>
           </a:xfrm>
-          <a:prstGeom prst="rect">
-            <a:avLst/>
-          </a:prstGeom>
-          <a:ln>
-            <a:noFill/>
-          </a:ln>
-        </p:spPr>
-        <p:style>
-          <a:lnRef idx="2">
-            <a:schemeClr val="accent1">
-              <a:shade val="50000"/>
-            </a:schemeClr>
-          </a:lnRef>
-          <a:fillRef idx="1">
-            <a:schemeClr val="accent1"/>
-          </a:fillRef>
-          <a:effectRef idx="0">
-            <a:schemeClr val="accent1"/>
-          </a:effectRef>
-          <a:fontRef idx="minor">
-            <a:schemeClr val="lt1"/>
-          </a:fontRef>
-        </p:style>
-        <p:txBody>
-          <a:bodyPr rtlCol="0" anchor="ctr"/>
-          <a:lstStyle/>
-          <a:p>
-            <a:pPr algn="ctr"/>
-            <a:endParaRPr lang="en-US"/>
-          </a:p>
-        </p:txBody>
-      </p:sp>
+        </p:grpSpPr>
+        <p:sp>
+          <p:nvSpPr>
+            <p:cNvPr id="11" name="Rectangle 10">
+              <a:extLst>
+                <a:ext uri="{FF2B5EF4-FFF2-40B4-BE49-F238E27FC236}">
+                  <a16:creationId xmlns:a16="http://schemas.microsoft.com/office/drawing/2014/main" id="{E642BDB2-BF67-1D53-1C70-0B41D709E485}"/>
+                </a:ext>
+                <a:ext uri="{C183D7F6-B498-43B3-948B-1728B52AA6E4}">
+                  <adec:decorative xmlns:adec="http://schemas.microsoft.com/office/drawing/2017/decorative" val="1"/>
+                </a:ext>
+              </a:extLst>
+            </p:cNvPr>
+            <p:cNvSpPr/>
+            <p:nvPr>
+              <p:extLst>
+                <p:ext uri="{386F3935-93C4-4BCD-93E2-E3B085C9AB24}">
+                  <p16:designElem xmlns:p16="http://schemas.microsoft.com/office/powerpoint/2015/main" val="1"/>
+                </p:ext>
+              </p:extLst>
+            </p:nvPr>
+          </p:nvSpPr>
+          <p:spPr>
+            <a:xfrm>
+              <a:off x="-19206" y="0"/>
+              <a:ext cx="5204956" cy="6883029"/>
+            </a:xfrm>
+            <a:prstGeom prst="rect">
+              <a:avLst/>
+            </a:prstGeom>
+            <a:gradFill>
+              <a:gsLst>
+                <a:gs pos="7000">
+                  <a:schemeClr val="accent2"/>
+                </a:gs>
+                <a:gs pos="100000">
+                  <a:schemeClr val="accent5"/>
+                </a:gs>
+              </a:gsLst>
+              <a:lin ang="4200000" scaled="0"/>
+            </a:gradFill>
+            <a:ln>
+              <a:noFill/>
+            </a:ln>
+          </p:spPr>
+          <p:style>
+            <a:lnRef idx="2">
+              <a:schemeClr val="accent1">
+                <a:shade val="50000"/>
+              </a:schemeClr>
+            </a:lnRef>
+            <a:fillRef idx="1">
+              <a:schemeClr val="accent1"/>
+            </a:fillRef>
+            <a:effectRef idx="0">
+              <a:schemeClr val="accent1"/>
+            </a:effectRef>
+            <a:fontRef idx="minor">
+              <a:schemeClr val="lt1"/>
+            </a:fontRef>
+          </p:style>
+          <p:txBody>
+            <a:bodyPr rtlCol="0" anchor="ctr"/>
+            <a:lstStyle/>
+            <a:p>
+              <a:pPr algn="ctr"/>
+              <a:endParaRPr lang="en-US"/>
+            </a:p>
+          </p:txBody>
+        </p:sp>
+        <p:sp>
+          <p:nvSpPr>
+            <p:cNvPr id="12" name="Rectangle 11">
+              <a:extLst>
+                <a:ext uri="{FF2B5EF4-FFF2-40B4-BE49-F238E27FC236}">
+                  <a16:creationId xmlns:a16="http://schemas.microsoft.com/office/drawing/2014/main" id="{58E0D8CE-5DBF-B664-EB48-C29BF8AB48E1}"/>
+                </a:ext>
+                <a:ext uri="{C183D7F6-B498-43B3-948B-1728B52AA6E4}">
+                  <adec:decorative xmlns:adec="http://schemas.microsoft.com/office/drawing/2017/decorative" val="1"/>
+                </a:ext>
+              </a:extLst>
+            </p:cNvPr>
+            <p:cNvSpPr/>
+            <p:nvPr>
+              <p:extLst>
+                <p:ext uri="{386F3935-93C4-4BCD-93E2-E3B085C9AB24}">
+                  <p16:designElem xmlns:p16="http://schemas.microsoft.com/office/powerpoint/2015/main" val="1"/>
+                </p:ext>
+              </p:extLst>
+            </p:nvPr>
+          </p:nvSpPr>
+          <p:spPr>
+            <a:xfrm rot="10800000">
+              <a:off x="-19217" y="1731909"/>
+              <a:ext cx="5204963" cy="5144400"/>
+            </a:xfrm>
+            <a:prstGeom prst="rect">
+              <a:avLst/>
+            </a:prstGeom>
+            <a:gradFill flip="none" rotWithShape="1">
+              <a:gsLst>
+                <a:gs pos="0">
+                  <a:schemeClr val="accent5">
+                    <a:lumMod val="75000"/>
+                  </a:schemeClr>
+                </a:gs>
+                <a:gs pos="60000">
+                  <a:schemeClr val="accent5">
+                    <a:lumMod val="60000"/>
+                    <a:lumOff val="40000"/>
+                    <a:alpha val="0"/>
+                  </a:schemeClr>
+                </a:gs>
+              </a:gsLst>
+              <a:path path="circle">
+                <a:fillToRect r="100000" b="100000"/>
+              </a:path>
+              <a:tileRect l="-100000" t="-100000"/>
+            </a:gradFill>
+            <a:ln w="12700" cap="flat" cmpd="sng" algn="ctr">
+              <a:noFill/>
+              <a:prstDash val="solid"/>
+              <a:miter lim="800000"/>
+            </a:ln>
+            <a:effectLst/>
+          </p:spPr>
+          <p:style>
+            <a:lnRef idx="2">
+              <a:schemeClr val="accent1">
+                <a:shade val="50000"/>
+              </a:schemeClr>
+            </a:lnRef>
+            <a:fillRef idx="1">
+              <a:schemeClr val="accent1"/>
+            </a:fillRef>
+            <a:effectRef idx="0">
+              <a:schemeClr val="accent1"/>
+            </a:effectRef>
+            <a:fontRef idx="minor">
+              <a:schemeClr val="lt1"/>
+            </a:fontRef>
+          </p:style>
+          <p:txBody>
+            <a:bodyPr rtlCol="0" anchor="ctr"/>
+            <a:lstStyle/>
+            <a:p>
+              <a:pPr algn="r"/>
+              <a:endParaRPr lang="en-US"/>
+            </a:p>
+          </p:txBody>
+        </p:sp>
+        <p:sp>
+          <p:nvSpPr>
+            <p:cNvPr id="13" name="Rectangle 12">
+              <a:extLst>
+                <a:ext uri="{FF2B5EF4-FFF2-40B4-BE49-F238E27FC236}">
+                  <a16:creationId xmlns:a16="http://schemas.microsoft.com/office/drawing/2014/main" id="{DFD140CE-7DE2-C88F-5EAE-F45EB69E6A89}"/>
+                </a:ext>
+                <a:ext uri="{C183D7F6-B498-43B3-948B-1728B52AA6E4}">
+                  <adec:decorative xmlns:adec="http://schemas.microsoft.com/office/drawing/2017/decorative" val="1"/>
+                </a:ext>
+              </a:extLst>
+            </p:cNvPr>
+            <p:cNvSpPr/>
+            <p:nvPr>
+              <p:extLst>
+                <p:ext uri="{386F3935-93C4-4BCD-93E2-E3B085C9AB24}">
+                  <p16:designElem xmlns:p16="http://schemas.microsoft.com/office/powerpoint/2015/main" val="1"/>
+                </p:ext>
+              </p:extLst>
+            </p:nvPr>
+          </p:nvSpPr>
+          <p:spPr>
+            <a:xfrm>
+              <a:off x="-19210" y="6723"/>
+              <a:ext cx="3834567" cy="6876300"/>
+            </a:xfrm>
+            <a:prstGeom prst="rect">
+              <a:avLst/>
+            </a:prstGeom>
+            <a:gradFill flip="none" rotWithShape="1">
+              <a:gsLst>
+                <a:gs pos="3000">
+                  <a:schemeClr val="accent2">
+                    <a:lumMod val="60000"/>
+                    <a:lumOff val="40000"/>
+                    <a:alpha val="78000"/>
+                  </a:schemeClr>
+                </a:gs>
+                <a:gs pos="42000">
+                  <a:schemeClr val="accent2">
+                    <a:alpha val="0"/>
+                  </a:schemeClr>
+                </a:gs>
+              </a:gsLst>
+              <a:lin ang="3000000" scaled="0"/>
+              <a:tileRect/>
+            </a:gradFill>
+            <a:ln>
+              <a:noFill/>
+            </a:ln>
+          </p:spPr>
+          <p:style>
+            <a:lnRef idx="2">
+              <a:schemeClr val="accent1">
+                <a:shade val="50000"/>
+              </a:schemeClr>
+            </a:lnRef>
+            <a:fillRef idx="1">
+              <a:schemeClr val="accent1"/>
+            </a:fillRef>
+            <a:effectRef idx="0">
+              <a:schemeClr val="accent1"/>
+            </a:effectRef>
+            <a:fontRef idx="minor">
+              <a:schemeClr val="lt1"/>
+            </a:fontRef>
+          </p:style>
+          <p:txBody>
+            <a:bodyPr rtlCol="0" anchor="ctr"/>
+            <a:lstStyle/>
+            <a:p>
+              <a:pPr algn="ctr"/>
+              <a:endParaRPr lang="en-US"/>
+            </a:p>
+          </p:txBody>
+        </p:sp>
+        <p:sp>
+          <p:nvSpPr>
+            <p:cNvPr id="14" name="Rectangle 13">
+              <a:extLst>
+                <a:ext uri="{FF2B5EF4-FFF2-40B4-BE49-F238E27FC236}">
+                  <a16:creationId xmlns:a16="http://schemas.microsoft.com/office/drawing/2014/main" id="{557E87E3-413F-10EF-63D8-6016E986C966}"/>
+                </a:ext>
+                <a:ext uri="{C183D7F6-B498-43B3-948B-1728B52AA6E4}">
+                  <adec:decorative xmlns:adec="http://schemas.microsoft.com/office/drawing/2017/decorative" val="1"/>
+                </a:ext>
+              </a:extLst>
+            </p:cNvPr>
+            <p:cNvSpPr/>
+            <p:nvPr>
+              <p:extLst>
+                <p:ext uri="{386F3935-93C4-4BCD-93E2-E3B085C9AB24}">
+                  <p16:designElem xmlns:p16="http://schemas.microsoft.com/office/powerpoint/2015/main" val="1"/>
+                </p:ext>
+              </p:extLst>
+            </p:nvPr>
+          </p:nvSpPr>
+          <p:spPr>
+            <a:xfrm rot="16200000">
+              <a:off x="-844601" y="833689"/>
+              <a:ext cx="6872341" cy="5204961"/>
+            </a:xfrm>
+            <a:prstGeom prst="rect">
+              <a:avLst/>
+            </a:prstGeom>
+            <a:gradFill>
+              <a:gsLst>
+                <a:gs pos="0">
+                  <a:schemeClr val="accent5">
+                    <a:alpha val="86000"/>
+                  </a:schemeClr>
+                </a:gs>
+                <a:gs pos="57000">
+                  <a:schemeClr val="accent2">
+                    <a:alpha val="0"/>
+                  </a:schemeClr>
+                </a:gs>
+              </a:gsLst>
+              <a:lin ang="13800000" scaled="0"/>
+            </a:gradFill>
+            <a:ln>
+              <a:noFill/>
+            </a:ln>
+          </p:spPr>
+          <p:style>
+            <a:lnRef idx="2">
+              <a:schemeClr val="accent1">
+                <a:shade val="50000"/>
+              </a:schemeClr>
+            </a:lnRef>
+            <a:fillRef idx="1">
+              <a:schemeClr val="accent1"/>
+            </a:fillRef>
+            <a:effectRef idx="0">
+              <a:schemeClr val="accent1"/>
+            </a:effectRef>
+            <a:fontRef idx="minor">
+              <a:schemeClr val="lt1"/>
+            </a:fontRef>
+          </p:style>
+          <p:txBody>
+            <a:bodyPr rtlCol="0" anchor="ctr"/>
+            <a:lstStyle/>
+            <a:p>
+              <a:pPr algn="ctr"/>
+              <a:endParaRPr lang="en-US"/>
+            </a:p>
+          </p:txBody>
+        </p:sp>
+      </p:grpSp>
       <p:sp>
         <p:nvSpPr>
           <p:cNvPr id="2" name="Title 1">
             <a:extLst>
               <a:ext uri="{FF2B5EF4-FFF2-40B4-BE49-F238E27FC236}">
-                <a16:creationId xmlns:a16="http://schemas.microsoft.com/office/drawing/2014/main" id="{49C9501F-B0C7-888A-63E7-B18D33A9591C}"/>
+                <a16:creationId xmlns:a16="http://schemas.microsoft.com/office/drawing/2014/main" id="{DC8C733E-050C-0C73-317F-5A78D39F1740}"/>
               </a:ext>
             </a:extLst>
           </p:cNvPr>
@@ -5965,8 +10568,8 @@
         </p:nvSpPr>
         <p:spPr>
           <a:xfrm>
-            <a:off x="630936" y="640080"/>
-            <a:ext cx="4818888" cy="1481328"/>
+            <a:off x="755484" y="739835"/>
+            <a:ext cx="3702580" cy="1616203"/>
           </a:xfrm>
         </p:spPr>
         <p:txBody>
@@ -5976,282 +10579,13 @@
           <a:lstStyle/>
           <a:p>
             <a:r>
-              <a:rPr lang="en-US" sz="5400"/>
-              <a:t>Live Demo</a:t>
+              <a:rPr lang="en-US" sz="3200">
+                <a:solidFill>
+                  <a:srgbClr val="FFFFFF"/>
+                </a:solidFill>
+              </a:rPr>
+              <a:t>My Account &amp; Security</a:t>
             </a:r>
-          </a:p>
-        </p:txBody>
-      </p:sp>
-      <p:sp>
-        <p:nvSpPr>
-          <p:cNvPr id="19" name="sketch line">
-            <a:extLst>
-              <a:ext uri="{FF2B5EF4-FFF2-40B4-BE49-F238E27FC236}">
-                <a16:creationId xmlns:a16="http://schemas.microsoft.com/office/drawing/2014/main" id="{71877DBC-BB60-40F0-AC93-2ACDBAAE60CE}"/>
-              </a:ext>
-              <a:ext uri="{C183D7F6-B498-43B3-948B-1728B52AA6E4}">
-                <adec:decorative xmlns:adec="http://schemas.microsoft.com/office/drawing/2017/decorative" val="1"/>
-              </a:ext>
-            </a:extLst>
-          </p:cNvPr>
-          <p:cNvSpPr>
-            <a:spLocks noGrp="1" noRot="1" noChangeAspect="1" noMove="1" noResize="1" noEditPoints="1" noAdjustHandles="1" noChangeArrowheads="1" noChangeShapeType="1" noTextEdit="1"/>
-          </p:cNvSpPr>
-          <p:nvPr>
-            <p:extLst>
-              <p:ext uri="{386F3935-93C4-4BCD-93E2-E3B085C9AB24}">
-                <p16:designElem xmlns:p16="http://schemas.microsoft.com/office/powerpoint/2015/main" val="1"/>
-              </p:ext>
-            </p:extLst>
-          </p:nvPr>
-        </p:nvSpPr>
-        <p:spPr>
-          <a:xfrm>
-            <a:off x="643278" y="2372868"/>
-            <a:ext cx="3255095" cy="18288"/>
-          </a:xfrm>
-          <a:custGeom>
-            <a:avLst/>
-            <a:gdLst>
-              <a:gd name="connsiteX0" fmla="*/ 0 w 3255095"/>
-              <a:gd name="connsiteY0" fmla="*/ 0 h 18288"/>
-              <a:gd name="connsiteX1" fmla="*/ 618468 w 3255095"/>
-              <a:gd name="connsiteY1" fmla="*/ 0 h 18288"/>
-              <a:gd name="connsiteX2" fmla="*/ 1269487 w 3255095"/>
-              <a:gd name="connsiteY2" fmla="*/ 0 h 18288"/>
-              <a:gd name="connsiteX3" fmla="*/ 1953057 w 3255095"/>
-              <a:gd name="connsiteY3" fmla="*/ 0 h 18288"/>
-              <a:gd name="connsiteX4" fmla="*/ 2636627 w 3255095"/>
-              <a:gd name="connsiteY4" fmla="*/ 0 h 18288"/>
-              <a:gd name="connsiteX5" fmla="*/ 3255095 w 3255095"/>
-              <a:gd name="connsiteY5" fmla="*/ 0 h 18288"/>
-              <a:gd name="connsiteX6" fmla="*/ 3255095 w 3255095"/>
-              <a:gd name="connsiteY6" fmla="*/ 18288 h 18288"/>
-              <a:gd name="connsiteX7" fmla="*/ 2538974 w 3255095"/>
-              <a:gd name="connsiteY7" fmla="*/ 18288 h 18288"/>
-              <a:gd name="connsiteX8" fmla="*/ 1822853 w 3255095"/>
-              <a:gd name="connsiteY8" fmla="*/ 18288 h 18288"/>
-              <a:gd name="connsiteX9" fmla="*/ 1171834 w 3255095"/>
-              <a:gd name="connsiteY9" fmla="*/ 18288 h 18288"/>
-              <a:gd name="connsiteX10" fmla="*/ 0 w 3255095"/>
-              <a:gd name="connsiteY10" fmla="*/ 18288 h 18288"/>
-              <a:gd name="connsiteX11" fmla="*/ 0 w 3255095"/>
-              <a:gd name="connsiteY11" fmla="*/ 0 h 18288"/>
-            </a:gdLst>
-            <a:ahLst/>
-            <a:cxnLst>
-              <a:cxn ang="0">
-                <a:pos x="connsiteX0" y="connsiteY0"/>
-              </a:cxn>
-              <a:cxn ang="0">
-                <a:pos x="connsiteX1" y="connsiteY1"/>
-              </a:cxn>
-              <a:cxn ang="0">
-                <a:pos x="connsiteX2" y="connsiteY2"/>
-              </a:cxn>
-              <a:cxn ang="0">
-                <a:pos x="connsiteX3" y="connsiteY3"/>
-              </a:cxn>
-              <a:cxn ang="0">
-                <a:pos x="connsiteX4" y="connsiteY4"/>
-              </a:cxn>
-              <a:cxn ang="0">
-                <a:pos x="connsiteX5" y="connsiteY5"/>
-              </a:cxn>
-              <a:cxn ang="0">
-                <a:pos x="connsiteX6" y="connsiteY6"/>
-              </a:cxn>
-              <a:cxn ang="0">
-                <a:pos x="connsiteX7" y="connsiteY7"/>
-              </a:cxn>
-              <a:cxn ang="0">
-                <a:pos x="connsiteX8" y="connsiteY8"/>
-              </a:cxn>
-              <a:cxn ang="0">
-                <a:pos x="connsiteX9" y="connsiteY9"/>
-              </a:cxn>
-              <a:cxn ang="0">
-                <a:pos x="connsiteX10" y="connsiteY10"/>
-              </a:cxn>
-              <a:cxn ang="0">
-                <a:pos x="connsiteX11" y="connsiteY11"/>
-              </a:cxn>
-            </a:cxnLst>
-            <a:rect l="l" t="t" r="r" b="b"/>
-            <a:pathLst>
-              <a:path w="3255095" h="18288" fill="none" extrusionOk="0">
-                <a:moveTo>
-                  <a:pt x="0" y="0"/>
-                </a:moveTo>
-                <a:cubicBezTo>
-                  <a:pt x="240201" y="-22123"/>
-                  <a:pt x="462021" y="-19623"/>
-                  <a:pt x="618468" y="0"/>
-                </a:cubicBezTo>
-                <a:cubicBezTo>
-                  <a:pt x="774915" y="19623"/>
-                  <a:pt x="974734" y="2035"/>
-                  <a:pt x="1269487" y="0"/>
-                </a:cubicBezTo>
-                <a:cubicBezTo>
-                  <a:pt x="1564240" y="-2035"/>
-                  <a:pt x="1733579" y="10639"/>
-                  <a:pt x="1953057" y="0"/>
-                </a:cubicBezTo>
-                <a:cubicBezTo>
-                  <a:pt x="2172535" y="-10639"/>
-                  <a:pt x="2453962" y="14018"/>
-                  <a:pt x="2636627" y="0"/>
-                </a:cubicBezTo>
-                <a:cubicBezTo>
-                  <a:pt x="2819292" y="-14018"/>
-                  <a:pt x="3121375" y="5399"/>
-                  <a:pt x="3255095" y="0"/>
-                </a:cubicBezTo>
-                <a:cubicBezTo>
-                  <a:pt x="3254386" y="8157"/>
-                  <a:pt x="3254682" y="12125"/>
-                  <a:pt x="3255095" y="18288"/>
-                </a:cubicBezTo>
-                <a:cubicBezTo>
-                  <a:pt x="3088545" y="23203"/>
-                  <a:pt x="2687475" y="7419"/>
-                  <a:pt x="2538974" y="18288"/>
-                </a:cubicBezTo>
-                <a:cubicBezTo>
-                  <a:pt x="2390473" y="29157"/>
-                  <a:pt x="2137381" y="-8959"/>
-                  <a:pt x="1822853" y="18288"/>
-                </a:cubicBezTo>
-                <a:cubicBezTo>
-                  <a:pt x="1508325" y="45535"/>
-                  <a:pt x="1466437" y="20385"/>
-                  <a:pt x="1171834" y="18288"/>
-                </a:cubicBezTo>
-                <a:cubicBezTo>
-                  <a:pt x="877231" y="16191"/>
-                  <a:pt x="561097" y="37643"/>
-                  <a:pt x="0" y="18288"/>
-                </a:cubicBezTo>
-                <a:cubicBezTo>
-                  <a:pt x="-46" y="12483"/>
-                  <a:pt x="-203" y="6491"/>
-                  <a:pt x="0" y="0"/>
-                </a:cubicBezTo>
-                <a:close/>
-              </a:path>
-              <a:path w="3255095" h="18288" stroke="0" extrusionOk="0">
-                <a:moveTo>
-                  <a:pt x="0" y="0"/>
-                </a:moveTo>
-                <a:cubicBezTo>
-                  <a:pt x="291965" y="19429"/>
-                  <a:pt x="363155" y="8568"/>
-                  <a:pt x="618468" y="0"/>
-                </a:cubicBezTo>
-                <a:cubicBezTo>
-                  <a:pt x="873781" y="-8568"/>
-                  <a:pt x="904459" y="-19505"/>
-                  <a:pt x="1171834" y="0"/>
-                </a:cubicBezTo>
-                <a:cubicBezTo>
-                  <a:pt x="1439209" y="19505"/>
-                  <a:pt x="1744369" y="9790"/>
-                  <a:pt x="1887955" y="0"/>
-                </a:cubicBezTo>
-                <a:cubicBezTo>
-                  <a:pt x="2031541" y="-9790"/>
-                  <a:pt x="2346378" y="21240"/>
-                  <a:pt x="2506423" y="0"/>
-                </a:cubicBezTo>
-                <a:cubicBezTo>
-                  <a:pt x="2666468" y="-21240"/>
-                  <a:pt x="2990257" y="30414"/>
-                  <a:pt x="3255095" y="0"/>
-                </a:cubicBezTo>
-                <a:cubicBezTo>
-                  <a:pt x="3254831" y="4493"/>
-                  <a:pt x="3255479" y="9472"/>
-                  <a:pt x="3255095" y="18288"/>
-                </a:cubicBezTo>
-                <a:cubicBezTo>
-                  <a:pt x="3120743" y="16690"/>
-                  <a:pt x="2759628" y="42462"/>
-                  <a:pt x="2604076" y="18288"/>
-                </a:cubicBezTo>
-                <a:cubicBezTo>
-                  <a:pt x="2448524" y="-5886"/>
-                  <a:pt x="2184336" y="19599"/>
-                  <a:pt x="1887955" y="18288"/>
-                </a:cubicBezTo>
-                <a:cubicBezTo>
-                  <a:pt x="1591574" y="16977"/>
-                  <a:pt x="1548845" y="6870"/>
-                  <a:pt x="1334589" y="18288"/>
-                </a:cubicBezTo>
-                <a:cubicBezTo>
-                  <a:pt x="1120333" y="29706"/>
-                  <a:pt x="996014" y="9662"/>
-                  <a:pt x="683570" y="18288"/>
-                </a:cubicBezTo>
-                <a:cubicBezTo>
-                  <a:pt x="371126" y="26914"/>
-                  <a:pt x="198687" y="16167"/>
-                  <a:pt x="0" y="18288"/>
-                </a:cubicBezTo>
-                <a:cubicBezTo>
-                  <a:pt x="843" y="9577"/>
-                  <a:pt x="371" y="6900"/>
-                  <a:pt x="0" y="0"/>
-                </a:cubicBezTo>
-                <a:close/>
-              </a:path>
-            </a:pathLst>
-          </a:custGeom>
-          <a:solidFill>
-            <a:schemeClr val="accent2"/>
-          </a:solidFill>
-          <a:ln w="38100" cap="rnd">
-            <a:solidFill>
-              <a:schemeClr val="accent2"/>
-            </a:solidFill>
-            <a:round/>
-            <a:extLst>
-              <a:ext uri="{C807C97D-BFC1-408E-A445-0C87EB9F89A2}">
-                <ask:lineSketchStyleProps xmlns:ask="http://schemas.microsoft.com/office/drawing/2018/sketchyshapes" sd="1219033472">
-                  <a:prstGeom prst="rect">
-                    <a:avLst/>
-                  </a:prstGeom>
-                  <ask:type>
-                    <ask:lineSketchFreehand/>
-                  </ask:type>
-                </ask:lineSketchStyleProps>
-              </a:ext>
-            </a:extLst>
-          </a:ln>
-        </p:spPr>
-        <p:style>
-          <a:lnRef idx="2">
-            <a:schemeClr val="accent1">
-              <a:shade val="50000"/>
-            </a:schemeClr>
-          </a:lnRef>
-          <a:fillRef idx="1">
-            <a:schemeClr val="accent1"/>
-          </a:fillRef>
-          <a:effectRef idx="0">
-            <a:schemeClr val="accent1"/>
-          </a:effectRef>
-          <a:fontRef idx="minor">
-            <a:schemeClr val="lt1"/>
-          </a:fontRef>
-        </p:style>
-        <p:txBody>
-          <a:bodyPr rtlCol="0" anchor="ctr"/>
-          <a:lstStyle/>
-          <a:p>
-            <a:pPr algn="ctr"/>
-            <a:endParaRPr lang="en-US"/>
           </a:p>
         </p:txBody>
       </p:sp>
@@ -6260,7 +10594,7 @@
           <p:cNvPr id="3" name="Content Placeholder 2">
             <a:extLst>
               <a:ext uri="{FF2B5EF4-FFF2-40B4-BE49-F238E27FC236}">
-                <a16:creationId xmlns:a16="http://schemas.microsoft.com/office/drawing/2014/main" id="{7A9E29BF-D87A-841D-6169-54DC5DC466D1}"/>
+                <a16:creationId xmlns:a16="http://schemas.microsoft.com/office/drawing/2014/main" id="{CDB636DF-2685-C697-61BF-0A4C39B269BD}"/>
               </a:ext>
             </a:extLst>
           </p:cNvPr>
@@ -6273,49 +10607,58 @@
         </p:nvSpPr>
         <p:spPr>
           <a:xfrm>
-            <a:off x="630936" y="2660904"/>
-            <a:ext cx="4818888" cy="3547872"/>
+            <a:off x="755484" y="2459116"/>
+            <a:ext cx="3702579" cy="3524823"/>
           </a:xfrm>
         </p:spPr>
         <p:txBody>
-          <a:bodyPr anchor="t">
+          <a:bodyPr>
             <a:normAutofit/>
           </a:bodyPr>
           <a:lstStyle/>
           <a:p>
             <a:r>
-              <a:rPr lang="en-US" sz="2200"/>
-              <a:t>The project is live at:</a:t>
+              <a:rPr lang="en-US" sz="2000">
+                <a:solidFill>
+                  <a:srgbClr val="FFFFFF"/>
+                </a:solidFill>
+              </a:rPr>
+              <a:t>• Personal Profile Management.</a:t>
             </a:r>
           </a:p>
           <a:p>
             <a:r>
-              <a:rPr lang="en-US" sz="2200"/>
-              <a:t>https://e-commerce-lake-chi.vercel.app/</a:t>
+              <a:rPr lang="en-US" sz="2000">
+                <a:solidFill>
+                  <a:srgbClr val="FFFFFF"/>
+                </a:solidFill>
+              </a:rPr>
+              <a:t>• Real-time Loyalty Points tracking.</a:t>
             </a:r>
           </a:p>
           <a:p>
-            <a:endParaRPr lang="en-US" sz="2200"/>
-          </a:p>
-          <a:p>
             <a:r>
-              <a:rPr lang="en-US" sz="2200"/>
-              <a:t>Thank You!</a:t>
+              <a:rPr lang="en-US" sz="2000">
+                <a:solidFill>
+                  <a:srgbClr val="FFFFFF"/>
+                </a:solidFill>
+              </a:rPr>
+              <a:t>• Order History access.</a:t>
             </a:r>
           </a:p>
         </p:txBody>
       </p:sp>
       <p:pic>
         <p:nvPicPr>
-          <p:cNvPr id="7" name="Picture 6" descr="A qr code on a white background&#10;&#10;AI-generated content may be incorrect.">
+          <p:cNvPr id="5" name="Picture 4">
             <a:extLst>
               <a:ext uri="{FF2B5EF4-FFF2-40B4-BE49-F238E27FC236}">
-                <a16:creationId xmlns:a16="http://schemas.microsoft.com/office/drawing/2014/main" id="{8F32D6B4-62AA-3FF9-5EB4-98848CFDD3E4}"/>
+                <a16:creationId xmlns:a16="http://schemas.microsoft.com/office/drawing/2014/main" id="{C67B77C8-C16B-79C4-EE5D-D4986FCBFA30}"/>
               </a:ext>
             </a:extLst>
           </p:cNvPr>
           <p:cNvPicPr>
-            <a:picLocks noChangeAspect="1"/>
+            <a:picLocks/>
           </p:cNvPicPr>
           <p:nvPr/>
         </p:nvPicPr>
@@ -6333,8 +10676,8 @@
         </p:blipFill>
         <p:spPr>
           <a:xfrm>
-            <a:off x="6099048" y="699516"/>
-            <a:ext cx="5458968" cy="5458968"/>
+            <a:off x="6005304" y="2239459"/>
+            <a:ext cx="5407002" cy="2379080"/>
           </a:xfrm>
           <a:prstGeom prst="rect">
             <a:avLst/>
@@ -6344,7 +10687,7 @@
     </p:spTree>
     <p:extLst>
       <p:ext uri="{BB962C8B-B14F-4D97-AF65-F5344CB8AC3E}">
-        <p14:creationId xmlns:p14="http://schemas.microsoft.com/office/powerpoint/2010/main" val="1042843674"/>
+        <p14:creationId xmlns:p14="http://schemas.microsoft.com/office/powerpoint/2010/main" val="1173204853"/>
       </p:ext>
     </p:extLst>
   </p:cSld>
@@ -6384,7 +10727,7 @@
                             </p:stCondLst>
                             <p:childTnLst>
                               <p:par>
-                                <p:cTn id="5" presetID="23" presetClass="entr" presetSubtype="528" fill="hold" grpId="0" nodeType="clickEffect">
+                                <p:cTn id="5" presetID="2" presetClass="entr" presetSubtype="1" fill="hold" grpId="0" nodeType="clickEffect">
                                   <p:stCondLst>
                                     <p:cond delay="0"/>
                                   </p:stCondLst>
@@ -6392,6 +10735,97 @@
                                     <p:set>
                                       <p:cBhvr>
                                         <p:cTn id="6" dur="1" fill="hold">
+                                          <p:stCondLst>
+                                            <p:cond delay="0"/>
+                                          </p:stCondLst>
+                                        </p:cTn>
+                                        <p:tgtEl>
+                                          <p:spTgt spid="2"/>
+                                        </p:tgtEl>
+                                        <p:attrNameLst>
+                                          <p:attrName>style.visibility</p:attrName>
+                                        </p:attrNameLst>
+                                      </p:cBhvr>
+                                      <p:to>
+                                        <p:strVal val="visible"/>
+                                      </p:to>
+                                    </p:set>
+                                    <p:anim calcmode="lin" valueType="num">
+                                      <p:cBhvr additive="base">
+                                        <p:cTn id="7" dur="500" fill="hold"/>
+                                        <p:tgtEl>
+                                          <p:spTgt spid="2"/>
+                                        </p:tgtEl>
+                                        <p:attrNameLst>
+                                          <p:attrName>ppt_x</p:attrName>
+                                        </p:attrNameLst>
+                                      </p:cBhvr>
+                                      <p:tavLst>
+                                        <p:tav tm="0">
+                                          <p:val>
+                                            <p:strVal val="#ppt_x"/>
+                                          </p:val>
+                                        </p:tav>
+                                        <p:tav tm="100000">
+                                          <p:val>
+                                            <p:strVal val="#ppt_x"/>
+                                          </p:val>
+                                        </p:tav>
+                                      </p:tavLst>
+                                    </p:anim>
+                                    <p:anim calcmode="lin" valueType="num">
+                                      <p:cBhvr additive="base">
+                                        <p:cTn id="8" dur="500" fill="hold"/>
+                                        <p:tgtEl>
+                                          <p:spTgt spid="2"/>
+                                        </p:tgtEl>
+                                        <p:attrNameLst>
+                                          <p:attrName>ppt_y</p:attrName>
+                                        </p:attrNameLst>
+                                      </p:cBhvr>
+                                      <p:tavLst>
+                                        <p:tav tm="0">
+                                          <p:val>
+                                            <p:strVal val="0-#ppt_h/2"/>
+                                          </p:val>
+                                        </p:tav>
+                                        <p:tav tm="100000">
+                                          <p:val>
+                                            <p:strVal val="#ppt_y"/>
+                                          </p:val>
+                                        </p:tav>
+                                      </p:tavLst>
+                                    </p:anim>
+                                  </p:childTnLst>
+                                </p:cTn>
+                              </p:par>
+                            </p:childTnLst>
+                          </p:cTn>
+                        </p:par>
+                      </p:childTnLst>
+                    </p:cTn>
+                  </p:par>
+                  <p:par>
+                    <p:cTn id="9" fill="hold">
+                      <p:stCondLst>
+                        <p:cond delay="indefinite"/>
+                      </p:stCondLst>
+                      <p:childTnLst>
+                        <p:par>
+                          <p:cTn id="10" fill="hold">
+                            <p:stCondLst>
+                              <p:cond delay="0"/>
+                            </p:stCondLst>
+                            <p:childTnLst>
+                              <p:par>
+                                <p:cTn id="11" presetID="2" presetClass="entr" presetSubtype="4" fill="hold" grpId="0" nodeType="clickEffect">
+                                  <p:stCondLst>
+                                    <p:cond delay="0"/>
+                                  </p:stCondLst>
+                                  <p:childTnLst>
+                                    <p:set>
+                                      <p:cBhvr>
+                                        <p:cTn id="12" dur="1" fill="hold">
                                           <p:stCondLst>
                                             <p:cond delay="0"/>
                                           </p:stCondLst>
@@ -6408,54 +10842,8 @@
                                       </p:to>
                                     </p:set>
                                     <p:anim calcmode="lin" valueType="num">
-                                      <p:cBhvr>
-                                        <p:cTn id="7" dur="500" fill="hold"/>
-                                        <p:tgtEl>
-                                          <p:spTgt spid="3"/>
-                                        </p:tgtEl>
-                                        <p:attrNameLst>
-                                          <p:attrName>ppt_w</p:attrName>
-                                        </p:attrNameLst>
-                                      </p:cBhvr>
-                                      <p:tavLst>
-                                        <p:tav tm="0">
-                                          <p:val>
-                                            <p:fltVal val="0"/>
-                                          </p:val>
-                                        </p:tav>
-                                        <p:tav tm="100000">
-                                          <p:val>
-                                            <p:strVal val="#ppt_w"/>
-                                          </p:val>
-                                        </p:tav>
-                                      </p:tavLst>
-                                    </p:anim>
-                                    <p:anim calcmode="lin" valueType="num">
-                                      <p:cBhvr>
-                                        <p:cTn id="8" dur="500" fill="hold"/>
-                                        <p:tgtEl>
-                                          <p:spTgt spid="3"/>
-                                        </p:tgtEl>
-                                        <p:attrNameLst>
-                                          <p:attrName>ppt_h</p:attrName>
-                                        </p:attrNameLst>
-                                      </p:cBhvr>
-                                      <p:tavLst>
-                                        <p:tav tm="0">
-                                          <p:val>
-                                            <p:fltVal val="0"/>
-                                          </p:val>
-                                        </p:tav>
-                                        <p:tav tm="100000">
-                                          <p:val>
-                                            <p:strVal val="#ppt_h"/>
-                                          </p:val>
-                                        </p:tav>
-                                      </p:tavLst>
-                                    </p:anim>
-                                    <p:anim calcmode="lin" valueType="num">
-                                      <p:cBhvr>
-                                        <p:cTn id="9" dur="500" fill="hold"/>
+                                      <p:cBhvr additive="base">
+                                        <p:cTn id="13" dur="500" fill="hold"/>
                                         <p:tgtEl>
                                           <p:spTgt spid="3"/>
                                         </p:tgtEl>
@@ -6466,7 +10854,7 @@
                                       <p:tavLst>
                                         <p:tav tm="0">
                                           <p:val>
-                                            <p:fltVal val="0.5"/>
+                                            <p:strVal val="#ppt_x"/>
                                           </p:val>
                                         </p:tav>
                                         <p:tav tm="100000">
@@ -6477,8 +10865,8 @@
                                       </p:tavLst>
                                     </p:anim>
                                     <p:anim calcmode="lin" valueType="num">
-                                      <p:cBhvr>
-                                        <p:cTn id="10" dur="500" fill="hold"/>
+                                      <p:cBhvr additive="base">
+                                        <p:cTn id="14" dur="500" fill="hold"/>
                                         <p:tgtEl>
                                           <p:spTgt spid="3"/>
                                         </p:tgtEl>
@@ -6489,7 +10877,7 @@
                                       <p:tavLst>
                                         <p:tav tm="0">
                                           <p:val>
-                                            <p:fltVal val="0.5"/>
+                                            <p:strVal val="1+#ppt_h/2"/>
                                           </p:val>
                                         </p:tav>
                                         <p:tav tm="100000">
@@ -6530,6 +10918,1514 @@
       </p:par>
     </p:tnLst>
     <p:bldLst>
+      <p:bldP spid="2" grpId="0" autoUpdateAnimBg="0"/>
+      <p:bldP spid="3" grpId="0" autoUpdateAnimBg="0"/>
+    </p:bldLst>
+  </p:timing>
+</p:sld>
+</file>
+
+<file path=ppt/slides/slide8.xml><?xml version="1.0" encoding="utf-8"?>
+<p:sld xmlns:a="http://schemas.openxmlformats.org/drawingml/2006/main" xmlns:r="http://schemas.openxmlformats.org/officeDocument/2006/relationships" xmlns:p="http://schemas.openxmlformats.org/presentationml/2006/main" showMasterPhAnim="0">
+  <p:cSld>
+    <p:bg>
+      <p:bgPr>
+        <a:solidFill>
+          <a:schemeClr val="bg1"/>
+        </a:solidFill>
+        <a:effectLst/>
+      </p:bgPr>
+    </p:bg>
+    <p:spTree>
+      <p:nvGrpSpPr>
+        <p:cNvPr id="1" name=""/>
+        <p:cNvGrpSpPr/>
+        <p:nvPr/>
+      </p:nvGrpSpPr>
+      <p:grpSpPr>
+        <a:xfrm>
+          <a:off x="0" y="0"/>
+          <a:ext cx="0" cy="0"/>
+          <a:chOff x="0" y="0"/>
+          <a:chExt cx="0" cy="0"/>
+        </a:xfrm>
+      </p:grpSpPr>
+      <p:grpSp>
+        <p:nvGrpSpPr>
+          <p:cNvPr id="10" name="Group 9">
+            <a:extLst>
+              <a:ext uri="{FF2B5EF4-FFF2-40B4-BE49-F238E27FC236}">
+                <a16:creationId xmlns:a16="http://schemas.microsoft.com/office/drawing/2014/main" id="{114ED94A-C85D-4CD3-4205-438D21CE6B38}"/>
+              </a:ext>
+              <a:ext uri="{C183D7F6-B498-43B3-948B-1728B52AA6E4}">
+                <adec:decorative xmlns:adec="http://schemas.microsoft.com/office/drawing/2017/decorative" val="1"/>
+              </a:ext>
+            </a:extLst>
+          </p:cNvPr>
+          <p:cNvGrpSpPr>
+            <a:grpSpLocks noGrp="1" noUngrp="1" noRot="1" noChangeAspect="1" noMove="1" noResize="1"/>
+          </p:cNvGrpSpPr>
+          <p:nvPr>
+            <p:extLst>
+              <p:ext uri="{386F3935-93C4-4BCD-93E2-E3B085C9AB24}">
+                <p16:designElem xmlns:p16="http://schemas.microsoft.com/office/powerpoint/2015/main" val="1"/>
+              </p:ext>
+            </p:extLst>
+          </p:nvPr>
+        </p:nvGrpSpPr>
+        <p:grpSpPr>
+          <a:xfrm>
+            <a:off x="-19217" y="-1"/>
+            <a:ext cx="5213267" cy="6883030"/>
+            <a:chOff x="-19217" y="-1"/>
+            <a:chExt cx="5213267" cy="6883030"/>
+          </a:xfrm>
+        </p:grpSpPr>
+        <p:sp>
+          <p:nvSpPr>
+            <p:cNvPr id="11" name="Rectangle 10">
+              <a:extLst>
+                <a:ext uri="{FF2B5EF4-FFF2-40B4-BE49-F238E27FC236}">
+                  <a16:creationId xmlns:a16="http://schemas.microsoft.com/office/drawing/2014/main" id="{E642BDB2-BF67-1D53-1C70-0B41D709E485}"/>
+                </a:ext>
+                <a:ext uri="{C183D7F6-B498-43B3-948B-1728B52AA6E4}">
+                  <adec:decorative xmlns:adec="http://schemas.microsoft.com/office/drawing/2017/decorative" val="1"/>
+                </a:ext>
+              </a:extLst>
+            </p:cNvPr>
+            <p:cNvSpPr/>
+            <p:nvPr>
+              <p:extLst>
+                <p:ext uri="{386F3935-93C4-4BCD-93E2-E3B085C9AB24}">
+                  <p16:designElem xmlns:p16="http://schemas.microsoft.com/office/powerpoint/2015/main" val="1"/>
+                </p:ext>
+              </p:extLst>
+            </p:nvPr>
+          </p:nvSpPr>
+          <p:spPr>
+            <a:xfrm>
+              <a:off x="-19206" y="0"/>
+              <a:ext cx="5204956" cy="6883029"/>
+            </a:xfrm>
+            <a:prstGeom prst="rect">
+              <a:avLst/>
+            </a:prstGeom>
+            <a:gradFill>
+              <a:gsLst>
+                <a:gs pos="7000">
+                  <a:schemeClr val="accent2"/>
+                </a:gs>
+                <a:gs pos="100000">
+                  <a:schemeClr val="accent5"/>
+                </a:gs>
+              </a:gsLst>
+              <a:lin ang="4200000" scaled="0"/>
+            </a:gradFill>
+            <a:ln>
+              <a:noFill/>
+            </a:ln>
+          </p:spPr>
+          <p:style>
+            <a:lnRef idx="2">
+              <a:schemeClr val="accent1">
+                <a:shade val="50000"/>
+              </a:schemeClr>
+            </a:lnRef>
+            <a:fillRef idx="1">
+              <a:schemeClr val="accent1"/>
+            </a:fillRef>
+            <a:effectRef idx="0">
+              <a:schemeClr val="accent1"/>
+            </a:effectRef>
+            <a:fontRef idx="minor">
+              <a:schemeClr val="lt1"/>
+            </a:fontRef>
+          </p:style>
+          <p:txBody>
+            <a:bodyPr rtlCol="0" anchor="ctr"/>
+            <a:lstStyle/>
+            <a:p>
+              <a:pPr algn="ctr"/>
+              <a:endParaRPr lang="en-US"/>
+            </a:p>
+          </p:txBody>
+        </p:sp>
+        <p:sp>
+          <p:nvSpPr>
+            <p:cNvPr id="12" name="Rectangle 11">
+              <a:extLst>
+                <a:ext uri="{FF2B5EF4-FFF2-40B4-BE49-F238E27FC236}">
+                  <a16:creationId xmlns:a16="http://schemas.microsoft.com/office/drawing/2014/main" id="{58E0D8CE-5DBF-B664-EB48-C29BF8AB48E1}"/>
+                </a:ext>
+                <a:ext uri="{C183D7F6-B498-43B3-948B-1728B52AA6E4}">
+                  <adec:decorative xmlns:adec="http://schemas.microsoft.com/office/drawing/2017/decorative" val="1"/>
+                </a:ext>
+              </a:extLst>
+            </p:cNvPr>
+            <p:cNvSpPr/>
+            <p:nvPr>
+              <p:extLst>
+                <p:ext uri="{386F3935-93C4-4BCD-93E2-E3B085C9AB24}">
+                  <p16:designElem xmlns:p16="http://schemas.microsoft.com/office/powerpoint/2015/main" val="1"/>
+                </p:ext>
+              </p:extLst>
+            </p:nvPr>
+          </p:nvSpPr>
+          <p:spPr>
+            <a:xfrm rot="10800000">
+              <a:off x="-19217" y="1731909"/>
+              <a:ext cx="5204963" cy="5144400"/>
+            </a:xfrm>
+            <a:prstGeom prst="rect">
+              <a:avLst/>
+            </a:prstGeom>
+            <a:gradFill flip="none" rotWithShape="1">
+              <a:gsLst>
+                <a:gs pos="0">
+                  <a:schemeClr val="accent5">
+                    <a:lumMod val="75000"/>
+                  </a:schemeClr>
+                </a:gs>
+                <a:gs pos="60000">
+                  <a:schemeClr val="accent5">
+                    <a:lumMod val="60000"/>
+                    <a:lumOff val="40000"/>
+                    <a:alpha val="0"/>
+                  </a:schemeClr>
+                </a:gs>
+              </a:gsLst>
+              <a:path path="circle">
+                <a:fillToRect r="100000" b="100000"/>
+              </a:path>
+              <a:tileRect l="-100000" t="-100000"/>
+            </a:gradFill>
+            <a:ln w="12700" cap="flat" cmpd="sng" algn="ctr">
+              <a:noFill/>
+              <a:prstDash val="solid"/>
+              <a:miter lim="800000"/>
+            </a:ln>
+            <a:effectLst/>
+          </p:spPr>
+          <p:style>
+            <a:lnRef idx="2">
+              <a:schemeClr val="accent1">
+                <a:shade val="50000"/>
+              </a:schemeClr>
+            </a:lnRef>
+            <a:fillRef idx="1">
+              <a:schemeClr val="accent1"/>
+            </a:fillRef>
+            <a:effectRef idx="0">
+              <a:schemeClr val="accent1"/>
+            </a:effectRef>
+            <a:fontRef idx="minor">
+              <a:schemeClr val="lt1"/>
+            </a:fontRef>
+          </p:style>
+          <p:txBody>
+            <a:bodyPr rtlCol="0" anchor="ctr"/>
+            <a:lstStyle/>
+            <a:p>
+              <a:pPr algn="r"/>
+              <a:endParaRPr lang="en-US"/>
+            </a:p>
+          </p:txBody>
+        </p:sp>
+        <p:sp>
+          <p:nvSpPr>
+            <p:cNvPr id="13" name="Rectangle 12">
+              <a:extLst>
+                <a:ext uri="{FF2B5EF4-FFF2-40B4-BE49-F238E27FC236}">
+                  <a16:creationId xmlns:a16="http://schemas.microsoft.com/office/drawing/2014/main" id="{DFD140CE-7DE2-C88F-5EAE-F45EB69E6A89}"/>
+                </a:ext>
+                <a:ext uri="{C183D7F6-B498-43B3-948B-1728B52AA6E4}">
+                  <adec:decorative xmlns:adec="http://schemas.microsoft.com/office/drawing/2017/decorative" val="1"/>
+                </a:ext>
+              </a:extLst>
+            </p:cNvPr>
+            <p:cNvSpPr/>
+            <p:nvPr>
+              <p:extLst>
+                <p:ext uri="{386F3935-93C4-4BCD-93E2-E3B085C9AB24}">
+                  <p16:designElem xmlns:p16="http://schemas.microsoft.com/office/powerpoint/2015/main" val="1"/>
+                </p:ext>
+              </p:extLst>
+            </p:nvPr>
+          </p:nvSpPr>
+          <p:spPr>
+            <a:xfrm>
+              <a:off x="-19210" y="6723"/>
+              <a:ext cx="3834567" cy="6876300"/>
+            </a:xfrm>
+            <a:prstGeom prst="rect">
+              <a:avLst/>
+            </a:prstGeom>
+            <a:gradFill flip="none" rotWithShape="1">
+              <a:gsLst>
+                <a:gs pos="3000">
+                  <a:schemeClr val="accent2">
+                    <a:lumMod val="60000"/>
+                    <a:lumOff val="40000"/>
+                    <a:alpha val="78000"/>
+                  </a:schemeClr>
+                </a:gs>
+                <a:gs pos="42000">
+                  <a:schemeClr val="accent2">
+                    <a:alpha val="0"/>
+                  </a:schemeClr>
+                </a:gs>
+              </a:gsLst>
+              <a:lin ang="3000000" scaled="0"/>
+              <a:tileRect/>
+            </a:gradFill>
+            <a:ln>
+              <a:noFill/>
+            </a:ln>
+          </p:spPr>
+          <p:style>
+            <a:lnRef idx="2">
+              <a:schemeClr val="accent1">
+                <a:shade val="50000"/>
+              </a:schemeClr>
+            </a:lnRef>
+            <a:fillRef idx="1">
+              <a:schemeClr val="accent1"/>
+            </a:fillRef>
+            <a:effectRef idx="0">
+              <a:schemeClr val="accent1"/>
+            </a:effectRef>
+            <a:fontRef idx="minor">
+              <a:schemeClr val="lt1"/>
+            </a:fontRef>
+          </p:style>
+          <p:txBody>
+            <a:bodyPr rtlCol="0" anchor="ctr"/>
+            <a:lstStyle/>
+            <a:p>
+              <a:pPr algn="ctr"/>
+              <a:endParaRPr lang="en-US"/>
+            </a:p>
+          </p:txBody>
+        </p:sp>
+        <p:sp>
+          <p:nvSpPr>
+            <p:cNvPr id="14" name="Rectangle 13">
+              <a:extLst>
+                <a:ext uri="{FF2B5EF4-FFF2-40B4-BE49-F238E27FC236}">
+                  <a16:creationId xmlns:a16="http://schemas.microsoft.com/office/drawing/2014/main" id="{557E87E3-413F-10EF-63D8-6016E986C966}"/>
+                </a:ext>
+                <a:ext uri="{C183D7F6-B498-43B3-948B-1728B52AA6E4}">
+                  <adec:decorative xmlns:adec="http://schemas.microsoft.com/office/drawing/2017/decorative" val="1"/>
+                </a:ext>
+              </a:extLst>
+            </p:cNvPr>
+            <p:cNvSpPr/>
+            <p:nvPr>
+              <p:extLst>
+                <p:ext uri="{386F3935-93C4-4BCD-93E2-E3B085C9AB24}">
+                  <p16:designElem xmlns:p16="http://schemas.microsoft.com/office/powerpoint/2015/main" val="1"/>
+                </p:ext>
+              </p:extLst>
+            </p:nvPr>
+          </p:nvSpPr>
+          <p:spPr>
+            <a:xfrm rot="16200000">
+              <a:off x="-844601" y="833689"/>
+              <a:ext cx="6872341" cy="5204961"/>
+            </a:xfrm>
+            <a:prstGeom prst="rect">
+              <a:avLst/>
+            </a:prstGeom>
+            <a:gradFill>
+              <a:gsLst>
+                <a:gs pos="0">
+                  <a:schemeClr val="accent5">
+                    <a:alpha val="86000"/>
+                  </a:schemeClr>
+                </a:gs>
+                <a:gs pos="57000">
+                  <a:schemeClr val="accent2">
+                    <a:alpha val="0"/>
+                  </a:schemeClr>
+                </a:gs>
+              </a:gsLst>
+              <a:lin ang="13800000" scaled="0"/>
+            </a:gradFill>
+            <a:ln>
+              <a:noFill/>
+            </a:ln>
+          </p:spPr>
+          <p:style>
+            <a:lnRef idx="2">
+              <a:schemeClr val="accent1">
+                <a:shade val="50000"/>
+              </a:schemeClr>
+            </a:lnRef>
+            <a:fillRef idx="1">
+              <a:schemeClr val="accent1"/>
+            </a:fillRef>
+            <a:effectRef idx="0">
+              <a:schemeClr val="accent1"/>
+            </a:effectRef>
+            <a:fontRef idx="minor">
+              <a:schemeClr val="lt1"/>
+            </a:fontRef>
+          </p:style>
+          <p:txBody>
+            <a:bodyPr rtlCol="0" anchor="ctr"/>
+            <a:lstStyle/>
+            <a:p>
+              <a:pPr algn="ctr"/>
+              <a:endParaRPr lang="en-US"/>
+            </a:p>
+          </p:txBody>
+        </p:sp>
+      </p:grpSp>
+      <p:sp>
+        <p:nvSpPr>
+          <p:cNvPr id="2" name="Title 1">
+            <a:extLst>
+              <a:ext uri="{FF2B5EF4-FFF2-40B4-BE49-F238E27FC236}">
+                <a16:creationId xmlns:a16="http://schemas.microsoft.com/office/drawing/2014/main" id="{50333C52-FF48-DB5F-B714-CB1B33A1E9BE}"/>
+              </a:ext>
+            </a:extLst>
+          </p:cNvPr>
+          <p:cNvSpPr>
+            <a:spLocks noGrp="1"/>
+          </p:cNvSpPr>
+          <p:nvPr>
+            <p:ph type="title"/>
+          </p:nvPr>
+        </p:nvSpPr>
+        <p:spPr>
+          <a:xfrm>
+            <a:off x="755484" y="739835"/>
+            <a:ext cx="3702580" cy="1616203"/>
+          </a:xfrm>
+        </p:spPr>
+        <p:txBody>
+          <a:bodyPr anchor="b">
+            <a:normAutofit/>
+          </a:bodyPr>
+          <a:lstStyle/>
+          <a:p>
+            <a:r>
+              <a:rPr lang="en-US" sz="3200">
+                <a:solidFill>
+                  <a:srgbClr val="FFFFFF"/>
+                </a:solidFill>
+              </a:rPr>
+              <a:t>Smart Loyalty System ?</a:t>
+            </a:r>
+          </a:p>
+        </p:txBody>
+      </p:sp>
+      <p:sp>
+        <p:nvSpPr>
+          <p:cNvPr id="3" name="Content Placeholder 2">
+            <a:extLst>
+              <a:ext uri="{FF2B5EF4-FFF2-40B4-BE49-F238E27FC236}">
+                <a16:creationId xmlns:a16="http://schemas.microsoft.com/office/drawing/2014/main" id="{1CFFA742-5DFB-B8B4-EF46-CEF168FD69AC}"/>
+              </a:ext>
+            </a:extLst>
+          </p:cNvPr>
+          <p:cNvSpPr>
+            <a:spLocks noGrp="1"/>
+          </p:cNvSpPr>
+          <p:nvPr>
+            <p:ph idx="1"/>
+          </p:nvPr>
+        </p:nvSpPr>
+        <p:spPr>
+          <a:xfrm>
+            <a:off x="755484" y="2459116"/>
+            <a:ext cx="3702579" cy="3524823"/>
+          </a:xfrm>
+        </p:spPr>
+        <p:txBody>
+          <a:bodyPr>
+            <a:normAutofit/>
+          </a:bodyPr>
+          <a:lstStyle/>
+          <a:p>
+            <a:r>
+              <a:rPr lang="en-US" sz="2000">
+                <a:solidFill>
+                  <a:srgbClr val="FFFFFF"/>
+                </a:solidFill>
+              </a:rPr>
+              <a:t>• The Competitive Edge:</a:t>
+            </a:r>
+          </a:p>
+          <a:p>
+            <a:r>
+              <a:rPr lang="en-US" sz="2000">
+                <a:solidFill>
+                  <a:srgbClr val="FFFFFF"/>
+                </a:solidFill>
+              </a:rPr>
+              <a:t>• Spend 1000 EGP = Earn 1000 Points.</a:t>
+            </a:r>
+          </a:p>
+          <a:p>
+            <a:r>
+              <a:rPr lang="en-US" sz="2000">
+                <a:solidFill>
+                  <a:srgbClr val="FFFFFF"/>
+                </a:solidFill>
+              </a:rPr>
+              <a:t>• Redeem: 1000 Points = 100 EGP Off.</a:t>
+            </a:r>
+          </a:p>
+          <a:p>
+            <a:r>
+              <a:rPr lang="en-US" sz="2000">
+                <a:solidFill>
+                  <a:srgbClr val="FFFFFF"/>
+                </a:solidFill>
+              </a:rPr>
+              <a:t>• Seamless integration in Cart (As shown in image).</a:t>
+            </a:r>
+          </a:p>
+        </p:txBody>
+      </p:sp>
+      <p:pic>
+        <p:nvPicPr>
+          <p:cNvPr id="5" name="Picture 4">
+            <a:extLst>
+              <a:ext uri="{FF2B5EF4-FFF2-40B4-BE49-F238E27FC236}">
+                <a16:creationId xmlns:a16="http://schemas.microsoft.com/office/drawing/2014/main" id="{DBA588BE-A546-4AF7-8C42-9A773E428DC0}"/>
+              </a:ext>
+            </a:extLst>
+          </p:cNvPr>
+          <p:cNvPicPr>
+            <a:picLocks/>
+          </p:cNvPicPr>
+          <p:nvPr/>
+        </p:nvPicPr>
+        <p:blipFill>
+          <a:blip r:embed="rId2">
+            <a:extLst>
+              <a:ext uri="{28A0092B-C50C-407E-A947-70E740481C1C}">
+                <a14:useLocalDpi xmlns:a14="http://schemas.microsoft.com/office/drawing/2010/main" val="0"/>
+              </a:ext>
+            </a:extLst>
+          </a:blip>
+          <a:stretch>
+            <a:fillRect/>
+          </a:stretch>
+        </p:blipFill>
+        <p:spPr>
+          <a:xfrm>
+            <a:off x="6005304" y="2239459"/>
+            <a:ext cx="5407002" cy="2379080"/>
+          </a:xfrm>
+          <a:prstGeom prst="rect">
+            <a:avLst/>
+          </a:prstGeom>
+        </p:spPr>
+      </p:pic>
+    </p:spTree>
+    <p:extLst>
+      <p:ext uri="{BB962C8B-B14F-4D97-AF65-F5344CB8AC3E}">
+        <p14:creationId xmlns:p14="http://schemas.microsoft.com/office/powerpoint/2010/main" val="1792674400"/>
+      </p:ext>
+    </p:extLst>
+  </p:cSld>
+  <p:clrMapOvr>
+    <a:masterClrMapping/>
+  </p:clrMapOvr>
+  <mc:AlternateContent xmlns:mc="http://schemas.openxmlformats.org/markup-compatibility/2006" xmlns:p159="http://schemas.microsoft.com/office/powerpoint/2015/09/main">
+    <mc:Choice Requires="p159">
+      <p:transition xmlns:p14="http://schemas.microsoft.com/office/powerpoint/2010/main" spd="slow" p14:dur="2000">
+        <p159:morph option="byObject"/>
+      </p:transition>
+    </mc:Choice>
+    <mc:Fallback xmlns="">
+      <p:transition spd="slow">
+        <p:fade/>
+      </p:transition>
+    </mc:Fallback>
+  </mc:AlternateContent>
+  <p:timing>
+    <p:tnLst>
+      <p:par>
+        <p:cTn id="1" dur="indefinite" restart="never" nodeType="tmRoot">
+          <p:childTnLst>
+            <p:seq concurrent="1" nextAc="seek">
+              <p:cTn id="2" dur="indefinite" nodeType="mainSeq">
+                <p:childTnLst>
+                  <p:par>
+                    <p:cTn id="3" fill="hold">
+                      <p:stCondLst>
+                        <p:cond delay="indefinite"/>
+                      </p:stCondLst>
+                      <p:childTnLst>
+                        <p:par>
+                          <p:cTn id="4" fill="hold">
+                            <p:stCondLst>
+                              <p:cond delay="0"/>
+                            </p:stCondLst>
+                            <p:childTnLst>
+                              <p:par>
+                                <p:cTn id="5" presetID="2" presetClass="entr" presetSubtype="1" fill="hold" grpId="0" nodeType="clickEffect">
+                                  <p:stCondLst>
+                                    <p:cond delay="0"/>
+                                  </p:stCondLst>
+                                  <p:childTnLst>
+                                    <p:set>
+                                      <p:cBhvr>
+                                        <p:cTn id="6" dur="1" fill="hold">
+                                          <p:stCondLst>
+                                            <p:cond delay="0"/>
+                                          </p:stCondLst>
+                                        </p:cTn>
+                                        <p:tgtEl>
+                                          <p:spTgt spid="2"/>
+                                        </p:tgtEl>
+                                        <p:attrNameLst>
+                                          <p:attrName>style.visibility</p:attrName>
+                                        </p:attrNameLst>
+                                      </p:cBhvr>
+                                      <p:to>
+                                        <p:strVal val="visible"/>
+                                      </p:to>
+                                    </p:set>
+                                    <p:anim calcmode="lin" valueType="num">
+                                      <p:cBhvr additive="base">
+                                        <p:cTn id="7" dur="500" fill="hold"/>
+                                        <p:tgtEl>
+                                          <p:spTgt spid="2"/>
+                                        </p:tgtEl>
+                                        <p:attrNameLst>
+                                          <p:attrName>ppt_x</p:attrName>
+                                        </p:attrNameLst>
+                                      </p:cBhvr>
+                                      <p:tavLst>
+                                        <p:tav tm="0">
+                                          <p:val>
+                                            <p:strVal val="#ppt_x"/>
+                                          </p:val>
+                                        </p:tav>
+                                        <p:tav tm="100000">
+                                          <p:val>
+                                            <p:strVal val="#ppt_x"/>
+                                          </p:val>
+                                        </p:tav>
+                                      </p:tavLst>
+                                    </p:anim>
+                                    <p:anim calcmode="lin" valueType="num">
+                                      <p:cBhvr additive="base">
+                                        <p:cTn id="8" dur="500" fill="hold"/>
+                                        <p:tgtEl>
+                                          <p:spTgt spid="2"/>
+                                        </p:tgtEl>
+                                        <p:attrNameLst>
+                                          <p:attrName>ppt_y</p:attrName>
+                                        </p:attrNameLst>
+                                      </p:cBhvr>
+                                      <p:tavLst>
+                                        <p:tav tm="0">
+                                          <p:val>
+                                            <p:strVal val="0-#ppt_h/2"/>
+                                          </p:val>
+                                        </p:tav>
+                                        <p:tav tm="100000">
+                                          <p:val>
+                                            <p:strVal val="#ppt_y"/>
+                                          </p:val>
+                                        </p:tav>
+                                      </p:tavLst>
+                                    </p:anim>
+                                  </p:childTnLst>
+                                </p:cTn>
+                              </p:par>
+                            </p:childTnLst>
+                          </p:cTn>
+                        </p:par>
+                      </p:childTnLst>
+                    </p:cTn>
+                  </p:par>
+                  <p:par>
+                    <p:cTn id="9" fill="hold">
+                      <p:stCondLst>
+                        <p:cond delay="indefinite"/>
+                      </p:stCondLst>
+                      <p:childTnLst>
+                        <p:par>
+                          <p:cTn id="10" fill="hold">
+                            <p:stCondLst>
+                              <p:cond delay="0"/>
+                            </p:stCondLst>
+                            <p:childTnLst>
+                              <p:par>
+                                <p:cTn id="11" presetID="2" presetClass="entr" presetSubtype="4" fill="hold" grpId="0" nodeType="clickEffect">
+                                  <p:stCondLst>
+                                    <p:cond delay="0"/>
+                                  </p:stCondLst>
+                                  <p:childTnLst>
+                                    <p:set>
+                                      <p:cBhvr>
+                                        <p:cTn id="12" dur="1" fill="hold">
+                                          <p:stCondLst>
+                                            <p:cond delay="0"/>
+                                          </p:stCondLst>
+                                        </p:cTn>
+                                        <p:tgtEl>
+                                          <p:spTgt spid="3"/>
+                                        </p:tgtEl>
+                                        <p:attrNameLst>
+                                          <p:attrName>style.visibility</p:attrName>
+                                        </p:attrNameLst>
+                                      </p:cBhvr>
+                                      <p:to>
+                                        <p:strVal val="visible"/>
+                                      </p:to>
+                                    </p:set>
+                                    <p:anim calcmode="lin" valueType="num">
+                                      <p:cBhvr additive="base">
+                                        <p:cTn id="13" dur="500" fill="hold"/>
+                                        <p:tgtEl>
+                                          <p:spTgt spid="3"/>
+                                        </p:tgtEl>
+                                        <p:attrNameLst>
+                                          <p:attrName>ppt_x</p:attrName>
+                                        </p:attrNameLst>
+                                      </p:cBhvr>
+                                      <p:tavLst>
+                                        <p:tav tm="0">
+                                          <p:val>
+                                            <p:strVal val="#ppt_x"/>
+                                          </p:val>
+                                        </p:tav>
+                                        <p:tav tm="100000">
+                                          <p:val>
+                                            <p:strVal val="#ppt_x"/>
+                                          </p:val>
+                                        </p:tav>
+                                      </p:tavLst>
+                                    </p:anim>
+                                    <p:anim calcmode="lin" valueType="num">
+                                      <p:cBhvr additive="base">
+                                        <p:cTn id="14" dur="500" fill="hold"/>
+                                        <p:tgtEl>
+                                          <p:spTgt spid="3"/>
+                                        </p:tgtEl>
+                                        <p:attrNameLst>
+                                          <p:attrName>ppt_y</p:attrName>
+                                        </p:attrNameLst>
+                                      </p:cBhvr>
+                                      <p:tavLst>
+                                        <p:tav tm="0">
+                                          <p:val>
+                                            <p:strVal val="1+#ppt_h/2"/>
+                                          </p:val>
+                                        </p:tav>
+                                        <p:tav tm="100000">
+                                          <p:val>
+                                            <p:strVal val="#ppt_y"/>
+                                          </p:val>
+                                        </p:tav>
+                                      </p:tavLst>
+                                    </p:anim>
+                                  </p:childTnLst>
+                                </p:cTn>
+                              </p:par>
+                            </p:childTnLst>
+                          </p:cTn>
+                        </p:par>
+                      </p:childTnLst>
+                    </p:cTn>
+                  </p:par>
+                </p:childTnLst>
+              </p:cTn>
+              <p:prevCondLst>
+                <p:cond evt="onPrev" delay="0">
+                  <p:tgtEl>
+                    <p:sldTgt/>
+                  </p:tgtEl>
+                </p:cond>
+              </p:prevCondLst>
+              <p:nextCondLst>
+                <p:cond evt="onNext" delay="0">
+                  <p:tgtEl>
+                    <p:sldTgt/>
+                  </p:tgtEl>
+                </p:cond>
+              </p:nextCondLst>
+            </p:seq>
+          </p:childTnLst>
+        </p:cTn>
+      </p:par>
+    </p:tnLst>
+    <p:bldLst>
+      <p:bldP spid="2" grpId="0" autoUpdateAnimBg="0"/>
+      <p:bldP spid="3" grpId="0" autoUpdateAnimBg="0"/>
+    </p:bldLst>
+  </p:timing>
+</p:sld>
+</file>
+
+<file path=ppt/slides/slide9.xml><?xml version="1.0" encoding="utf-8"?>
+<p:sld xmlns:a="http://schemas.openxmlformats.org/drawingml/2006/main" xmlns:r="http://schemas.openxmlformats.org/officeDocument/2006/relationships" xmlns:p="http://schemas.openxmlformats.org/presentationml/2006/main" showMasterPhAnim="0">
+  <p:cSld>
+    <p:bg>
+      <p:bgPr>
+        <a:solidFill>
+          <a:schemeClr val="bg1"/>
+        </a:solidFill>
+        <a:effectLst/>
+      </p:bgPr>
+    </p:bg>
+    <p:spTree>
+      <p:nvGrpSpPr>
+        <p:cNvPr id="1" name="">
+          <a:extLst>
+            <a:ext uri="{FF2B5EF4-FFF2-40B4-BE49-F238E27FC236}">
+              <a16:creationId xmlns:a16="http://schemas.microsoft.com/office/drawing/2014/main" id="{0BB306C7-35AE-F0AD-0B36-4A52C7AF268F}"/>
+            </a:ext>
+          </a:extLst>
+        </p:cNvPr>
+        <p:cNvGrpSpPr/>
+        <p:nvPr/>
+      </p:nvGrpSpPr>
+      <p:grpSpPr>
+        <a:xfrm>
+          <a:off x="0" y="0"/>
+          <a:ext cx="0" cy="0"/>
+          <a:chOff x="0" y="0"/>
+          <a:chExt cx="0" cy="0"/>
+        </a:xfrm>
+      </p:grpSpPr>
+      <p:grpSp>
+        <p:nvGrpSpPr>
+          <p:cNvPr id="18" name="Group 17">
+            <a:extLst>
+              <a:ext uri="{FF2B5EF4-FFF2-40B4-BE49-F238E27FC236}">
+                <a16:creationId xmlns:a16="http://schemas.microsoft.com/office/drawing/2014/main" id="{114ED94A-C85D-4CD3-4205-438D21CE6B38}"/>
+              </a:ext>
+              <a:ext uri="{C183D7F6-B498-43B3-948B-1728B52AA6E4}">
+                <adec:decorative xmlns:adec="http://schemas.microsoft.com/office/drawing/2017/decorative" val="1"/>
+              </a:ext>
+            </a:extLst>
+          </p:cNvPr>
+          <p:cNvGrpSpPr>
+            <a:grpSpLocks noGrp="1" noUngrp="1" noRot="1" noChangeAspect="1" noMove="1" noResize="1"/>
+          </p:cNvGrpSpPr>
+          <p:nvPr>
+            <p:extLst>
+              <p:ext uri="{386F3935-93C4-4BCD-93E2-E3B085C9AB24}">
+                <p16:designElem xmlns:p16="http://schemas.microsoft.com/office/powerpoint/2015/main" val="1"/>
+              </p:ext>
+            </p:extLst>
+          </p:nvPr>
+        </p:nvGrpSpPr>
+        <p:grpSpPr>
+          <a:xfrm>
+            <a:off x="-19217" y="-1"/>
+            <a:ext cx="5213267" cy="6883030"/>
+            <a:chOff x="-19217" y="-1"/>
+            <a:chExt cx="5213267" cy="6883030"/>
+          </a:xfrm>
+        </p:grpSpPr>
+        <p:sp>
+          <p:nvSpPr>
+            <p:cNvPr id="19" name="Rectangle 18">
+              <a:extLst>
+                <a:ext uri="{FF2B5EF4-FFF2-40B4-BE49-F238E27FC236}">
+                  <a16:creationId xmlns:a16="http://schemas.microsoft.com/office/drawing/2014/main" id="{E642BDB2-BF67-1D53-1C70-0B41D709E485}"/>
+                </a:ext>
+                <a:ext uri="{C183D7F6-B498-43B3-948B-1728B52AA6E4}">
+                  <adec:decorative xmlns:adec="http://schemas.microsoft.com/office/drawing/2017/decorative" val="1"/>
+                </a:ext>
+              </a:extLst>
+            </p:cNvPr>
+            <p:cNvSpPr/>
+            <p:nvPr>
+              <p:extLst>
+                <p:ext uri="{386F3935-93C4-4BCD-93E2-E3B085C9AB24}">
+                  <p16:designElem xmlns:p16="http://schemas.microsoft.com/office/powerpoint/2015/main" val="1"/>
+                </p:ext>
+              </p:extLst>
+            </p:nvPr>
+          </p:nvSpPr>
+          <p:spPr>
+            <a:xfrm>
+              <a:off x="-19206" y="0"/>
+              <a:ext cx="5204956" cy="6883029"/>
+            </a:xfrm>
+            <a:prstGeom prst="rect">
+              <a:avLst/>
+            </a:prstGeom>
+            <a:gradFill>
+              <a:gsLst>
+                <a:gs pos="7000">
+                  <a:schemeClr val="accent2"/>
+                </a:gs>
+                <a:gs pos="100000">
+                  <a:schemeClr val="accent5"/>
+                </a:gs>
+              </a:gsLst>
+              <a:lin ang="4200000" scaled="0"/>
+            </a:gradFill>
+            <a:ln>
+              <a:noFill/>
+            </a:ln>
+          </p:spPr>
+          <p:style>
+            <a:lnRef idx="2">
+              <a:schemeClr val="accent1">
+                <a:shade val="50000"/>
+              </a:schemeClr>
+            </a:lnRef>
+            <a:fillRef idx="1">
+              <a:schemeClr val="accent1"/>
+            </a:fillRef>
+            <a:effectRef idx="0">
+              <a:schemeClr val="accent1"/>
+            </a:effectRef>
+            <a:fontRef idx="minor">
+              <a:schemeClr val="lt1"/>
+            </a:fontRef>
+          </p:style>
+          <p:txBody>
+            <a:bodyPr rtlCol="0" anchor="ctr"/>
+            <a:lstStyle/>
+            <a:p>
+              <a:pPr algn="ctr"/>
+              <a:endParaRPr lang="en-US"/>
+            </a:p>
+          </p:txBody>
+        </p:sp>
+        <p:sp>
+          <p:nvSpPr>
+            <p:cNvPr id="20" name="Rectangle 19">
+              <a:extLst>
+                <a:ext uri="{FF2B5EF4-FFF2-40B4-BE49-F238E27FC236}">
+                  <a16:creationId xmlns:a16="http://schemas.microsoft.com/office/drawing/2014/main" id="{58E0D8CE-5DBF-B664-EB48-C29BF8AB48E1}"/>
+                </a:ext>
+                <a:ext uri="{C183D7F6-B498-43B3-948B-1728B52AA6E4}">
+                  <adec:decorative xmlns:adec="http://schemas.microsoft.com/office/drawing/2017/decorative" val="1"/>
+                </a:ext>
+              </a:extLst>
+            </p:cNvPr>
+            <p:cNvSpPr/>
+            <p:nvPr>
+              <p:extLst>
+                <p:ext uri="{386F3935-93C4-4BCD-93E2-E3B085C9AB24}">
+                  <p16:designElem xmlns:p16="http://schemas.microsoft.com/office/powerpoint/2015/main" val="1"/>
+                </p:ext>
+              </p:extLst>
+            </p:nvPr>
+          </p:nvSpPr>
+          <p:spPr>
+            <a:xfrm rot="10800000">
+              <a:off x="-19217" y="1731909"/>
+              <a:ext cx="5204963" cy="5144400"/>
+            </a:xfrm>
+            <a:prstGeom prst="rect">
+              <a:avLst/>
+            </a:prstGeom>
+            <a:gradFill flip="none" rotWithShape="1">
+              <a:gsLst>
+                <a:gs pos="0">
+                  <a:schemeClr val="accent5">
+                    <a:lumMod val="75000"/>
+                  </a:schemeClr>
+                </a:gs>
+                <a:gs pos="60000">
+                  <a:schemeClr val="accent5">
+                    <a:lumMod val="60000"/>
+                    <a:lumOff val="40000"/>
+                    <a:alpha val="0"/>
+                  </a:schemeClr>
+                </a:gs>
+              </a:gsLst>
+              <a:path path="circle">
+                <a:fillToRect r="100000" b="100000"/>
+              </a:path>
+              <a:tileRect l="-100000" t="-100000"/>
+            </a:gradFill>
+            <a:ln w="12700" cap="flat" cmpd="sng" algn="ctr">
+              <a:noFill/>
+              <a:prstDash val="solid"/>
+              <a:miter lim="800000"/>
+            </a:ln>
+            <a:effectLst/>
+          </p:spPr>
+          <p:style>
+            <a:lnRef idx="2">
+              <a:schemeClr val="accent1">
+                <a:shade val="50000"/>
+              </a:schemeClr>
+            </a:lnRef>
+            <a:fillRef idx="1">
+              <a:schemeClr val="accent1"/>
+            </a:fillRef>
+            <a:effectRef idx="0">
+              <a:schemeClr val="accent1"/>
+            </a:effectRef>
+            <a:fontRef idx="minor">
+              <a:schemeClr val="lt1"/>
+            </a:fontRef>
+          </p:style>
+          <p:txBody>
+            <a:bodyPr rtlCol="0" anchor="ctr"/>
+            <a:lstStyle/>
+            <a:p>
+              <a:pPr algn="r"/>
+              <a:endParaRPr lang="en-US"/>
+            </a:p>
+          </p:txBody>
+        </p:sp>
+        <p:sp>
+          <p:nvSpPr>
+            <p:cNvPr id="21" name="Rectangle 20">
+              <a:extLst>
+                <a:ext uri="{FF2B5EF4-FFF2-40B4-BE49-F238E27FC236}">
+                  <a16:creationId xmlns:a16="http://schemas.microsoft.com/office/drawing/2014/main" id="{DFD140CE-7DE2-C88F-5EAE-F45EB69E6A89}"/>
+                </a:ext>
+                <a:ext uri="{C183D7F6-B498-43B3-948B-1728B52AA6E4}">
+                  <adec:decorative xmlns:adec="http://schemas.microsoft.com/office/drawing/2017/decorative" val="1"/>
+                </a:ext>
+              </a:extLst>
+            </p:cNvPr>
+            <p:cNvSpPr/>
+            <p:nvPr>
+              <p:extLst>
+                <p:ext uri="{386F3935-93C4-4BCD-93E2-E3B085C9AB24}">
+                  <p16:designElem xmlns:p16="http://schemas.microsoft.com/office/powerpoint/2015/main" val="1"/>
+                </p:ext>
+              </p:extLst>
+            </p:nvPr>
+          </p:nvSpPr>
+          <p:spPr>
+            <a:xfrm>
+              <a:off x="-19210" y="6723"/>
+              <a:ext cx="3834567" cy="6876300"/>
+            </a:xfrm>
+            <a:prstGeom prst="rect">
+              <a:avLst/>
+            </a:prstGeom>
+            <a:gradFill flip="none" rotWithShape="1">
+              <a:gsLst>
+                <a:gs pos="3000">
+                  <a:schemeClr val="accent2">
+                    <a:lumMod val="60000"/>
+                    <a:lumOff val="40000"/>
+                    <a:alpha val="78000"/>
+                  </a:schemeClr>
+                </a:gs>
+                <a:gs pos="42000">
+                  <a:schemeClr val="accent2">
+                    <a:alpha val="0"/>
+                  </a:schemeClr>
+                </a:gs>
+              </a:gsLst>
+              <a:lin ang="3000000" scaled="0"/>
+              <a:tileRect/>
+            </a:gradFill>
+            <a:ln>
+              <a:noFill/>
+            </a:ln>
+          </p:spPr>
+          <p:style>
+            <a:lnRef idx="2">
+              <a:schemeClr val="accent1">
+                <a:shade val="50000"/>
+              </a:schemeClr>
+            </a:lnRef>
+            <a:fillRef idx="1">
+              <a:schemeClr val="accent1"/>
+            </a:fillRef>
+            <a:effectRef idx="0">
+              <a:schemeClr val="accent1"/>
+            </a:effectRef>
+            <a:fontRef idx="minor">
+              <a:schemeClr val="lt1"/>
+            </a:fontRef>
+          </p:style>
+          <p:txBody>
+            <a:bodyPr rtlCol="0" anchor="ctr"/>
+            <a:lstStyle/>
+            <a:p>
+              <a:pPr algn="ctr"/>
+              <a:endParaRPr lang="en-US"/>
+            </a:p>
+          </p:txBody>
+        </p:sp>
+        <p:sp>
+          <p:nvSpPr>
+            <p:cNvPr id="22" name="Rectangle 21">
+              <a:extLst>
+                <a:ext uri="{FF2B5EF4-FFF2-40B4-BE49-F238E27FC236}">
+                  <a16:creationId xmlns:a16="http://schemas.microsoft.com/office/drawing/2014/main" id="{557E87E3-413F-10EF-63D8-6016E986C966}"/>
+                </a:ext>
+                <a:ext uri="{C183D7F6-B498-43B3-948B-1728B52AA6E4}">
+                  <adec:decorative xmlns:adec="http://schemas.microsoft.com/office/drawing/2017/decorative" val="1"/>
+                </a:ext>
+              </a:extLst>
+            </p:cNvPr>
+            <p:cNvSpPr/>
+            <p:nvPr>
+              <p:extLst>
+                <p:ext uri="{386F3935-93C4-4BCD-93E2-E3B085C9AB24}">
+                  <p16:designElem xmlns:p16="http://schemas.microsoft.com/office/powerpoint/2015/main" val="1"/>
+                </p:ext>
+              </p:extLst>
+            </p:nvPr>
+          </p:nvSpPr>
+          <p:spPr>
+            <a:xfrm rot="16200000">
+              <a:off x="-844601" y="833689"/>
+              <a:ext cx="6872341" cy="5204961"/>
+            </a:xfrm>
+            <a:prstGeom prst="rect">
+              <a:avLst/>
+            </a:prstGeom>
+            <a:gradFill>
+              <a:gsLst>
+                <a:gs pos="0">
+                  <a:schemeClr val="accent5">
+                    <a:alpha val="86000"/>
+                  </a:schemeClr>
+                </a:gs>
+                <a:gs pos="57000">
+                  <a:schemeClr val="accent2">
+                    <a:alpha val="0"/>
+                  </a:schemeClr>
+                </a:gs>
+              </a:gsLst>
+              <a:lin ang="13800000" scaled="0"/>
+            </a:gradFill>
+            <a:ln>
+              <a:noFill/>
+            </a:ln>
+          </p:spPr>
+          <p:style>
+            <a:lnRef idx="2">
+              <a:schemeClr val="accent1">
+                <a:shade val="50000"/>
+              </a:schemeClr>
+            </a:lnRef>
+            <a:fillRef idx="1">
+              <a:schemeClr val="accent1"/>
+            </a:fillRef>
+            <a:effectRef idx="0">
+              <a:schemeClr val="accent1"/>
+            </a:effectRef>
+            <a:fontRef idx="minor">
+              <a:schemeClr val="lt1"/>
+            </a:fontRef>
+          </p:style>
+          <p:txBody>
+            <a:bodyPr rtlCol="0" anchor="ctr"/>
+            <a:lstStyle/>
+            <a:p>
+              <a:pPr algn="ctr"/>
+              <a:endParaRPr lang="en-US"/>
+            </a:p>
+          </p:txBody>
+        </p:sp>
+      </p:grpSp>
+      <p:sp>
+        <p:nvSpPr>
+          <p:cNvPr id="2" name="Title 1">
+            <a:extLst>
+              <a:ext uri="{FF2B5EF4-FFF2-40B4-BE49-F238E27FC236}">
+                <a16:creationId xmlns:a16="http://schemas.microsoft.com/office/drawing/2014/main" id="{AF70BF45-29C4-1735-BF49-B8336C1F35DB}"/>
+              </a:ext>
+            </a:extLst>
+          </p:cNvPr>
+          <p:cNvSpPr>
+            <a:spLocks noGrp="1"/>
+          </p:cNvSpPr>
+          <p:nvPr>
+            <p:ph type="title"/>
+          </p:nvPr>
+        </p:nvSpPr>
+        <p:spPr>
+          <a:xfrm>
+            <a:off x="755484" y="739835"/>
+            <a:ext cx="3702580" cy="1616203"/>
+          </a:xfrm>
+        </p:spPr>
+        <p:txBody>
+          <a:bodyPr anchor="b">
+            <a:normAutofit/>
+          </a:bodyPr>
+          <a:lstStyle/>
+          <a:p>
+            <a:r>
+              <a:rPr lang="en-US" sz="3200" dirty="0">
+                <a:solidFill>
+                  <a:srgbClr val="FFFFFF"/>
+                </a:solidFill>
+              </a:rPr>
+              <a:t>Secure Payments &amp; Checkout </a:t>
+            </a:r>
+          </a:p>
+        </p:txBody>
+      </p:sp>
+      <p:sp>
+        <p:nvSpPr>
+          <p:cNvPr id="3" name="Content Placeholder 2">
+            <a:extLst>
+              <a:ext uri="{FF2B5EF4-FFF2-40B4-BE49-F238E27FC236}">
+                <a16:creationId xmlns:a16="http://schemas.microsoft.com/office/drawing/2014/main" id="{D8D77967-D0D9-B738-6690-5334AA9A217A}"/>
+              </a:ext>
+            </a:extLst>
+          </p:cNvPr>
+          <p:cNvSpPr>
+            <a:spLocks noGrp="1"/>
+          </p:cNvSpPr>
+          <p:nvPr>
+            <p:ph idx="1"/>
+          </p:nvPr>
+        </p:nvSpPr>
+        <p:spPr>
+          <a:xfrm>
+            <a:off x="755484" y="2459115"/>
+            <a:ext cx="3702579" cy="4605713"/>
+          </a:xfrm>
+        </p:spPr>
+        <p:txBody>
+          <a:bodyPr>
+            <a:normAutofit/>
+          </a:bodyPr>
+          <a:lstStyle/>
+          <a:p>
+            <a:pPr marL="0" indent="0">
+              <a:buNone/>
+            </a:pPr>
+            <a:r>
+              <a:rPr lang="en-US" sz="2000" dirty="0">
+                <a:solidFill>
+                  <a:srgbClr val="FFFFFF"/>
+                </a:solidFill>
+              </a:rPr>
+              <a:t>Powered by Stripe: Integrated with Stripe for world-class security and reliability.</a:t>
+            </a:r>
+          </a:p>
+          <a:p>
+            <a:pPr marL="0" indent="0">
+              <a:buNone/>
+            </a:pPr>
+            <a:endParaRPr lang="en-US" sz="2000" dirty="0">
+              <a:solidFill>
+                <a:srgbClr val="FFFFFF"/>
+              </a:solidFill>
+            </a:endParaRPr>
+          </a:p>
+          <a:p>
+            <a:pPr marL="0" indent="0">
+              <a:buNone/>
+            </a:pPr>
+            <a:r>
+              <a:rPr lang="en-US" sz="2000" dirty="0">
+                <a:solidFill>
+                  <a:srgbClr val="FFFFFF"/>
+                </a:solidFill>
+              </a:rPr>
+              <a:t>Multi-Method Support: Accepts major Credit Cards (Visa, Mastercard, Amex), Link, Amazon Pay, and Cash App Pay.</a:t>
+            </a:r>
+          </a:p>
+          <a:p>
+            <a:pPr marL="0" indent="0">
+              <a:buNone/>
+            </a:pPr>
+            <a:endParaRPr lang="en-US" sz="2000" dirty="0">
+              <a:solidFill>
+                <a:srgbClr val="FFFFFF"/>
+              </a:solidFill>
+            </a:endParaRPr>
+          </a:p>
+          <a:p>
+            <a:pPr marL="0" indent="0">
+              <a:buNone/>
+            </a:pPr>
+            <a:r>
+              <a:rPr lang="en-US" sz="2000" dirty="0">
+                <a:solidFill>
+                  <a:srgbClr val="FFFFFF"/>
+                </a:solidFill>
+              </a:rPr>
+              <a:t>Smart Checkout: Automated coupon application and transparent total calculation before payment.</a:t>
+            </a:r>
+          </a:p>
+        </p:txBody>
+      </p:sp>
+      <p:pic>
+        <p:nvPicPr>
+          <p:cNvPr id="6" name="Picture 5" descr="A screenshot of a computer&#10;&#10;AI-generated content may be incorrect.">
+            <a:extLst>
+              <a:ext uri="{FF2B5EF4-FFF2-40B4-BE49-F238E27FC236}">
+                <a16:creationId xmlns:a16="http://schemas.microsoft.com/office/drawing/2014/main" id="{ED335E6B-E621-28D8-E036-F3F6E207CA06}"/>
+              </a:ext>
+            </a:extLst>
+          </p:cNvPr>
+          <p:cNvPicPr>
+            <a:picLocks noChangeAspect="1"/>
+          </p:cNvPicPr>
+          <p:nvPr/>
+        </p:nvPicPr>
+        <p:blipFill>
+          <a:blip r:embed="rId2">
+            <a:extLst>
+              <a:ext uri="{28A0092B-C50C-407E-A947-70E740481C1C}">
+                <a14:useLocalDpi xmlns:a14="http://schemas.microsoft.com/office/drawing/2010/main" val="0"/>
+              </a:ext>
+            </a:extLst>
+          </a:blip>
+          <a:stretch>
+            <a:fillRect/>
+          </a:stretch>
+        </p:blipFill>
+        <p:spPr>
+          <a:xfrm>
+            <a:off x="6005304" y="2239459"/>
+            <a:ext cx="5407002" cy="2379080"/>
+          </a:xfrm>
+          <a:prstGeom prst="rect">
+            <a:avLst/>
+          </a:prstGeom>
+        </p:spPr>
+      </p:pic>
+    </p:spTree>
+    <p:extLst>
+      <p:ext uri="{BB962C8B-B14F-4D97-AF65-F5344CB8AC3E}">
+        <p14:creationId xmlns:p14="http://schemas.microsoft.com/office/powerpoint/2010/main" val="2119462876"/>
+      </p:ext>
+    </p:extLst>
+  </p:cSld>
+  <p:clrMapOvr>
+    <a:masterClrMapping/>
+  </p:clrMapOvr>
+  <mc:AlternateContent xmlns:mc="http://schemas.openxmlformats.org/markup-compatibility/2006">
+    <mc:Choice xmlns:p159="http://schemas.microsoft.com/office/powerpoint/2015/09/main" Requires="p159">
+      <p:transition xmlns:p14="http://schemas.microsoft.com/office/powerpoint/2010/main" spd="slow" p14:dur="2000">
+        <p159:morph option="byObject"/>
+      </p:transition>
+    </mc:Choice>
+    <mc:Fallback>
+      <p:transition spd="slow">
+        <p:fade/>
+      </p:transition>
+    </mc:Fallback>
+  </mc:AlternateContent>
+  <p:timing>
+    <p:tnLst>
+      <p:par>
+        <p:cTn id="1" dur="indefinite" restart="never" nodeType="tmRoot">
+          <p:childTnLst>
+            <p:seq concurrent="1" nextAc="seek">
+              <p:cTn id="2" dur="indefinite" nodeType="mainSeq">
+                <p:childTnLst>
+                  <p:par>
+                    <p:cTn id="3" fill="hold">
+                      <p:stCondLst>
+                        <p:cond delay="indefinite"/>
+                      </p:stCondLst>
+                      <p:childTnLst>
+                        <p:par>
+                          <p:cTn id="4" fill="hold">
+                            <p:stCondLst>
+                              <p:cond delay="0"/>
+                            </p:stCondLst>
+                            <p:childTnLst>
+                              <p:par>
+                                <p:cTn id="5" presetID="2" presetClass="entr" presetSubtype="1" fill="hold" grpId="0" nodeType="clickEffect">
+                                  <p:stCondLst>
+                                    <p:cond delay="0"/>
+                                  </p:stCondLst>
+                                  <p:childTnLst>
+                                    <p:set>
+                                      <p:cBhvr>
+                                        <p:cTn id="6" dur="1" fill="hold">
+                                          <p:stCondLst>
+                                            <p:cond delay="0"/>
+                                          </p:stCondLst>
+                                        </p:cTn>
+                                        <p:tgtEl>
+                                          <p:spTgt spid="2"/>
+                                        </p:tgtEl>
+                                        <p:attrNameLst>
+                                          <p:attrName>style.visibility</p:attrName>
+                                        </p:attrNameLst>
+                                      </p:cBhvr>
+                                      <p:to>
+                                        <p:strVal val="visible"/>
+                                      </p:to>
+                                    </p:set>
+                                    <p:anim calcmode="lin" valueType="num">
+                                      <p:cBhvr additive="base">
+                                        <p:cTn id="7" dur="500" fill="hold"/>
+                                        <p:tgtEl>
+                                          <p:spTgt spid="2"/>
+                                        </p:tgtEl>
+                                        <p:attrNameLst>
+                                          <p:attrName>ppt_x</p:attrName>
+                                        </p:attrNameLst>
+                                      </p:cBhvr>
+                                      <p:tavLst>
+                                        <p:tav tm="0">
+                                          <p:val>
+                                            <p:strVal val="#ppt_x"/>
+                                          </p:val>
+                                        </p:tav>
+                                        <p:tav tm="100000">
+                                          <p:val>
+                                            <p:strVal val="#ppt_x"/>
+                                          </p:val>
+                                        </p:tav>
+                                      </p:tavLst>
+                                    </p:anim>
+                                    <p:anim calcmode="lin" valueType="num">
+                                      <p:cBhvr additive="base">
+                                        <p:cTn id="8" dur="500" fill="hold"/>
+                                        <p:tgtEl>
+                                          <p:spTgt spid="2"/>
+                                        </p:tgtEl>
+                                        <p:attrNameLst>
+                                          <p:attrName>ppt_y</p:attrName>
+                                        </p:attrNameLst>
+                                      </p:cBhvr>
+                                      <p:tavLst>
+                                        <p:tav tm="0">
+                                          <p:val>
+                                            <p:strVal val="0-#ppt_h/2"/>
+                                          </p:val>
+                                        </p:tav>
+                                        <p:tav tm="100000">
+                                          <p:val>
+                                            <p:strVal val="#ppt_y"/>
+                                          </p:val>
+                                        </p:tav>
+                                      </p:tavLst>
+                                    </p:anim>
+                                  </p:childTnLst>
+                                </p:cTn>
+                              </p:par>
+                            </p:childTnLst>
+                          </p:cTn>
+                        </p:par>
+                      </p:childTnLst>
+                    </p:cTn>
+                  </p:par>
+                  <p:par>
+                    <p:cTn id="9" fill="hold">
+                      <p:stCondLst>
+                        <p:cond delay="indefinite"/>
+                      </p:stCondLst>
+                      <p:childTnLst>
+                        <p:par>
+                          <p:cTn id="10" fill="hold">
+                            <p:stCondLst>
+                              <p:cond delay="0"/>
+                            </p:stCondLst>
+                            <p:childTnLst>
+                              <p:par>
+                                <p:cTn id="11" presetID="2" presetClass="entr" presetSubtype="4" fill="hold" grpId="0" nodeType="clickEffect">
+                                  <p:stCondLst>
+                                    <p:cond delay="0"/>
+                                  </p:stCondLst>
+                                  <p:childTnLst>
+                                    <p:set>
+                                      <p:cBhvr>
+                                        <p:cTn id="12" dur="1" fill="hold">
+                                          <p:stCondLst>
+                                            <p:cond delay="0"/>
+                                          </p:stCondLst>
+                                        </p:cTn>
+                                        <p:tgtEl>
+                                          <p:spTgt spid="3"/>
+                                        </p:tgtEl>
+                                        <p:attrNameLst>
+                                          <p:attrName>style.visibility</p:attrName>
+                                        </p:attrNameLst>
+                                      </p:cBhvr>
+                                      <p:to>
+                                        <p:strVal val="visible"/>
+                                      </p:to>
+                                    </p:set>
+                                    <p:anim calcmode="lin" valueType="num">
+                                      <p:cBhvr additive="base">
+                                        <p:cTn id="13" dur="500" fill="hold"/>
+                                        <p:tgtEl>
+                                          <p:spTgt spid="3"/>
+                                        </p:tgtEl>
+                                        <p:attrNameLst>
+                                          <p:attrName>ppt_x</p:attrName>
+                                        </p:attrNameLst>
+                                      </p:cBhvr>
+                                      <p:tavLst>
+                                        <p:tav tm="0">
+                                          <p:val>
+                                            <p:strVal val="#ppt_x"/>
+                                          </p:val>
+                                        </p:tav>
+                                        <p:tav tm="100000">
+                                          <p:val>
+                                            <p:strVal val="#ppt_x"/>
+                                          </p:val>
+                                        </p:tav>
+                                      </p:tavLst>
+                                    </p:anim>
+                                    <p:anim calcmode="lin" valueType="num">
+                                      <p:cBhvr additive="base">
+                                        <p:cTn id="14" dur="500" fill="hold"/>
+                                        <p:tgtEl>
+                                          <p:spTgt spid="3"/>
+                                        </p:tgtEl>
+                                        <p:attrNameLst>
+                                          <p:attrName>ppt_y</p:attrName>
+                                        </p:attrNameLst>
+                                      </p:cBhvr>
+                                      <p:tavLst>
+                                        <p:tav tm="0">
+                                          <p:val>
+                                            <p:strVal val="1+#ppt_h/2"/>
+                                          </p:val>
+                                        </p:tav>
+                                        <p:tav tm="100000">
+                                          <p:val>
+                                            <p:strVal val="#ppt_y"/>
+                                          </p:val>
+                                        </p:tav>
+                                      </p:tavLst>
+                                    </p:anim>
+                                  </p:childTnLst>
+                                </p:cTn>
+                              </p:par>
+                            </p:childTnLst>
+                          </p:cTn>
+                        </p:par>
+                      </p:childTnLst>
+                    </p:cTn>
+                  </p:par>
+                </p:childTnLst>
+              </p:cTn>
+              <p:prevCondLst>
+                <p:cond evt="onPrev" delay="0">
+                  <p:tgtEl>
+                    <p:sldTgt/>
+                  </p:tgtEl>
+                </p:cond>
+              </p:prevCondLst>
+              <p:nextCondLst>
+                <p:cond evt="onNext" delay="0">
+                  <p:tgtEl>
+                    <p:sldTgt/>
+                  </p:tgtEl>
+                </p:cond>
+              </p:nextCondLst>
+            </p:seq>
+          </p:childTnLst>
+        </p:cTn>
+      </p:par>
+    </p:tnLst>
+    <p:bldLst>
+      <p:bldP spid="2" grpId="0" autoUpdateAnimBg="0"/>
       <p:bldP spid="3" grpId="0" autoUpdateAnimBg="0"/>
     </p:bldLst>
   </p:timing>

--- a/Hot Deals Platform.pptx
+++ b/Hot Deals Platform.pptx
@@ -3346,7 +3346,7 @@
       </p:grpSpPr>
       <p:sp>
         <p:nvSpPr>
-          <p:cNvPr id="8" name="Rectangle 7">
+          <p:cNvPr id="31" name="Rectangle 30">
             <a:extLst>
               <a:ext uri="{FF2B5EF4-FFF2-40B4-BE49-F238E27FC236}">
                 <a16:creationId xmlns:a16="http://schemas.microsoft.com/office/drawing/2014/main" id="{5E7AA7E8-8006-4E1F-A566-FCF37EE6F35D}"/>
@@ -3490,7 +3490,7 @@
           <a:p>
             <a:pPr algn="l"/>
             <a:r>
-              <a:rPr lang="en-US" sz="3100">
+              <a:rPr lang="en-US" sz="4400">
                 <a:solidFill>
                   <a:srgbClr val="FFFFFF"/>
                 </a:solidFill>
@@ -3501,7 +3501,7 @@
           <a:p>
             <a:pPr algn="l"/>
             <a:r>
-              <a:rPr lang="en-US" sz="3100">
+              <a:rPr lang="en-US" sz="4400">
                 <a:solidFill>
                   <a:srgbClr val="FFFFFF"/>
                 </a:solidFill>
@@ -3511,61 +3511,17 @@
           </a:p>
           <a:p>
             <a:pPr algn="l"/>
-            <a:endParaRPr lang="ar-EG" sz="3100">
+            <a:endParaRPr lang="ar-EG" sz="4400">
               <a:solidFill>
                 <a:srgbClr val="FFFFFF"/>
               </a:solidFill>
             </a:endParaRPr>
           </a:p>
-          <a:p>
-            <a:pPr algn="l"/>
-            <a:r>
-              <a:rPr lang="en-US" sz="3100">
-                <a:solidFill>
-                  <a:srgbClr val="FFFFFF"/>
-                </a:solidFill>
-              </a:rPr>
-              <a:t>Youssef Atef: Leader / Frontend</a:t>
-            </a:r>
-          </a:p>
-          <a:p>
-            <a:pPr algn="l"/>
-            <a:r>
-              <a:rPr lang="en-US" sz="3100">
-                <a:solidFill>
-                  <a:srgbClr val="FFFFFF"/>
-                </a:solidFill>
-              </a:rPr>
-              <a:t>Philopater Wael: Frontend / Backend</a:t>
-            </a:r>
-          </a:p>
-          <a:p>
-            <a:pPr algn="l"/>
-            <a:r>
-              <a:rPr lang="en-US" sz="3100">
-                <a:solidFill>
-                  <a:srgbClr val="FFFFFF"/>
-                </a:solidFill>
-              </a:rPr>
-              <a:t>Youssef Waleed: Frontend</a:t>
-            </a:r>
-          </a:p>
-          <a:p>
-            <a:pPr algn="l"/>
-            <a:r>
-              <a:rPr lang="en-US" sz="3100">
-                <a:solidFill>
-                  <a:srgbClr val="FFFFFF"/>
-                </a:solidFill>
-              </a:rPr>
-              <a:t>Ahmed Sobhy: Frontend</a:t>
-            </a:r>
-          </a:p>
         </p:txBody>
       </p:sp>
       <p:cxnSp>
         <p:nvCxnSpPr>
-          <p:cNvPr id="10" name="Straight Connector 9">
+          <p:cNvPr id="32" name="Straight Connector 31">
             <a:extLst>
               <a:ext uri="{FF2B5EF4-FFF2-40B4-BE49-F238E27FC236}">
                 <a16:creationId xmlns:a16="http://schemas.microsoft.com/office/drawing/2014/main" id="{56020367-4FD5-4596-8E10-C5F095CD8DBF}"/>
@@ -3876,466 +3832,6 @@
                       </p:childTnLst>
                     </p:cTn>
                   </p:par>
-                  <p:par>
-                    <p:cTn id="17" fill="hold">
-                      <p:stCondLst>
-                        <p:cond delay="indefinite"/>
-                      </p:stCondLst>
-                      <p:childTnLst>
-                        <p:par>
-                          <p:cTn id="18" fill="hold">
-                            <p:stCondLst>
-                              <p:cond delay="0"/>
-                            </p:stCondLst>
-                            <p:childTnLst>
-                              <p:par>
-                                <p:cTn id="19" presetID="53" presetClass="entr" presetSubtype="16" fill="hold" grpId="0" nodeType="clickEffect">
-                                  <p:stCondLst>
-                                    <p:cond delay="0"/>
-                                  </p:stCondLst>
-                                  <p:childTnLst>
-                                    <p:set>
-                                      <p:cBhvr>
-                                        <p:cTn id="20" dur="1" fill="hold">
-                                          <p:stCondLst>
-                                            <p:cond delay="0"/>
-                                          </p:stCondLst>
-                                        </p:cTn>
-                                        <p:tgtEl>
-                                          <p:spTgt spid="3">
-                                            <p:txEl>
-                                              <p:pRg st="3" end="3"/>
-                                            </p:txEl>
-                                          </p:spTgt>
-                                        </p:tgtEl>
-                                        <p:attrNameLst>
-                                          <p:attrName>style.visibility</p:attrName>
-                                        </p:attrNameLst>
-                                      </p:cBhvr>
-                                      <p:to>
-                                        <p:strVal val="visible"/>
-                                      </p:to>
-                                    </p:set>
-                                    <p:anim calcmode="lin" valueType="num">
-                                      <p:cBhvr>
-                                        <p:cTn id="21" dur="500" fill="hold"/>
-                                        <p:tgtEl>
-                                          <p:spTgt spid="3">
-                                            <p:txEl>
-                                              <p:pRg st="3" end="3"/>
-                                            </p:txEl>
-                                          </p:spTgt>
-                                        </p:tgtEl>
-                                        <p:attrNameLst>
-                                          <p:attrName>ppt_w</p:attrName>
-                                        </p:attrNameLst>
-                                      </p:cBhvr>
-                                      <p:tavLst>
-                                        <p:tav tm="0">
-                                          <p:val>
-                                            <p:fltVal val="0"/>
-                                          </p:val>
-                                        </p:tav>
-                                        <p:tav tm="100000">
-                                          <p:val>
-                                            <p:strVal val="#ppt_w"/>
-                                          </p:val>
-                                        </p:tav>
-                                      </p:tavLst>
-                                    </p:anim>
-                                    <p:anim calcmode="lin" valueType="num">
-                                      <p:cBhvr>
-                                        <p:cTn id="22" dur="500" fill="hold"/>
-                                        <p:tgtEl>
-                                          <p:spTgt spid="3">
-                                            <p:txEl>
-                                              <p:pRg st="3" end="3"/>
-                                            </p:txEl>
-                                          </p:spTgt>
-                                        </p:tgtEl>
-                                        <p:attrNameLst>
-                                          <p:attrName>ppt_h</p:attrName>
-                                        </p:attrNameLst>
-                                      </p:cBhvr>
-                                      <p:tavLst>
-                                        <p:tav tm="0">
-                                          <p:val>
-                                            <p:fltVal val="0"/>
-                                          </p:val>
-                                        </p:tav>
-                                        <p:tav tm="100000">
-                                          <p:val>
-                                            <p:strVal val="#ppt_h"/>
-                                          </p:val>
-                                        </p:tav>
-                                      </p:tavLst>
-                                    </p:anim>
-                                    <p:animEffect transition="in" filter="fade">
-                                      <p:cBhvr>
-                                        <p:cTn id="23" dur="500"/>
-                                        <p:tgtEl>
-                                          <p:spTgt spid="3">
-                                            <p:txEl>
-                                              <p:pRg st="3" end="3"/>
-                                            </p:txEl>
-                                          </p:spTgt>
-                                        </p:tgtEl>
-                                      </p:cBhvr>
-                                    </p:animEffect>
-                                  </p:childTnLst>
-                                </p:cTn>
-                              </p:par>
-                            </p:childTnLst>
-                          </p:cTn>
-                        </p:par>
-                      </p:childTnLst>
-                    </p:cTn>
-                  </p:par>
-                  <p:par>
-                    <p:cTn id="24" fill="hold">
-                      <p:stCondLst>
-                        <p:cond delay="indefinite"/>
-                      </p:stCondLst>
-                      <p:childTnLst>
-                        <p:par>
-                          <p:cTn id="25" fill="hold">
-                            <p:stCondLst>
-                              <p:cond delay="0"/>
-                            </p:stCondLst>
-                            <p:childTnLst>
-                              <p:par>
-                                <p:cTn id="26" presetID="53" presetClass="entr" presetSubtype="16" fill="hold" grpId="0" nodeType="clickEffect">
-                                  <p:stCondLst>
-                                    <p:cond delay="0"/>
-                                  </p:stCondLst>
-                                  <p:childTnLst>
-                                    <p:set>
-                                      <p:cBhvr>
-                                        <p:cTn id="27" dur="1" fill="hold">
-                                          <p:stCondLst>
-                                            <p:cond delay="0"/>
-                                          </p:stCondLst>
-                                        </p:cTn>
-                                        <p:tgtEl>
-                                          <p:spTgt spid="3">
-                                            <p:txEl>
-                                              <p:pRg st="4" end="4"/>
-                                            </p:txEl>
-                                          </p:spTgt>
-                                        </p:tgtEl>
-                                        <p:attrNameLst>
-                                          <p:attrName>style.visibility</p:attrName>
-                                        </p:attrNameLst>
-                                      </p:cBhvr>
-                                      <p:to>
-                                        <p:strVal val="visible"/>
-                                      </p:to>
-                                    </p:set>
-                                    <p:anim calcmode="lin" valueType="num">
-                                      <p:cBhvr>
-                                        <p:cTn id="28" dur="500" fill="hold"/>
-                                        <p:tgtEl>
-                                          <p:spTgt spid="3">
-                                            <p:txEl>
-                                              <p:pRg st="4" end="4"/>
-                                            </p:txEl>
-                                          </p:spTgt>
-                                        </p:tgtEl>
-                                        <p:attrNameLst>
-                                          <p:attrName>ppt_w</p:attrName>
-                                        </p:attrNameLst>
-                                      </p:cBhvr>
-                                      <p:tavLst>
-                                        <p:tav tm="0">
-                                          <p:val>
-                                            <p:fltVal val="0"/>
-                                          </p:val>
-                                        </p:tav>
-                                        <p:tav tm="100000">
-                                          <p:val>
-                                            <p:strVal val="#ppt_w"/>
-                                          </p:val>
-                                        </p:tav>
-                                      </p:tavLst>
-                                    </p:anim>
-                                    <p:anim calcmode="lin" valueType="num">
-                                      <p:cBhvr>
-                                        <p:cTn id="29" dur="500" fill="hold"/>
-                                        <p:tgtEl>
-                                          <p:spTgt spid="3">
-                                            <p:txEl>
-                                              <p:pRg st="4" end="4"/>
-                                            </p:txEl>
-                                          </p:spTgt>
-                                        </p:tgtEl>
-                                        <p:attrNameLst>
-                                          <p:attrName>ppt_h</p:attrName>
-                                        </p:attrNameLst>
-                                      </p:cBhvr>
-                                      <p:tavLst>
-                                        <p:tav tm="0">
-                                          <p:val>
-                                            <p:fltVal val="0"/>
-                                          </p:val>
-                                        </p:tav>
-                                        <p:tav tm="100000">
-                                          <p:val>
-                                            <p:strVal val="#ppt_h"/>
-                                          </p:val>
-                                        </p:tav>
-                                      </p:tavLst>
-                                    </p:anim>
-                                    <p:animEffect transition="in" filter="fade">
-                                      <p:cBhvr>
-                                        <p:cTn id="30" dur="500"/>
-                                        <p:tgtEl>
-                                          <p:spTgt spid="3">
-                                            <p:txEl>
-                                              <p:pRg st="4" end="4"/>
-                                            </p:txEl>
-                                          </p:spTgt>
-                                        </p:tgtEl>
-                                      </p:cBhvr>
-                                    </p:animEffect>
-                                  </p:childTnLst>
-                                </p:cTn>
-                              </p:par>
-                            </p:childTnLst>
-                          </p:cTn>
-                        </p:par>
-                      </p:childTnLst>
-                    </p:cTn>
-                  </p:par>
-                  <p:par>
-                    <p:cTn id="31" fill="hold">
-                      <p:stCondLst>
-                        <p:cond delay="indefinite"/>
-                      </p:stCondLst>
-                      <p:childTnLst>
-                        <p:par>
-                          <p:cTn id="32" fill="hold">
-                            <p:stCondLst>
-                              <p:cond delay="0"/>
-                            </p:stCondLst>
-                            <p:childTnLst>
-                              <p:par>
-                                <p:cTn id="33" presetID="53" presetClass="entr" presetSubtype="16" fill="hold" grpId="0" nodeType="clickEffect">
-                                  <p:stCondLst>
-                                    <p:cond delay="0"/>
-                                  </p:stCondLst>
-                                  <p:childTnLst>
-                                    <p:set>
-                                      <p:cBhvr>
-                                        <p:cTn id="34" dur="1" fill="hold">
-                                          <p:stCondLst>
-                                            <p:cond delay="0"/>
-                                          </p:stCondLst>
-                                        </p:cTn>
-                                        <p:tgtEl>
-                                          <p:spTgt spid="3">
-                                            <p:txEl>
-                                              <p:pRg st="5" end="5"/>
-                                            </p:txEl>
-                                          </p:spTgt>
-                                        </p:tgtEl>
-                                        <p:attrNameLst>
-                                          <p:attrName>style.visibility</p:attrName>
-                                        </p:attrNameLst>
-                                      </p:cBhvr>
-                                      <p:to>
-                                        <p:strVal val="visible"/>
-                                      </p:to>
-                                    </p:set>
-                                    <p:anim calcmode="lin" valueType="num">
-                                      <p:cBhvr>
-                                        <p:cTn id="35" dur="500" fill="hold"/>
-                                        <p:tgtEl>
-                                          <p:spTgt spid="3">
-                                            <p:txEl>
-                                              <p:pRg st="5" end="5"/>
-                                            </p:txEl>
-                                          </p:spTgt>
-                                        </p:tgtEl>
-                                        <p:attrNameLst>
-                                          <p:attrName>ppt_w</p:attrName>
-                                        </p:attrNameLst>
-                                      </p:cBhvr>
-                                      <p:tavLst>
-                                        <p:tav tm="0">
-                                          <p:val>
-                                            <p:fltVal val="0"/>
-                                          </p:val>
-                                        </p:tav>
-                                        <p:tav tm="100000">
-                                          <p:val>
-                                            <p:strVal val="#ppt_w"/>
-                                          </p:val>
-                                        </p:tav>
-                                      </p:tavLst>
-                                    </p:anim>
-                                    <p:anim calcmode="lin" valueType="num">
-                                      <p:cBhvr>
-                                        <p:cTn id="36" dur="500" fill="hold"/>
-                                        <p:tgtEl>
-                                          <p:spTgt spid="3">
-                                            <p:txEl>
-                                              <p:pRg st="5" end="5"/>
-                                            </p:txEl>
-                                          </p:spTgt>
-                                        </p:tgtEl>
-                                        <p:attrNameLst>
-                                          <p:attrName>ppt_h</p:attrName>
-                                        </p:attrNameLst>
-                                      </p:cBhvr>
-                                      <p:tavLst>
-                                        <p:tav tm="0">
-                                          <p:val>
-                                            <p:fltVal val="0"/>
-                                          </p:val>
-                                        </p:tav>
-                                        <p:tav tm="100000">
-                                          <p:val>
-                                            <p:strVal val="#ppt_h"/>
-                                          </p:val>
-                                        </p:tav>
-                                      </p:tavLst>
-                                    </p:anim>
-                                    <p:animEffect transition="in" filter="fade">
-                                      <p:cBhvr>
-                                        <p:cTn id="37" dur="500"/>
-                                        <p:tgtEl>
-                                          <p:spTgt spid="3">
-                                            <p:txEl>
-                                              <p:pRg st="5" end="5"/>
-                                            </p:txEl>
-                                          </p:spTgt>
-                                        </p:tgtEl>
-                                      </p:cBhvr>
-                                    </p:animEffect>
-                                  </p:childTnLst>
-                                </p:cTn>
-                              </p:par>
-                            </p:childTnLst>
-                          </p:cTn>
-                        </p:par>
-                      </p:childTnLst>
-                    </p:cTn>
-                  </p:par>
-                  <p:par>
-                    <p:cTn id="38" fill="hold">
-                      <p:stCondLst>
-                        <p:cond delay="indefinite"/>
-                      </p:stCondLst>
-                      <p:childTnLst>
-                        <p:par>
-                          <p:cTn id="39" fill="hold">
-                            <p:stCondLst>
-                              <p:cond delay="0"/>
-                            </p:stCondLst>
-                            <p:childTnLst>
-                              <p:par>
-                                <p:cTn id="40" presetID="53" presetClass="entr" presetSubtype="16" fill="hold" grpId="0" nodeType="clickEffect">
-                                  <p:stCondLst>
-                                    <p:cond delay="0"/>
-                                  </p:stCondLst>
-                                  <p:childTnLst>
-                                    <p:set>
-                                      <p:cBhvr>
-                                        <p:cTn id="41" dur="1" fill="hold">
-                                          <p:stCondLst>
-                                            <p:cond delay="0"/>
-                                          </p:stCondLst>
-                                        </p:cTn>
-                                        <p:tgtEl>
-                                          <p:spTgt spid="3">
-                                            <p:txEl>
-                                              <p:pRg st="6" end="6"/>
-                                            </p:txEl>
-                                          </p:spTgt>
-                                        </p:tgtEl>
-                                        <p:attrNameLst>
-                                          <p:attrName>style.visibility</p:attrName>
-                                        </p:attrNameLst>
-                                      </p:cBhvr>
-                                      <p:to>
-                                        <p:strVal val="visible"/>
-                                      </p:to>
-                                    </p:set>
-                                    <p:anim calcmode="lin" valueType="num">
-                                      <p:cBhvr>
-                                        <p:cTn id="42" dur="500" fill="hold"/>
-                                        <p:tgtEl>
-                                          <p:spTgt spid="3">
-                                            <p:txEl>
-                                              <p:pRg st="6" end="6"/>
-                                            </p:txEl>
-                                          </p:spTgt>
-                                        </p:tgtEl>
-                                        <p:attrNameLst>
-                                          <p:attrName>ppt_w</p:attrName>
-                                        </p:attrNameLst>
-                                      </p:cBhvr>
-                                      <p:tavLst>
-                                        <p:tav tm="0">
-                                          <p:val>
-                                            <p:fltVal val="0"/>
-                                          </p:val>
-                                        </p:tav>
-                                        <p:tav tm="100000">
-                                          <p:val>
-                                            <p:strVal val="#ppt_w"/>
-                                          </p:val>
-                                        </p:tav>
-                                      </p:tavLst>
-                                    </p:anim>
-                                    <p:anim calcmode="lin" valueType="num">
-                                      <p:cBhvr>
-                                        <p:cTn id="43" dur="500" fill="hold"/>
-                                        <p:tgtEl>
-                                          <p:spTgt spid="3">
-                                            <p:txEl>
-                                              <p:pRg st="6" end="6"/>
-                                            </p:txEl>
-                                          </p:spTgt>
-                                        </p:tgtEl>
-                                        <p:attrNameLst>
-                                          <p:attrName>ppt_h</p:attrName>
-                                        </p:attrNameLst>
-                                      </p:cBhvr>
-                                      <p:tavLst>
-                                        <p:tav tm="0">
-                                          <p:val>
-                                            <p:fltVal val="0"/>
-                                          </p:val>
-                                        </p:tav>
-                                        <p:tav tm="100000">
-                                          <p:val>
-                                            <p:strVal val="#ppt_h"/>
-                                          </p:val>
-                                        </p:tav>
-                                      </p:tavLst>
-                                    </p:anim>
-                                    <p:animEffect transition="in" filter="fade">
-                                      <p:cBhvr>
-                                        <p:cTn id="44" dur="500"/>
-                                        <p:tgtEl>
-                                          <p:spTgt spid="3">
-                                            <p:txEl>
-                                              <p:pRg st="6" end="6"/>
-                                            </p:txEl>
-                                          </p:spTgt>
-                                        </p:tgtEl>
-                                      </p:cBhvr>
-                                    </p:animEffect>
-                                  </p:childTnLst>
-                                </p:cTn>
-                              </p:par>
-                            </p:childTnLst>
-                          </p:cTn>
-                        </p:par>
-                      </p:childTnLst>
-                    </p:cTn>
-                  </p:par>
                 </p:childTnLst>
               </p:cTn>
               <p:prevCondLst>
@@ -4841,13 +4337,13 @@
   <p:clrMapOvr>
     <a:masterClrMapping/>
   </p:clrMapOvr>
-  <mc:AlternateContent xmlns:mc="http://schemas.openxmlformats.org/markup-compatibility/2006">
-    <mc:Choice xmlns:p159="http://schemas.microsoft.com/office/powerpoint/2015/09/main" Requires="p159">
+  <mc:AlternateContent xmlns:mc="http://schemas.openxmlformats.org/markup-compatibility/2006" xmlns:p159="http://schemas.microsoft.com/office/powerpoint/2015/09/main">
+    <mc:Choice Requires="p159">
       <p:transition xmlns:p14="http://schemas.microsoft.com/office/powerpoint/2010/main" spd="slow" p14:dur="2000">
         <p159:morph option="byObject"/>
       </p:transition>
     </mc:Choice>
-    <mc:Fallback>
+    <mc:Fallback xmlns="">
       <p:transition spd="slow">
         <p:fade/>
       </p:transition>
@@ -7737,13 +7233,13 @@
   <p:clrMapOvr>
     <a:masterClrMapping/>
   </p:clrMapOvr>
-  <mc:AlternateContent xmlns:mc="http://schemas.openxmlformats.org/markup-compatibility/2006">
-    <mc:Choice xmlns:p159="http://schemas.microsoft.com/office/powerpoint/2015/09/main" Requires="p159">
+  <mc:AlternateContent xmlns:mc="http://schemas.openxmlformats.org/markup-compatibility/2006" xmlns:p159="http://schemas.microsoft.com/office/powerpoint/2015/09/main">
+    <mc:Choice Requires="p159">
       <p:transition xmlns:p14="http://schemas.microsoft.com/office/powerpoint/2010/main" spd="slow" p14:dur="2000">
         <p159:morph option="byObject"/>
       </p:transition>
     </mc:Choice>
-    <mc:Fallback>
+    <mc:Fallback xmlns="">
       <p:transition spd="slow">
         <p:fade/>
       </p:transition>
@@ -8501,13 +7997,13 @@
   <p:clrMapOvr>
     <a:masterClrMapping/>
   </p:clrMapOvr>
-  <mc:AlternateContent xmlns:mc="http://schemas.openxmlformats.org/markup-compatibility/2006">
-    <mc:Choice xmlns:p159="http://schemas.microsoft.com/office/powerpoint/2015/09/main" Requires="p159">
+  <mc:AlternateContent xmlns:mc="http://schemas.openxmlformats.org/markup-compatibility/2006" xmlns:p159="http://schemas.microsoft.com/office/powerpoint/2015/09/main">
+    <mc:Choice Requires="p159">
       <p:transition xmlns:p14="http://schemas.microsoft.com/office/powerpoint/2010/main" spd="slow" p14:dur="2000">
         <p159:morph option="byObject"/>
       </p:transition>
     </mc:Choice>
-    <mc:Fallback>
+    <mc:Fallback xmlns="">
       <p:transition spd="slow">
         <p:fade/>
       </p:transition>
@@ -12201,13 +11697,13 @@
   <p:clrMapOvr>
     <a:masterClrMapping/>
   </p:clrMapOvr>
-  <mc:AlternateContent xmlns:mc="http://schemas.openxmlformats.org/markup-compatibility/2006">
-    <mc:Choice xmlns:p159="http://schemas.microsoft.com/office/powerpoint/2015/09/main" Requires="p159">
+  <mc:AlternateContent xmlns:mc="http://schemas.openxmlformats.org/markup-compatibility/2006" xmlns:p159="http://schemas.microsoft.com/office/powerpoint/2015/09/main">
+    <mc:Choice Requires="p159">
       <p:transition xmlns:p14="http://schemas.microsoft.com/office/powerpoint/2010/main" spd="slow" p14:dur="2000">
         <p159:morph option="byObject"/>
       </p:transition>
     </mc:Choice>
-    <mc:Fallback>
+    <mc:Fallback xmlns="">
       <p:transition spd="slow">
         <p:fade/>
       </p:transition>

--- a/Hot Deals Platform.pptx
+++ b/Hot Deals Platform.pptx
@@ -7187,39 +7187,39 @@
           <a:lstStyle/>
           <a:p>
             <a:r>
-              <a:rPr lang="en-US" sz="2400"/>
+              <a:rPr lang="en-US" sz="2400" dirty="0"/>
               <a:t>Youssef Atef: Team Leader &amp; Frontend Developer.</a:t>
             </a:r>
           </a:p>
           <a:p>
-            <a:endParaRPr lang="en-US" sz="2400"/>
+            <a:endParaRPr lang="en-US" sz="2400" dirty="0"/>
           </a:p>
           <a:p>
             <a:r>
               <a:rPr lang="en-US" sz="2400"/>
-              <a:t>Philopater Wael: Frontend &amp; Backend Developer</a:t>
+              <a:t>Philopateer Wael: Frontend &amp; Backend Developer</a:t>
             </a:r>
           </a:p>
           <a:p>
-            <a:endParaRPr lang="en-US" sz="2400"/>
+            <a:endParaRPr lang="en-US" sz="2400" dirty="0"/>
           </a:p>
           <a:p>
             <a:r>
-              <a:rPr lang="en-US" sz="2400"/>
+              <a:rPr lang="en-US" sz="2400" dirty="0"/>
               <a:t>Youssef Waleer: Frontend developer</a:t>
             </a:r>
           </a:p>
           <a:p>
-            <a:endParaRPr lang="en-US" sz="2400"/>
+            <a:endParaRPr lang="en-US" sz="2400" dirty="0"/>
           </a:p>
           <a:p>
             <a:r>
-              <a:rPr lang="en-US" sz="2400"/>
+              <a:rPr lang="en-US" sz="2400" dirty="0"/>
               <a:t>Ahmed Sobhy: Frontend developer</a:t>
             </a:r>
           </a:p>
           <a:p>
-            <a:endParaRPr lang="en-US" sz="2400"/>
+            <a:endParaRPr lang="en-US" sz="2400" dirty="0"/>
           </a:p>
         </p:txBody>
       </p:sp>
